--- a/COMP2x0-portfolio-workshop-05.pptx
+++ b/COMP2x0-portfolio-workshop-05.pptx
@@ -591,7 +591,7 @@
           <a:p>
             <a:fld id="{EA0C0817-A112-4847-8014-A94B7D2A4EA3}" type="datetime1">
               <a:rPr lang="en-US" smtClean="0"/>
-              <a:t>2/23/2020</a:t>
+              <a:t>1/21/2021</a:t>
             </a:fld>
             <a:endParaRPr lang="en-US" dirty="0"/>
           </a:p>
@@ -793,7 +793,7 @@
           <a:p>
             <a:fld id="{134F40B7-36AB-4376-BE14-EF7004D79BB9}" type="datetime1">
               <a:rPr lang="en-US" smtClean="0"/>
-              <a:t>2/23/2020</a:t>
+              <a:t>1/21/2021</a:t>
             </a:fld>
             <a:endParaRPr lang="en-US"/>
           </a:p>
@@ -973,7 +973,7 @@
           <a:p>
             <a:fld id="{FF87CAB8-DCAE-46A5-AADA-B3FAD11A54E0}" type="datetime1">
               <a:rPr lang="en-US" smtClean="0"/>
-              <a:t>2/23/2020</a:t>
+              <a:t>1/21/2021</a:t>
             </a:fld>
             <a:endParaRPr lang="en-US"/>
           </a:p>
@@ -1143,7 +1143,7 @@
           <a:p>
             <a:fld id="{7332B432-ACDA-4023-A761-2BAB76577B62}" type="datetime1">
               <a:rPr lang="en-US" smtClean="0"/>
-              <a:t>2/23/2020</a:t>
+              <a:t>1/21/2021</a:t>
             </a:fld>
             <a:endParaRPr lang="en-US"/>
           </a:p>
@@ -1742,7 +1742,7 @@
           <a:p>
             <a:fld id="{D9C646AA-F36E-4540-911D-FFFC0A0EF24A}" type="datetime1">
               <a:rPr lang="en-US" smtClean="0"/>
-              <a:t>2/23/2020</a:t>
+              <a:t>1/21/2021</a:t>
             </a:fld>
             <a:endParaRPr lang="en-US" dirty="0"/>
           </a:p>
@@ -2062,7 +2062,7 @@
           <a:p>
             <a:fld id="{69186D26-FA5F-4637-B602-B7C2DC34CFD4}" type="datetime1">
               <a:rPr lang="en-US" smtClean="0"/>
-              <a:t>2/23/2020</a:t>
+              <a:t>1/21/2021</a:t>
             </a:fld>
             <a:endParaRPr lang="en-US"/>
           </a:p>
@@ -2499,7 +2499,7 @@
           <a:p>
             <a:fld id="{8A7F15D8-96D1-4781-BC50-CA8A088B2FE4}" type="datetime1">
               <a:rPr lang="en-US" smtClean="0"/>
-              <a:t>2/23/2020</a:t>
+              <a:t>1/21/2021</a:t>
             </a:fld>
             <a:endParaRPr lang="en-US"/>
           </a:p>
@@ -2617,7 +2617,7 @@
           <a:p>
             <a:fld id="{F9A96C99-B8F8-4528-BD05-0E16E943DC09}" type="datetime1">
               <a:rPr lang="en-US" smtClean="0"/>
-              <a:t>2/23/2020</a:t>
+              <a:t>1/21/2021</a:t>
             </a:fld>
             <a:endParaRPr lang="en-US"/>
           </a:p>
@@ -2712,7 +2712,7 @@
           <a:p>
             <a:fld id="{03636942-C211-4B28-8DBD-C953E00AF71B}" type="datetime1">
               <a:rPr lang="en-US" smtClean="0"/>
-              <a:t>2/23/2020</a:t>
+              <a:t>1/21/2021</a:t>
             </a:fld>
             <a:endParaRPr lang="en-US"/>
           </a:p>
@@ -3129,7 +3129,7 @@
           <a:p>
             <a:fld id="{7E8D12A6-918A-48BD-8CB9-CA713993B0EA}" type="datetime1">
               <a:rPr lang="en-US" smtClean="0"/>
-              <a:t>2/23/2020</a:t>
+              <a:t>1/21/2021</a:t>
             </a:fld>
             <a:endParaRPr lang="en-US"/>
           </a:p>
@@ -3391,7 +3391,7 @@
             <a:fld id="{E778CE86-875F-4587-BCF6-FA054AFC0D53}" type="datetime1">
               <a:rPr lang="en-US" smtClean="0"/>
               <a:pPr/>
-              <a:t>2/23/2020</a:t>
+              <a:t>1/21/2021</a:t>
             </a:fld>
             <a:endParaRPr lang="en-US" dirty="0"/>
           </a:p>
@@ -3907,7 +3907,7 @@
           <a:p>
             <a:fld id="{F6FA2B21-3FCD-4721-B95C-427943F61125}" type="datetime1">
               <a:rPr lang="en-US" smtClean="0"/>
-              <a:t>2/23/2020</a:t>
+              <a:t>1/21/2021</a:t>
             </a:fld>
             <a:endParaRPr lang="en-US"/>
           </a:p>
@@ -4508,91 +4508,6 @@
           </a:effectLst>
         </p:spPr>
       </p:sp>
-      <p:sp>
-        <p:nvSpPr>
-          <p:cNvPr id="2" name="Title 1">
-            <a:extLst>
-              <a:ext uri="{FF2B5EF4-FFF2-40B4-BE49-F238E27FC236}">
-                <a16:creationId xmlns:a16="http://schemas.microsoft.com/office/drawing/2014/main" id="{18C3B467-088C-4F3D-A9A7-105C4E1E20CD}"/>
-              </a:ext>
-            </a:extLst>
-          </p:cNvPr>
-          <p:cNvSpPr>
-            <a:spLocks noGrp="1"/>
-          </p:cNvSpPr>
-          <p:nvPr>
-            <p:ph type="ctrTitle"/>
-          </p:nvPr>
-        </p:nvSpPr>
-        <p:spPr>
-          <a:xfrm>
-            <a:off x="6033792" y="2613546"/>
-            <a:ext cx="4775075" cy="1630907"/>
-          </a:xfrm>
-        </p:spPr>
-        <p:txBody>
-          <a:bodyPr>
-            <a:normAutofit fontScale="90000"/>
-          </a:bodyPr>
-          <a:lstStyle/>
-          <a:p>
-            <a:r>
-              <a:rPr lang="en-US" sz="4400" dirty="0">
-                <a:solidFill>
-                  <a:schemeClr val="tx1"/>
-                </a:solidFill>
-              </a:rPr>
-              <a:t>COMP2</a:t>
-            </a:r>
-            <a:r>
-              <a:rPr lang="en-US" sz="4400" i="1" dirty="0">
-                <a:solidFill>
-                  <a:schemeClr val="tx1"/>
-                </a:solidFill>
-              </a:rPr>
-              <a:t>x</a:t>
-            </a:r>
-            <a:r>
-              <a:rPr lang="en-US" sz="4400" dirty="0">
-                <a:solidFill>
-                  <a:schemeClr val="tx1"/>
-                </a:solidFill>
-              </a:rPr>
-              <a:t>0:</a:t>
-            </a:r>
-            <a:br>
-              <a:rPr lang="en-US" sz="4400" dirty="0">
-                <a:solidFill>
-                  <a:schemeClr val="tx1"/>
-                </a:solidFill>
-              </a:rPr>
-            </a:br>
-            <a:r>
-              <a:rPr lang="en-US" sz="4400" dirty="0">
-                <a:solidFill>
-                  <a:schemeClr val="tx1"/>
-                </a:solidFill>
-              </a:rPr>
-              <a:t>Worksheet support</a:t>
-            </a:r>
-            <a:br>
-              <a:rPr lang="en-US" sz="4400" dirty="0">
-                <a:solidFill>
-                  <a:schemeClr val="tx1"/>
-                </a:solidFill>
-              </a:rPr>
-            </a:br>
-            <a:r>
-              <a:rPr lang="en-US" sz="3100" i="1" dirty="0">
-                <a:solidFill>
-                  <a:schemeClr val="tx1"/>
-                </a:solidFill>
-              </a:rPr>
-              <a:t>Week 5</a:t>
-            </a:r>
-          </a:p>
-        </p:txBody>
-      </p:sp>
       <p:pic>
         <p:nvPicPr>
           <p:cNvPr id="7" name="Picture 6">
@@ -4629,6 +4544,124 @@
           </a:prstGeom>
         </p:spPr>
       </p:pic>
+      <p:sp>
+        <p:nvSpPr>
+          <p:cNvPr id="9" name="Title 1">
+            <a:extLst>
+              <a:ext uri="{FF2B5EF4-FFF2-40B4-BE49-F238E27FC236}">
+                <a16:creationId xmlns:a16="http://schemas.microsoft.com/office/drawing/2014/main" id="{3E9F8117-D316-4054-BA8D-4B688942039F}"/>
+              </a:ext>
+            </a:extLst>
+          </p:cNvPr>
+          <p:cNvSpPr>
+            <a:spLocks noGrp="1"/>
+          </p:cNvSpPr>
+          <p:nvPr>
+            <p:ph type="ctrTitle"/>
+          </p:nvPr>
+        </p:nvSpPr>
+        <p:spPr>
+          <a:xfrm>
+            <a:off x="6033793" y="2057400"/>
+            <a:ext cx="4775075" cy="2686050"/>
+          </a:xfrm>
+        </p:spPr>
+        <p:txBody>
+          <a:bodyPr>
+            <a:normAutofit fontScale="90000"/>
+          </a:bodyPr>
+          <a:lstStyle/>
+          <a:p>
+            <a:r>
+              <a:rPr lang="en-US" sz="4000" cap="none" dirty="0">
+                <a:solidFill>
+                  <a:schemeClr val="accent5"/>
+                </a:solidFill>
+              </a:rPr>
+              <a:t>COMP2</a:t>
+            </a:r>
+            <a:r>
+              <a:rPr lang="en-US" sz="4000" i="1" cap="none" dirty="0">
+                <a:solidFill>
+                  <a:schemeClr val="accent5"/>
+                </a:solidFill>
+              </a:rPr>
+              <a:t>x</a:t>
+            </a:r>
+            <a:r>
+              <a:rPr lang="en-US" sz="4000" cap="none" dirty="0">
+                <a:solidFill>
+                  <a:schemeClr val="accent5"/>
+                </a:solidFill>
+              </a:rPr>
+              <a:t>0/VR220</a:t>
+            </a:r>
+            <a:br>
+              <a:rPr lang="en-US" sz="4400" cap="none" dirty="0">
+                <a:solidFill>
+                  <a:schemeClr val="tx1"/>
+                </a:solidFill>
+              </a:rPr>
+            </a:br>
+            <a:r>
+              <a:rPr lang="en-US" sz="3600" cap="none" dirty="0">
+                <a:solidFill>
+                  <a:schemeClr val="tx1"/>
+                </a:solidFill>
+              </a:rPr>
+              <a:t>Portfolio Development/</a:t>
+            </a:r>
+            <a:br>
+              <a:rPr lang="en-US" sz="3600" cap="none" dirty="0">
+                <a:solidFill>
+                  <a:schemeClr val="tx1"/>
+                </a:solidFill>
+              </a:rPr>
+            </a:br>
+            <a:r>
+              <a:rPr lang="en-US" sz="3600" cap="none" dirty="0">
+                <a:solidFill>
+                  <a:schemeClr val="tx1"/>
+                </a:solidFill>
+              </a:rPr>
+              <a:t>Worksheet Support</a:t>
+            </a:r>
+            <a:br>
+              <a:rPr lang="en-US" sz="3600" cap="none" dirty="0">
+                <a:solidFill>
+                  <a:schemeClr val="tx1"/>
+                </a:solidFill>
+              </a:rPr>
+            </a:br>
+            <a:br>
+              <a:rPr lang="en-US" sz="4400" cap="none" dirty="0">
+                <a:solidFill>
+                  <a:schemeClr val="tx1"/>
+                </a:solidFill>
+              </a:rPr>
+            </a:br>
+            <a:r>
+              <a:rPr lang="en-US" sz="4400" b="1" cap="none">
+                <a:solidFill>
+                  <a:schemeClr val="accent4">
+                    <a:lumMod val="60000"/>
+                    <a:lumOff val="40000"/>
+                  </a:schemeClr>
+                </a:solidFill>
+              </a:rPr>
+              <a:t>Week 5:</a:t>
+            </a:r>
+            <a:endParaRPr lang="en-US" sz="4400" b="1" cap="none" dirty="0">
+              <a:solidFill>
+                <a:schemeClr val="accent4">
+                  <a:lumMod val="60000"/>
+                  <a:lumOff val="40000"/>
+                </a:schemeClr>
+              </a:solidFill>
+            </a:endParaRPr>
+          </a:p>
+        </p:txBody>
+      </p:sp>
     </p:spTree>
     <p:extLst>
       <p:ext uri="{BB962C8B-B14F-4D97-AF65-F5344CB8AC3E}">

--- a/COMP2x0-portfolio-workshop-05.pptx
+++ b/COMP2x0-portfolio-workshop-05.pptx
@@ -4,13 +4,20 @@
   <p:sldMasterIdLst>
     <p:sldMasterId id="2147483673" r:id="rId1"/>
   </p:sldMasterIdLst>
+  <p:notesMasterIdLst>
+    <p:notesMasterId r:id="rId12"/>
+  </p:notesMasterIdLst>
   <p:sldIdLst>
     <p:sldId id="257" r:id="rId2"/>
-    <p:sldId id="267" r:id="rId3"/>
-    <p:sldId id="268" r:id="rId4"/>
-    <p:sldId id="269" r:id="rId5"/>
-    <p:sldId id="270" r:id="rId6"/>
-    <p:sldId id="265" r:id="rId7"/>
+    <p:sldId id="271" r:id="rId3"/>
+    <p:sldId id="277" r:id="rId4"/>
+    <p:sldId id="272" r:id="rId5"/>
+    <p:sldId id="276" r:id="rId6"/>
+    <p:sldId id="274" r:id="rId7"/>
+    <p:sldId id="278" r:id="rId8"/>
+    <p:sldId id="279" r:id="rId9"/>
+    <p:sldId id="273" r:id="rId10"/>
+    <p:sldId id="275" r:id="rId11"/>
   </p:sldIdLst>
   <p:sldSz cx="12192000" cy="6858000"/>
   <p:notesSz cx="6858000" cy="9144000"/>
@@ -115,6 +122,580 @@
     </p:ext>
   </p:extLst>
 </p:presentation>
+</file>
+
+<file path=ppt/commentAuthors.xml><?xml version="1.0" encoding="utf-8"?>
+<p:cmAuthorLst xmlns:a="http://schemas.openxmlformats.org/drawingml/2006/main" xmlns:r="http://schemas.openxmlformats.org/officeDocument/2006/relationships" xmlns:p="http://schemas.openxmlformats.org/presentationml/2006/main">
+  <p:cmAuthor id="2" name="Author" initials="A" lastIdx="0" clrIdx="1"/>
+</p:cmAuthorLst>
+</file>
+
+<file path=ppt/notesMasters/notesMaster1.xml><?xml version="1.0" encoding="utf-8"?>
+<p:notesMaster xmlns:a="http://schemas.openxmlformats.org/drawingml/2006/main" xmlns:r="http://schemas.openxmlformats.org/officeDocument/2006/relationships" xmlns:p="http://schemas.openxmlformats.org/presentationml/2006/main">
+  <p:cSld>
+    <p:bg>
+      <p:bgRef idx="1001">
+        <a:schemeClr val="bg1"/>
+      </p:bgRef>
+    </p:bg>
+    <p:spTree>
+      <p:nvGrpSpPr>
+        <p:cNvPr id="1" name=""/>
+        <p:cNvGrpSpPr/>
+        <p:nvPr/>
+      </p:nvGrpSpPr>
+      <p:grpSpPr>
+        <a:xfrm>
+          <a:off x="0" y="0"/>
+          <a:ext cx="0" cy="0"/>
+          <a:chOff x="0" y="0"/>
+          <a:chExt cx="0" cy="0"/>
+        </a:xfrm>
+      </p:grpSpPr>
+      <p:sp>
+        <p:nvSpPr>
+          <p:cNvPr id="2" name="Header Placeholder 1"/>
+          <p:cNvSpPr>
+            <a:spLocks noGrp="1"/>
+          </p:cNvSpPr>
+          <p:nvPr>
+            <p:ph type="hdr" sz="quarter"/>
+          </p:nvPr>
+        </p:nvSpPr>
+        <p:spPr>
+          <a:xfrm>
+            <a:off x="0" y="0"/>
+            <a:ext cx="2971800" cy="458788"/>
+          </a:xfrm>
+          <a:prstGeom prst="rect">
+            <a:avLst/>
+          </a:prstGeom>
+        </p:spPr>
+        <p:txBody>
+          <a:bodyPr vert="horz" lIns="91440" tIns="45720" rIns="91440" bIns="45720" rtlCol="0"/>
+          <a:lstStyle>
+            <a:lvl1pPr algn="l">
+              <a:defRPr sz="1200"/>
+            </a:lvl1pPr>
+          </a:lstStyle>
+          <a:p>
+            <a:endParaRPr lang="en-GB"/>
+          </a:p>
+        </p:txBody>
+      </p:sp>
+      <p:sp>
+        <p:nvSpPr>
+          <p:cNvPr id="3" name="Date Placeholder 2"/>
+          <p:cNvSpPr>
+            <a:spLocks noGrp="1"/>
+          </p:cNvSpPr>
+          <p:nvPr>
+            <p:ph type="dt" idx="1"/>
+          </p:nvPr>
+        </p:nvSpPr>
+        <p:spPr>
+          <a:xfrm>
+            <a:off x="3884613" y="0"/>
+            <a:ext cx="2971800" cy="458788"/>
+          </a:xfrm>
+          <a:prstGeom prst="rect">
+            <a:avLst/>
+          </a:prstGeom>
+        </p:spPr>
+        <p:txBody>
+          <a:bodyPr vert="horz" lIns="91440" tIns="45720" rIns="91440" bIns="45720" rtlCol="0"/>
+          <a:lstStyle>
+            <a:lvl1pPr algn="r">
+              <a:defRPr sz="1200"/>
+            </a:lvl1pPr>
+          </a:lstStyle>
+          <a:p>
+            <a:fld id="{08448FE4-9BAA-4CB6-AB5A-CDA7BF3D637C}" type="datetimeFigureOut">
+              <a:rPr lang="en-GB" smtClean="0"/>
+              <a:t>21/02/2021</a:t>
+            </a:fld>
+            <a:endParaRPr lang="en-GB"/>
+          </a:p>
+        </p:txBody>
+      </p:sp>
+      <p:sp>
+        <p:nvSpPr>
+          <p:cNvPr id="4" name="Slide Image Placeholder 3"/>
+          <p:cNvSpPr>
+            <a:spLocks noGrp="1" noRot="1" noChangeAspect="1"/>
+          </p:cNvSpPr>
+          <p:nvPr>
+            <p:ph type="sldImg" idx="2"/>
+          </p:nvPr>
+        </p:nvSpPr>
+        <p:spPr>
+          <a:xfrm>
+            <a:off x="685800" y="1143000"/>
+            <a:ext cx="5486400" cy="3086100"/>
+          </a:xfrm>
+          <a:prstGeom prst="rect">
+            <a:avLst/>
+          </a:prstGeom>
+          <a:noFill/>
+          <a:ln w="12700">
+            <a:solidFill>
+              <a:prstClr val="black"/>
+            </a:solidFill>
+          </a:ln>
+        </p:spPr>
+        <p:txBody>
+          <a:bodyPr vert="horz" lIns="91440" tIns="45720" rIns="91440" bIns="45720" rtlCol="0" anchor="ctr"/>
+          <a:lstStyle/>
+          <a:p>
+            <a:endParaRPr lang="en-GB"/>
+          </a:p>
+        </p:txBody>
+      </p:sp>
+      <p:sp>
+        <p:nvSpPr>
+          <p:cNvPr id="5" name="Notes Placeholder 4"/>
+          <p:cNvSpPr>
+            <a:spLocks noGrp="1"/>
+          </p:cNvSpPr>
+          <p:nvPr>
+            <p:ph type="body" sz="quarter" idx="3"/>
+          </p:nvPr>
+        </p:nvSpPr>
+        <p:spPr>
+          <a:xfrm>
+            <a:off x="685800" y="4400550"/>
+            <a:ext cx="5486400" cy="3600450"/>
+          </a:xfrm>
+          <a:prstGeom prst="rect">
+            <a:avLst/>
+          </a:prstGeom>
+        </p:spPr>
+        <p:txBody>
+          <a:bodyPr vert="horz" lIns="91440" tIns="45720" rIns="91440" bIns="45720" rtlCol="0"/>
+          <a:lstStyle/>
+          <a:p>
+            <a:pPr lvl="0"/>
+            <a:r>
+              <a:rPr lang="en-US"/>
+              <a:t>Click to edit Master text styles</a:t>
+            </a:r>
+          </a:p>
+          <a:p>
+            <a:pPr lvl="1"/>
+            <a:r>
+              <a:rPr lang="en-US"/>
+              <a:t>Second level</a:t>
+            </a:r>
+          </a:p>
+          <a:p>
+            <a:pPr lvl="2"/>
+            <a:r>
+              <a:rPr lang="en-US"/>
+              <a:t>Third level</a:t>
+            </a:r>
+          </a:p>
+          <a:p>
+            <a:pPr lvl="3"/>
+            <a:r>
+              <a:rPr lang="en-US"/>
+              <a:t>Fourth level</a:t>
+            </a:r>
+          </a:p>
+          <a:p>
+            <a:pPr lvl="4"/>
+            <a:r>
+              <a:rPr lang="en-US"/>
+              <a:t>Fifth level</a:t>
+            </a:r>
+            <a:endParaRPr lang="en-GB"/>
+          </a:p>
+        </p:txBody>
+      </p:sp>
+      <p:sp>
+        <p:nvSpPr>
+          <p:cNvPr id="6" name="Footer Placeholder 5"/>
+          <p:cNvSpPr>
+            <a:spLocks noGrp="1"/>
+          </p:cNvSpPr>
+          <p:nvPr>
+            <p:ph type="ftr" sz="quarter" idx="4"/>
+          </p:nvPr>
+        </p:nvSpPr>
+        <p:spPr>
+          <a:xfrm>
+            <a:off x="0" y="8685213"/>
+            <a:ext cx="2971800" cy="458787"/>
+          </a:xfrm>
+          <a:prstGeom prst="rect">
+            <a:avLst/>
+          </a:prstGeom>
+        </p:spPr>
+        <p:txBody>
+          <a:bodyPr vert="horz" lIns="91440" tIns="45720" rIns="91440" bIns="45720" rtlCol="0" anchor="b"/>
+          <a:lstStyle>
+            <a:lvl1pPr algn="l">
+              <a:defRPr sz="1200"/>
+            </a:lvl1pPr>
+          </a:lstStyle>
+          <a:p>
+            <a:endParaRPr lang="en-GB"/>
+          </a:p>
+        </p:txBody>
+      </p:sp>
+      <p:sp>
+        <p:nvSpPr>
+          <p:cNvPr id="7" name="Slide Number Placeholder 6"/>
+          <p:cNvSpPr>
+            <a:spLocks noGrp="1"/>
+          </p:cNvSpPr>
+          <p:nvPr>
+            <p:ph type="sldNum" sz="quarter" idx="5"/>
+          </p:nvPr>
+        </p:nvSpPr>
+        <p:spPr>
+          <a:xfrm>
+            <a:off x="3884613" y="8685213"/>
+            <a:ext cx="2971800" cy="458787"/>
+          </a:xfrm>
+          <a:prstGeom prst="rect">
+            <a:avLst/>
+          </a:prstGeom>
+        </p:spPr>
+        <p:txBody>
+          <a:bodyPr vert="horz" lIns="91440" tIns="45720" rIns="91440" bIns="45720" rtlCol="0" anchor="b"/>
+          <a:lstStyle>
+            <a:lvl1pPr algn="r">
+              <a:defRPr sz="1200"/>
+            </a:lvl1pPr>
+          </a:lstStyle>
+          <a:p>
+            <a:fld id="{089184CC-757C-430A-BCEC-6F22F2E9805A}" type="slidenum">
+              <a:rPr lang="en-GB" smtClean="0"/>
+              <a:t>‹#›</a:t>
+            </a:fld>
+            <a:endParaRPr lang="en-GB"/>
+          </a:p>
+        </p:txBody>
+      </p:sp>
+    </p:spTree>
+    <p:extLst>
+      <p:ext uri="{BB962C8B-B14F-4D97-AF65-F5344CB8AC3E}">
+        <p14:creationId xmlns:p14="http://schemas.microsoft.com/office/powerpoint/2010/main" val="955936894"/>
+      </p:ext>
+    </p:extLst>
+  </p:cSld>
+  <p:clrMap bg1="lt1" tx1="dk1" bg2="lt2" tx2="dk2" accent1="accent1" accent2="accent2" accent3="accent3" accent4="accent4" accent5="accent5" accent6="accent6" hlink="hlink" folHlink="folHlink"/>
+  <p:notesStyle>
+    <a:lvl1pPr marL="0" algn="l" defTabSz="914400" rtl="0" eaLnBrk="1" latinLnBrk="0" hangingPunct="1">
+      <a:defRPr sz="1200" kern="1200">
+        <a:solidFill>
+          <a:schemeClr val="tx1"/>
+        </a:solidFill>
+        <a:latin typeface="+mn-lt"/>
+        <a:ea typeface="+mn-ea"/>
+        <a:cs typeface="+mn-cs"/>
+      </a:defRPr>
+    </a:lvl1pPr>
+    <a:lvl2pPr marL="457200" algn="l" defTabSz="914400" rtl="0" eaLnBrk="1" latinLnBrk="0" hangingPunct="1">
+      <a:defRPr sz="1200" kern="1200">
+        <a:solidFill>
+          <a:schemeClr val="tx1"/>
+        </a:solidFill>
+        <a:latin typeface="+mn-lt"/>
+        <a:ea typeface="+mn-ea"/>
+        <a:cs typeface="+mn-cs"/>
+      </a:defRPr>
+    </a:lvl2pPr>
+    <a:lvl3pPr marL="914400" algn="l" defTabSz="914400" rtl="0" eaLnBrk="1" latinLnBrk="0" hangingPunct="1">
+      <a:defRPr sz="1200" kern="1200">
+        <a:solidFill>
+          <a:schemeClr val="tx1"/>
+        </a:solidFill>
+        <a:latin typeface="+mn-lt"/>
+        <a:ea typeface="+mn-ea"/>
+        <a:cs typeface="+mn-cs"/>
+      </a:defRPr>
+    </a:lvl3pPr>
+    <a:lvl4pPr marL="1371600" algn="l" defTabSz="914400" rtl="0" eaLnBrk="1" latinLnBrk="0" hangingPunct="1">
+      <a:defRPr sz="1200" kern="1200">
+        <a:solidFill>
+          <a:schemeClr val="tx1"/>
+        </a:solidFill>
+        <a:latin typeface="+mn-lt"/>
+        <a:ea typeface="+mn-ea"/>
+        <a:cs typeface="+mn-cs"/>
+      </a:defRPr>
+    </a:lvl4pPr>
+    <a:lvl5pPr marL="1828800" algn="l" defTabSz="914400" rtl="0" eaLnBrk="1" latinLnBrk="0" hangingPunct="1">
+      <a:defRPr sz="1200" kern="1200">
+        <a:solidFill>
+          <a:schemeClr val="tx1"/>
+        </a:solidFill>
+        <a:latin typeface="+mn-lt"/>
+        <a:ea typeface="+mn-ea"/>
+        <a:cs typeface="+mn-cs"/>
+      </a:defRPr>
+    </a:lvl5pPr>
+    <a:lvl6pPr marL="2286000" algn="l" defTabSz="914400" rtl="0" eaLnBrk="1" latinLnBrk="0" hangingPunct="1">
+      <a:defRPr sz="1200" kern="1200">
+        <a:solidFill>
+          <a:schemeClr val="tx1"/>
+        </a:solidFill>
+        <a:latin typeface="+mn-lt"/>
+        <a:ea typeface="+mn-ea"/>
+        <a:cs typeface="+mn-cs"/>
+      </a:defRPr>
+    </a:lvl6pPr>
+    <a:lvl7pPr marL="2743200" algn="l" defTabSz="914400" rtl="0" eaLnBrk="1" latinLnBrk="0" hangingPunct="1">
+      <a:defRPr sz="1200" kern="1200">
+        <a:solidFill>
+          <a:schemeClr val="tx1"/>
+        </a:solidFill>
+        <a:latin typeface="+mn-lt"/>
+        <a:ea typeface="+mn-ea"/>
+        <a:cs typeface="+mn-cs"/>
+      </a:defRPr>
+    </a:lvl7pPr>
+    <a:lvl8pPr marL="3200400" algn="l" defTabSz="914400" rtl="0" eaLnBrk="1" latinLnBrk="0" hangingPunct="1">
+      <a:defRPr sz="1200" kern="1200">
+        <a:solidFill>
+          <a:schemeClr val="tx1"/>
+        </a:solidFill>
+        <a:latin typeface="+mn-lt"/>
+        <a:ea typeface="+mn-ea"/>
+        <a:cs typeface="+mn-cs"/>
+      </a:defRPr>
+    </a:lvl8pPr>
+    <a:lvl9pPr marL="3657600" algn="l" defTabSz="914400" rtl="0" eaLnBrk="1" latinLnBrk="0" hangingPunct="1">
+      <a:defRPr sz="1200" kern="1200">
+        <a:solidFill>
+          <a:schemeClr val="tx1"/>
+        </a:solidFill>
+        <a:latin typeface="+mn-lt"/>
+        <a:ea typeface="+mn-ea"/>
+        <a:cs typeface="+mn-cs"/>
+      </a:defRPr>
+    </a:lvl9pPr>
+  </p:notesStyle>
+</p:notesMaster>
+</file>
+
+<file path=ppt/notesSlides/notesSlide1.xml><?xml version="1.0" encoding="utf-8"?>
+<p:notes xmlns:a="http://schemas.openxmlformats.org/drawingml/2006/main" xmlns:r="http://schemas.openxmlformats.org/officeDocument/2006/relationships" xmlns:p="http://schemas.openxmlformats.org/presentationml/2006/main">
+  <p:cSld>
+    <p:spTree>
+      <p:nvGrpSpPr>
+        <p:cNvPr id="1" name=""/>
+        <p:cNvGrpSpPr/>
+        <p:nvPr/>
+      </p:nvGrpSpPr>
+      <p:grpSpPr>
+        <a:xfrm>
+          <a:off x="0" y="0"/>
+          <a:ext cx="0" cy="0"/>
+          <a:chOff x="0" y="0"/>
+          <a:chExt cx="0" cy="0"/>
+        </a:xfrm>
+      </p:grpSpPr>
+      <p:sp>
+        <p:nvSpPr>
+          <p:cNvPr id="2" name="Slide Image Placeholder 1"/>
+          <p:cNvSpPr>
+            <a:spLocks noGrp="1" noRot="1" noChangeAspect="1"/>
+          </p:cNvSpPr>
+          <p:nvPr>
+            <p:ph type="sldImg"/>
+          </p:nvPr>
+        </p:nvSpPr>
+        <p:spPr/>
+      </p:sp>
+      <p:sp>
+        <p:nvSpPr>
+          <p:cNvPr id="3" name="Notes Placeholder 2"/>
+          <p:cNvSpPr>
+            <a:spLocks noGrp="1"/>
+          </p:cNvSpPr>
+          <p:nvPr>
+            <p:ph type="body" idx="1"/>
+          </p:nvPr>
+        </p:nvSpPr>
+        <p:spPr/>
+        <p:txBody>
+          <a:bodyPr/>
+          <a:lstStyle/>
+          <a:p>
+            <a:endParaRPr lang="en-GB" dirty="0"/>
+          </a:p>
+        </p:txBody>
+      </p:sp>
+      <p:sp>
+        <p:nvSpPr>
+          <p:cNvPr id="4" name="Slide Number Placeholder 3"/>
+          <p:cNvSpPr>
+            <a:spLocks noGrp="1"/>
+          </p:cNvSpPr>
+          <p:nvPr>
+            <p:ph type="sldNum" sz="quarter" idx="5"/>
+          </p:nvPr>
+        </p:nvSpPr>
+        <p:spPr/>
+        <p:txBody>
+          <a:bodyPr/>
+          <a:lstStyle/>
+          <a:p>
+            <a:fld id="{089184CC-757C-430A-BCEC-6F22F2E9805A}" type="slidenum">
+              <a:rPr lang="en-GB" smtClean="0"/>
+              <a:t>7</a:t>
+            </a:fld>
+            <a:endParaRPr lang="en-GB"/>
+          </a:p>
+        </p:txBody>
+      </p:sp>
+    </p:spTree>
+    <p:extLst>
+      <p:ext uri="{BB962C8B-B14F-4D97-AF65-F5344CB8AC3E}">
+        <p14:creationId xmlns:p14="http://schemas.microsoft.com/office/powerpoint/2010/main" val="770323777"/>
+      </p:ext>
+    </p:extLst>
+  </p:cSld>
+  <p:clrMapOvr>
+    <a:masterClrMapping/>
+  </p:clrMapOvr>
+</p:notes>
+</file>
+
+<file path=ppt/notesSlides/notesSlide2.xml><?xml version="1.0" encoding="utf-8"?>
+<p:notes xmlns:a="http://schemas.openxmlformats.org/drawingml/2006/main" xmlns:r="http://schemas.openxmlformats.org/officeDocument/2006/relationships" xmlns:p="http://schemas.openxmlformats.org/presentationml/2006/main">
+  <p:cSld>
+    <p:spTree>
+      <p:nvGrpSpPr>
+        <p:cNvPr id="1" name=""/>
+        <p:cNvGrpSpPr/>
+        <p:nvPr/>
+      </p:nvGrpSpPr>
+      <p:grpSpPr>
+        <a:xfrm>
+          <a:off x="0" y="0"/>
+          <a:ext cx="0" cy="0"/>
+          <a:chOff x="0" y="0"/>
+          <a:chExt cx="0" cy="0"/>
+        </a:xfrm>
+      </p:grpSpPr>
+      <p:sp>
+        <p:nvSpPr>
+          <p:cNvPr id="2" name="Slide Image Placeholder 1"/>
+          <p:cNvSpPr>
+            <a:spLocks noGrp="1" noRot="1" noChangeAspect="1"/>
+          </p:cNvSpPr>
+          <p:nvPr>
+            <p:ph type="sldImg"/>
+          </p:nvPr>
+        </p:nvSpPr>
+        <p:spPr/>
+      </p:sp>
+      <p:sp>
+        <p:nvSpPr>
+          <p:cNvPr id="3" name="Notes Placeholder 2"/>
+          <p:cNvSpPr>
+            <a:spLocks noGrp="1"/>
+          </p:cNvSpPr>
+          <p:nvPr>
+            <p:ph type="body" idx="1"/>
+          </p:nvPr>
+        </p:nvSpPr>
+        <p:spPr/>
+        <p:txBody>
+          <a:bodyPr/>
+          <a:lstStyle/>
+          <a:p>
+            <a:r>
+              <a:rPr lang="en-GB" dirty="0"/>
+              <a:t>What should it be based on?</a:t>
+            </a:r>
+          </a:p>
+          <a:p>
+            <a:pPr marL="171450" indent="-171450">
+              <a:buFont typeface="Arial" panose="020B0604020202020204" pitchFamily="34" charset="0"/>
+              <a:buChar char="•"/>
+            </a:pPr>
+            <a:r>
+              <a:rPr lang="en-GB" dirty="0"/>
+              <a:t>What you want (to do/be)</a:t>
+            </a:r>
+          </a:p>
+          <a:p>
+            <a:pPr marL="171450" indent="-171450">
+              <a:buFont typeface="Arial" panose="020B0604020202020204" pitchFamily="34" charset="0"/>
+              <a:buChar char="•"/>
+            </a:pPr>
+            <a:r>
+              <a:rPr lang="en-GB" dirty="0"/>
+              <a:t>What you’re good at (strengths and accomplishments)</a:t>
+            </a:r>
+          </a:p>
+          <a:p>
+            <a:pPr marL="628650" lvl="1" indent="-171450">
+              <a:buFont typeface="Arial" panose="020B0604020202020204" pitchFamily="34" charset="0"/>
+              <a:buChar char="•"/>
+            </a:pPr>
+            <a:r>
+              <a:rPr lang="en-GB" dirty="0"/>
+              <a:t>Provide evidence</a:t>
+            </a:r>
+          </a:p>
+          <a:p>
+            <a:pPr marL="171450" indent="-171450">
+              <a:buFont typeface="Arial" panose="020B0604020202020204" pitchFamily="34" charset="0"/>
+              <a:buChar char="•"/>
+            </a:pPr>
+            <a:r>
+              <a:rPr lang="en-GB" dirty="0"/>
+              <a:t>What you enjoy</a:t>
+            </a:r>
+          </a:p>
+          <a:p>
+            <a:pPr marL="171450" indent="-171450">
+              <a:buFont typeface="Arial" panose="020B0604020202020204" pitchFamily="34" charset="0"/>
+              <a:buChar char="•"/>
+            </a:pPr>
+            <a:endParaRPr lang="en-GB" dirty="0"/>
+          </a:p>
+        </p:txBody>
+      </p:sp>
+      <p:sp>
+        <p:nvSpPr>
+          <p:cNvPr id="4" name="Slide Number Placeholder 3"/>
+          <p:cNvSpPr>
+            <a:spLocks noGrp="1"/>
+          </p:cNvSpPr>
+          <p:nvPr>
+            <p:ph type="sldNum" sz="quarter" idx="5"/>
+          </p:nvPr>
+        </p:nvSpPr>
+        <p:spPr/>
+        <p:txBody>
+          <a:bodyPr/>
+          <a:lstStyle/>
+          <a:p>
+            <a:fld id="{089184CC-757C-430A-BCEC-6F22F2E9805A}" type="slidenum">
+              <a:rPr lang="en-GB" smtClean="0"/>
+              <a:t>8</a:t>
+            </a:fld>
+            <a:endParaRPr lang="en-GB"/>
+          </a:p>
+        </p:txBody>
+      </p:sp>
+    </p:spTree>
+    <p:extLst>
+      <p:ext uri="{BB962C8B-B14F-4D97-AF65-F5344CB8AC3E}">
+        <p14:creationId xmlns:p14="http://schemas.microsoft.com/office/powerpoint/2010/main" val="86306254"/>
+      </p:ext>
+    </p:extLst>
+  </p:cSld>
+  <p:clrMapOvr>
+    <a:masterClrMapping/>
+  </p:clrMapOvr>
+</p:notes>
 </file>
 
 <file path=ppt/slideLayouts/slideLayout1.xml><?xml version="1.0" encoding="utf-8"?>
@@ -4381,10 +4962,13 @@
       </p:grpSpPr>
       <p:pic>
         <p:nvPicPr>
-          <p:cNvPr id="6" name="Picture 5" descr="A close up of a logo&#10;&#10;Description automatically generated">
+          <p:cNvPr id="6" name="Picture 5">
             <a:extLst>
               <a:ext uri="{FF2B5EF4-FFF2-40B4-BE49-F238E27FC236}">
                 <a16:creationId xmlns:a16="http://schemas.microsoft.com/office/drawing/2014/main" id="{8045422F-7258-40AC-BD2E-2469AA448922}"/>
+              </a:ext>
+              <a:ext uri="{C183D7F6-B498-43B3-948B-1728B52AA6E4}">
+                <adec:decorative xmlns:adec="http://schemas.microsoft.com/office/drawing/2017/decorative" val="1"/>
               </a:ext>
             </a:extLst>
           </p:cNvPr>
@@ -4509,6 +5093,9 @@
             <a:extLst>
               <a:ext uri="{FF2B5EF4-FFF2-40B4-BE49-F238E27FC236}">
                 <a16:creationId xmlns:a16="http://schemas.microsoft.com/office/drawing/2014/main" id="{2B11E859-EFB5-439A-8D15-3ECAC83B8CF5}"/>
+              </a:ext>
+              <a:ext uri="{C183D7F6-B498-43B3-948B-1728B52AA6E4}">
+                <adec:decorative xmlns:adec="http://schemas.microsoft.com/office/drawing/2017/decorative" val="1"/>
               </a:ext>
             </a:extLst>
           </p:cNvPr>
@@ -4636,7 +5223,7 @@
               </a:rPr>
             </a:br>
             <a:r>
-              <a:rPr lang="en-US" sz="4400" b="1" cap="none">
+              <a:rPr lang="en-US" sz="4400" b="1" cap="none" dirty="0">
                 <a:solidFill>
                   <a:schemeClr val="accent4">
                     <a:lumMod val="60000"/>
@@ -4644,16 +5231,8 @@
                   </a:schemeClr>
                 </a:solidFill>
               </a:rPr>
-              <a:t>Week 5:</a:t>
-            </a:r>
-            <a:endParaRPr lang="en-US" sz="4400" b="1" cap="none" dirty="0">
-              <a:solidFill>
-                <a:schemeClr val="accent4">
-                  <a:lumMod val="60000"/>
-                  <a:lumOff val="40000"/>
-                </a:schemeClr>
-              </a:solidFill>
-            </a:endParaRPr>
+              <a:t>Week 5: Portfolios &amp; Personal Branding</a:t>
+            </a:r>
           </a:p>
         </p:txBody>
       </p:sp>
@@ -4666,6 +5245,126 @@
   </p:cSld>
   <p:clrMapOvr>
     <a:overrideClrMapping bg1="dk1" tx1="lt1" bg2="dk2" tx2="lt2" accent1="accent1" accent2="accent2" accent3="accent3" accent4="accent4" accent5="accent5" accent6="accent6" hlink="hlink" folHlink="folHlink"/>
+  </p:clrMapOvr>
+</p:sld>
+</file>
+
+<file path=ppt/slides/slide10.xml><?xml version="1.0" encoding="utf-8"?>
+<p:sld xmlns:a="http://schemas.openxmlformats.org/drawingml/2006/main" xmlns:r="http://schemas.openxmlformats.org/officeDocument/2006/relationships" xmlns:p="http://schemas.openxmlformats.org/presentationml/2006/main">
+  <p:cSld>
+    <p:spTree>
+      <p:nvGrpSpPr>
+        <p:cNvPr id="1" name=""/>
+        <p:cNvGrpSpPr/>
+        <p:nvPr/>
+      </p:nvGrpSpPr>
+      <p:grpSpPr>
+        <a:xfrm>
+          <a:off x="0" y="0"/>
+          <a:ext cx="0" cy="0"/>
+          <a:chOff x="0" y="0"/>
+          <a:chExt cx="0" cy="0"/>
+        </a:xfrm>
+      </p:grpSpPr>
+      <p:sp>
+        <p:nvSpPr>
+          <p:cNvPr id="2" name="Title 1">
+            <a:extLst>
+              <a:ext uri="{FF2B5EF4-FFF2-40B4-BE49-F238E27FC236}">
+                <a16:creationId xmlns:a16="http://schemas.microsoft.com/office/drawing/2014/main" id="{5F6417F8-4A41-4E74-AFF9-BF1FFC637803}"/>
+              </a:ext>
+            </a:extLst>
+          </p:cNvPr>
+          <p:cNvSpPr>
+            <a:spLocks noGrp="1"/>
+          </p:cNvSpPr>
+          <p:nvPr>
+            <p:ph type="title"/>
+          </p:nvPr>
+        </p:nvSpPr>
+        <p:spPr/>
+        <p:txBody>
+          <a:bodyPr/>
+          <a:lstStyle/>
+          <a:p>
+            <a:r>
+              <a:rPr lang="en-GB" dirty="0"/>
+              <a:t>Further Reading</a:t>
+            </a:r>
+          </a:p>
+        </p:txBody>
+      </p:sp>
+      <p:sp>
+        <p:nvSpPr>
+          <p:cNvPr id="3" name="Content Placeholder 2">
+            <a:extLst>
+              <a:ext uri="{FF2B5EF4-FFF2-40B4-BE49-F238E27FC236}">
+                <a16:creationId xmlns:a16="http://schemas.microsoft.com/office/drawing/2014/main" id="{24A635BF-AD6D-405F-A43C-DAF8C5550A72}"/>
+              </a:ext>
+            </a:extLst>
+          </p:cNvPr>
+          <p:cNvSpPr>
+            <a:spLocks noGrp="1"/>
+          </p:cNvSpPr>
+          <p:nvPr>
+            <p:ph idx="1"/>
+          </p:nvPr>
+        </p:nvSpPr>
+        <p:spPr/>
+        <p:txBody>
+          <a:bodyPr>
+            <a:normAutofit/>
+          </a:bodyPr>
+          <a:lstStyle/>
+          <a:p>
+            <a:r>
+              <a:rPr lang="en-GB" sz="2400" dirty="0">
+                <a:hlinkClick r:id="rId2"/>
+              </a:rPr>
+              <a:t>Ultimate Guide to Creating a Programmer Portfolio</a:t>
+            </a:r>
+            <a:endParaRPr lang="en-GB" sz="2400" dirty="0">
+              <a:hlinkClick r:id="rId3"/>
+            </a:endParaRPr>
+          </a:p>
+          <a:p>
+            <a:r>
+              <a:rPr lang="en-GB" sz="2400" dirty="0">
+                <a:hlinkClick r:id="rId4"/>
+              </a:rPr>
+              <a:t>Jobs in Games: how to build a portfolio for programmers</a:t>
+            </a:r>
+            <a:endParaRPr lang="en-GB" sz="2400" dirty="0"/>
+          </a:p>
+          <a:p>
+            <a:r>
+              <a:rPr lang="en-GB" sz="2400" dirty="0">
+                <a:hlinkClick r:id="rId5"/>
+              </a:rPr>
+              <a:t>8 Bits of Advice for your Programmer Portfolio</a:t>
+            </a:r>
+            <a:endParaRPr lang="en-GB" sz="2400" dirty="0"/>
+          </a:p>
+          <a:p>
+            <a:r>
+              <a:rPr lang="en-GB" sz="2400" dirty="0">
+                <a:hlinkClick r:id="rId3"/>
+              </a:rPr>
+              <a:t>10 Golden Rules of Personal Branding</a:t>
+            </a:r>
+            <a:endParaRPr lang="en-GB" sz="2400" dirty="0"/>
+          </a:p>
+        </p:txBody>
+      </p:sp>
+    </p:spTree>
+    <p:extLst>
+      <p:ext uri="{BB962C8B-B14F-4D97-AF65-F5344CB8AC3E}">
+        <p14:creationId xmlns:p14="http://schemas.microsoft.com/office/powerpoint/2010/main" val="942237073"/>
+      </p:ext>
+    </p:extLst>
+  </p:cSld>
+  <p:clrMapOvr>
+    <a:masterClrMapping/>
   </p:clrMapOvr>
 </p:sld>
 </file>
@@ -4687,12 +5386,43 @@
           <a:chExt cx="0" cy="0"/>
         </a:xfrm>
       </p:grpSpPr>
+      <p:sp>
+        <p:nvSpPr>
+          <p:cNvPr id="2" name="Title 1">
+            <a:extLst>
+              <a:ext uri="{FF2B5EF4-FFF2-40B4-BE49-F238E27FC236}">
+                <a16:creationId xmlns:a16="http://schemas.microsoft.com/office/drawing/2014/main" id="{9398AFCC-3409-4D1F-A6F5-215236764F11}"/>
+              </a:ext>
+            </a:extLst>
+          </p:cNvPr>
+          <p:cNvSpPr>
+            <a:spLocks noGrp="1"/>
+          </p:cNvSpPr>
+          <p:nvPr>
+            <p:ph type="title"/>
+          </p:nvPr>
+        </p:nvSpPr>
+        <p:spPr/>
+        <p:txBody>
+          <a:bodyPr/>
+          <a:lstStyle/>
+          <a:p>
+            <a:r>
+              <a:rPr lang="en-GB" dirty="0"/>
+              <a:t>Timeline</a:t>
+            </a:r>
+          </a:p>
+        </p:txBody>
+      </p:sp>
       <p:pic>
         <p:nvPicPr>
-          <p:cNvPr id="3" name="Picture 2">
+          <p:cNvPr id="5" name="Picture 4">
             <a:extLst>
               <a:ext uri="{FF2B5EF4-FFF2-40B4-BE49-F238E27FC236}">
-                <a16:creationId xmlns:a16="http://schemas.microsoft.com/office/drawing/2014/main" id="{091683AF-E17D-41F3-A73D-95BB33BBF953}"/>
+                <a16:creationId xmlns:a16="http://schemas.microsoft.com/office/drawing/2014/main" id="{3975E034-4A64-4FA2-B0E1-2A225B584936}"/>
+              </a:ext>
+              <a:ext uri="{C183D7F6-B498-43B3-948B-1728B52AA6E4}">
+                <adec:decorative xmlns:adec="http://schemas.microsoft.com/office/drawing/2017/decorative" val="1"/>
               </a:ext>
             </a:extLst>
           </p:cNvPr>
@@ -4709,8 +5439,8 @@
         </p:blipFill>
         <p:spPr>
           <a:xfrm>
-            <a:off x="3932171" y="491545"/>
-            <a:ext cx="4327658" cy="5874910"/>
+            <a:off x="3973551" y="1328394"/>
+            <a:ext cx="5939884" cy="4424718"/>
           </a:xfrm>
           <a:prstGeom prst="rect">
             <a:avLst/>
@@ -4719,10 +5449,13 @@
       </p:pic>
       <p:sp>
         <p:nvSpPr>
-          <p:cNvPr id="15" name="Multiplication Sign 14">
+          <p:cNvPr id="3" name="Oval 2">
             <a:extLst>
               <a:ext uri="{FF2B5EF4-FFF2-40B4-BE49-F238E27FC236}">
-                <a16:creationId xmlns:a16="http://schemas.microsoft.com/office/drawing/2014/main" id="{A4D42ADB-A734-41D6-A61A-A9762DCCE796}"/>
+                <a16:creationId xmlns:a16="http://schemas.microsoft.com/office/drawing/2014/main" id="{317F2280-F2F7-4EA4-B812-7C59DEA3021C}"/>
+              </a:ext>
+              <a:ext uri="{C183D7F6-B498-43B3-948B-1728B52AA6E4}">
+                <adec:decorative xmlns:adec="http://schemas.microsoft.com/office/drawing/2017/decorative" val="1"/>
               </a:ext>
             </a:extLst>
           </p:cNvPr>
@@ -4731,24 +5464,16 @@
         </p:nvSpPr>
         <p:spPr>
           <a:xfrm>
-            <a:off x="3522518" y="1442152"/>
-            <a:ext cx="4327658" cy="834004"/>
+            <a:off x="4146395" y="2520176"/>
+            <a:ext cx="5077118" cy="908824"/>
           </a:xfrm>
-          <a:prstGeom prst="mathMultiply">
+          <a:prstGeom prst="ellipse">
             <a:avLst/>
           </a:prstGeom>
-          <a:solidFill>
-            <a:schemeClr val="tx1">
-              <a:lumMod val="85000"/>
-              <a:lumOff val="15000"/>
-            </a:schemeClr>
-          </a:solidFill>
-          <a:ln>
+          <a:noFill/>
+          <a:ln w="57150">
             <a:solidFill>
-              <a:schemeClr val="tx1">
-                <a:lumMod val="85000"/>
-                <a:lumOff val="15000"/>
-              </a:schemeClr>
+              <a:srgbClr val="FF0000"/>
             </a:solidFill>
           </a:ln>
         </p:spPr>
@@ -4773,48 +5498,19 @@
           <a:lstStyle/>
           <a:p>
             <a:pPr algn="ctr"/>
-            <a:endParaRPr lang="en-GB">
-              <a:solidFill>
-                <a:srgbClr val="C00000"/>
-              </a:solidFill>
-            </a:endParaRPr>
-          </a:p>
-        </p:txBody>
-      </p:sp>
-      <p:sp>
-        <p:nvSpPr>
-          <p:cNvPr id="2" name="Title 1">
+            <a:endParaRPr lang="en-GB"/>
+          </a:p>
+        </p:txBody>
+      </p:sp>
+      <p:sp>
+        <p:nvSpPr>
+          <p:cNvPr id="4" name="Multiplication Sign 3">
             <a:extLst>
               <a:ext uri="{FF2B5EF4-FFF2-40B4-BE49-F238E27FC236}">
-                <a16:creationId xmlns:a16="http://schemas.microsoft.com/office/drawing/2014/main" id="{9398AFCC-3409-4D1F-A6F5-215236764F11}"/>
+                <a16:creationId xmlns:a16="http://schemas.microsoft.com/office/drawing/2014/main" id="{EA35AD3D-FC09-4B9A-8DFB-7F202A6B0507}"/>
               </a:ext>
-            </a:extLst>
-          </p:cNvPr>
-          <p:cNvSpPr>
-            <a:spLocks noGrp="1"/>
-          </p:cNvSpPr>
-          <p:nvPr>
-            <p:ph type="title"/>
-          </p:nvPr>
-        </p:nvSpPr>
-        <p:spPr/>
-        <p:txBody>
-          <a:bodyPr/>
-          <a:lstStyle/>
-          <a:p>
-            <a:r>
-              <a:rPr lang="en-GB" dirty="0"/>
-              <a:t>Timeline</a:t>
-            </a:r>
-          </a:p>
-        </p:txBody>
-      </p:sp>
-      <p:sp>
-        <p:nvSpPr>
-          <p:cNvPr id="5" name="Multiplication Sign 4">
-            <a:extLst>
-              <a:ext uri="{FF2B5EF4-FFF2-40B4-BE49-F238E27FC236}">
-                <a16:creationId xmlns:a16="http://schemas.microsoft.com/office/drawing/2014/main" id="{16A6878F-C78B-47FC-A40D-FF141A7B3FE8}"/>
+              <a:ext uri="{C183D7F6-B498-43B3-948B-1728B52AA6E4}">
+                <adec:decorative xmlns:adec="http://schemas.microsoft.com/office/drawing/2017/decorative" val="1"/>
               </a:ext>
             </a:extLst>
           </p:cNvPr>
@@ -4823,25 +5519,21 @@
         </p:nvSpPr>
         <p:spPr>
           <a:xfrm>
-            <a:off x="3522518" y="779318"/>
-            <a:ext cx="4327658" cy="834004"/>
+            <a:off x="2278565" y="1899437"/>
+            <a:ext cx="8229600" cy="735496"/>
           </a:xfrm>
           <a:prstGeom prst="mathMultiply">
-            <a:avLst/>
+            <a:avLst>
+              <a:gd name="adj1" fmla="val 11358"/>
+            </a:avLst>
           </a:prstGeom>
           <a:solidFill>
-            <a:schemeClr val="tx1">
-              <a:lumMod val="85000"/>
-              <a:lumOff val="15000"/>
+            <a:schemeClr val="accent2">
+              <a:lumMod val="75000"/>
             </a:schemeClr>
           </a:solidFill>
           <a:ln>
-            <a:solidFill>
-              <a:schemeClr val="tx1">
-                <a:lumMod val="85000"/>
-                <a:lumOff val="15000"/>
-              </a:schemeClr>
-            </a:solidFill>
+            <a:noFill/>
           </a:ln>
         </p:spPr>
         <p:style>
@@ -4865,318 +5557,14 @@
           <a:lstStyle/>
           <a:p>
             <a:pPr algn="ctr"/>
-            <a:endParaRPr lang="en-GB">
-              <a:solidFill>
-                <a:srgbClr val="C00000"/>
-              </a:solidFill>
-            </a:endParaRPr>
-          </a:p>
-        </p:txBody>
-      </p:sp>
-      <p:sp>
-        <p:nvSpPr>
-          <p:cNvPr id="7" name="Oval 6">
-            <a:extLst>
-              <a:ext uri="{FF2B5EF4-FFF2-40B4-BE49-F238E27FC236}">
-                <a16:creationId xmlns:a16="http://schemas.microsoft.com/office/drawing/2014/main" id="{AC53622E-8DB9-4035-83D9-2544AD885C33}"/>
-              </a:ext>
-            </a:extLst>
-          </p:cNvPr>
-          <p:cNvSpPr/>
-          <p:nvPr/>
-        </p:nvSpPr>
-        <p:spPr>
-          <a:xfrm>
-            <a:off x="3932171" y="2865158"/>
-            <a:ext cx="4327658" cy="1150502"/>
-          </a:xfrm>
-          <a:prstGeom prst="ellipse">
-            <a:avLst/>
-          </a:prstGeom>
-          <a:noFill/>
-          <a:ln w="76200">
-            <a:solidFill>
-              <a:srgbClr val="FFC000"/>
-            </a:solidFill>
-          </a:ln>
-        </p:spPr>
-        <p:style>
-          <a:lnRef idx="2">
-            <a:schemeClr val="accent1">
-              <a:shade val="50000"/>
-            </a:schemeClr>
-          </a:lnRef>
-          <a:fillRef idx="1">
-            <a:schemeClr val="accent1"/>
-          </a:fillRef>
-          <a:effectRef idx="0">
-            <a:schemeClr val="accent1"/>
-          </a:effectRef>
-          <a:fontRef idx="minor">
-            <a:schemeClr val="lt1"/>
-          </a:fontRef>
-        </p:style>
-        <p:txBody>
-          <a:bodyPr rtlCol="0" anchor="ctr"/>
-          <a:lstStyle/>
-          <a:p>
-            <a:pPr algn="ctr"/>
             <a:endParaRPr lang="en-GB"/>
           </a:p>
         </p:txBody>
       </p:sp>
-      <p:sp>
-        <p:nvSpPr>
-          <p:cNvPr id="6" name="Oval 5">
-            <a:extLst>
-              <a:ext uri="{FF2B5EF4-FFF2-40B4-BE49-F238E27FC236}">
-                <a16:creationId xmlns:a16="http://schemas.microsoft.com/office/drawing/2014/main" id="{BBE7C62B-E315-402D-9F57-7724322A23DE}"/>
-              </a:ext>
-            </a:extLst>
-          </p:cNvPr>
-          <p:cNvSpPr/>
-          <p:nvPr/>
-        </p:nvSpPr>
-        <p:spPr>
-          <a:xfrm>
-            <a:off x="3957494" y="2112644"/>
-            <a:ext cx="3948544" cy="834004"/>
-          </a:xfrm>
-          <a:prstGeom prst="ellipse">
-            <a:avLst/>
-          </a:prstGeom>
-          <a:noFill/>
-          <a:ln w="76200">
-            <a:solidFill>
-              <a:schemeClr val="accent4"/>
-            </a:solidFill>
-          </a:ln>
-        </p:spPr>
-        <p:style>
-          <a:lnRef idx="2">
-            <a:schemeClr val="accent1">
-              <a:shade val="50000"/>
-            </a:schemeClr>
-          </a:lnRef>
-          <a:fillRef idx="1">
-            <a:schemeClr val="accent1"/>
-          </a:fillRef>
-          <a:effectRef idx="0">
-            <a:schemeClr val="accent1"/>
-          </a:effectRef>
-          <a:fontRef idx="minor">
-            <a:schemeClr val="lt1"/>
-          </a:fontRef>
-        </p:style>
-        <p:txBody>
-          <a:bodyPr rtlCol="0" anchor="ctr"/>
-          <a:lstStyle/>
-          <a:p>
-            <a:pPr algn="ctr"/>
-            <a:endParaRPr lang="en-GB"/>
-          </a:p>
-        </p:txBody>
-      </p:sp>
-      <p:pic>
-        <p:nvPicPr>
-          <p:cNvPr id="8" name="Picture 7">
-            <a:extLst>
-              <a:ext uri="{FF2B5EF4-FFF2-40B4-BE49-F238E27FC236}">
-                <a16:creationId xmlns:a16="http://schemas.microsoft.com/office/drawing/2014/main" id="{DA22C5E0-C2F8-4844-9B50-30D2B12E20A0}"/>
-              </a:ext>
-            </a:extLst>
-          </p:cNvPr>
-          <p:cNvPicPr>
-            <a:picLocks noChangeAspect="1"/>
-          </p:cNvPicPr>
-          <p:nvPr/>
-        </p:nvPicPr>
-        <p:blipFill>
-          <a:blip r:embed="rId3"/>
-          <a:stretch>
-            <a:fillRect/>
-          </a:stretch>
-        </p:blipFill>
-        <p:spPr>
-          <a:xfrm>
-            <a:off x="500147" y="1750046"/>
-            <a:ext cx="3288372" cy="2766408"/>
-          </a:xfrm>
-          <a:prstGeom prst="rect">
-            <a:avLst/>
-          </a:prstGeom>
-          <a:ln w="76200">
-            <a:solidFill>
-              <a:schemeClr val="accent4"/>
-            </a:solidFill>
-          </a:ln>
-        </p:spPr>
-      </p:pic>
-      <p:pic>
-        <p:nvPicPr>
-          <p:cNvPr id="10" name="Picture 9">
-            <a:extLst>
-              <a:ext uri="{FF2B5EF4-FFF2-40B4-BE49-F238E27FC236}">
-                <a16:creationId xmlns:a16="http://schemas.microsoft.com/office/drawing/2014/main" id="{C33C8254-6171-4221-AD8A-7610647A640B}"/>
-              </a:ext>
-            </a:extLst>
-          </p:cNvPr>
-          <p:cNvPicPr>
-            <a:picLocks noChangeAspect="1"/>
-          </p:cNvPicPr>
-          <p:nvPr/>
-        </p:nvPicPr>
-        <p:blipFill>
-          <a:blip r:embed="rId4"/>
-          <a:stretch>
-            <a:fillRect/>
-          </a:stretch>
-        </p:blipFill>
-        <p:spPr>
-          <a:xfrm>
-            <a:off x="7787469" y="514363"/>
-            <a:ext cx="3810092" cy="2663466"/>
-          </a:xfrm>
-          <a:prstGeom prst="rect">
-            <a:avLst/>
-          </a:prstGeom>
-          <a:ln w="76200">
-            <a:solidFill>
-              <a:srgbClr val="FFC000"/>
-            </a:solidFill>
-          </a:ln>
-        </p:spPr>
-      </p:pic>
-      <p:sp>
-        <p:nvSpPr>
-          <p:cNvPr id="12" name="Oval 11">
-            <a:extLst>
-              <a:ext uri="{FF2B5EF4-FFF2-40B4-BE49-F238E27FC236}">
-                <a16:creationId xmlns:a16="http://schemas.microsoft.com/office/drawing/2014/main" id="{BBE8D471-5588-4D98-B8CF-30BA52A066CE}"/>
-              </a:ext>
-            </a:extLst>
-          </p:cNvPr>
-          <p:cNvSpPr/>
-          <p:nvPr/>
-        </p:nvSpPr>
-        <p:spPr>
-          <a:xfrm>
-            <a:off x="4016612" y="4015660"/>
-            <a:ext cx="3948544" cy="550718"/>
-          </a:xfrm>
-          <a:prstGeom prst="ellipse">
-            <a:avLst/>
-          </a:prstGeom>
-          <a:noFill/>
-          <a:ln w="76200">
-            <a:solidFill>
-              <a:schemeClr val="accent2">
-                <a:lumMod val="50000"/>
-              </a:schemeClr>
-            </a:solidFill>
-          </a:ln>
-        </p:spPr>
-        <p:style>
-          <a:lnRef idx="2">
-            <a:schemeClr val="accent1">
-              <a:shade val="50000"/>
-            </a:schemeClr>
-          </a:lnRef>
-          <a:fillRef idx="1">
-            <a:schemeClr val="accent1"/>
-          </a:fillRef>
-          <a:effectRef idx="0">
-            <a:schemeClr val="accent1"/>
-          </a:effectRef>
-          <a:fontRef idx="minor">
-            <a:schemeClr val="lt1"/>
-          </a:fontRef>
-        </p:style>
-        <p:txBody>
-          <a:bodyPr rtlCol="0" anchor="ctr"/>
-          <a:lstStyle/>
-          <a:p>
-            <a:pPr algn="ctr"/>
-            <a:endParaRPr lang="en-GB"/>
-          </a:p>
-        </p:txBody>
-      </p:sp>
-      <p:pic>
-        <p:nvPicPr>
-          <p:cNvPr id="4" name="Picture 3">
-            <a:extLst>
-              <a:ext uri="{FF2B5EF4-FFF2-40B4-BE49-F238E27FC236}">
-                <a16:creationId xmlns:a16="http://schemas.microsoft.com/office/drawing/2014/main" id="{CB7177EF-C2EF-4C17-81D4-AF06BC06E5B0}"/>
-              </a:ext>
-            </a:extLst>
-          </p:cNvPr>
-          <p:cNvPicPr>
-            <a:picLocks noChangeAspect="1"/>
-          </p:cNvPicPr>
-          <p:nvPr/>
-        </p:nvPicPr>
-        <p:blipFill>
-          <a:blip r:embed="rId5"/>
-          <a:stretch>
-            <a:fillRect/>
-          </a:stretch>
-        </p:blipFill>
-        <p:spPr>
-          <a:xfrm>
-            <a:off x="7906006" y="3276279"/>
-            <a:ext cx="3810093" cy="1328383"/>
-          </a:xfrm>
-          <a:prstGeom prst="rect">
-            <a:avLst/>
-          </a:prstGeom>
-          <a:ln w="76200">
-            <a:solidFill>
-              <a:srgbClr val="FFC000"/>
-            </a:solidFill>
-          </a:ln>
-        </p:spPr>
-      </p:pic>
-      <p:pic>
-        <p:nvPicPr>
-          <p:cNvPr id="14" name="Picture 13">
-            <a:extLst>
-              <a:ext uri="{FF2B5EF4-FFF2-40B4-BE49-F238E27FC236}">
-                <a16:creationId xmlns:a16="http://schemas.microsoft.com/office/drawing/2014/main" id="{7393B772-0DD6-463D-AA0D-B1F739F0441E}"/>
-              </a:ext>
-            </a:extLst>
-          </p:cNvPr>
-          <p:cNvPicPr>
-            <a:picLocks noChangeAspect="1"/>
-          </p:cNvPicPr>
-          <p:nvPr/>
-        </p:nvPicPr>
-        <p:blipFill>
-          <a:blip r:embed="rId6"/>
-          <a:stretch>
-            <a:fillRect/>
-          </a:stretch>
-        </p:blipFill>
-        <p:spPr>
-          <a:xfrm>
-            <a:off x="3642689" y="961290"/>
-            <a:ext cx="4459586" cy="2666123"/>
-          </a:xfrm>
-          <a:prstGeom prst="rect">
-            <a:avLst/>
-          </a:prstGeom>
-          <a:ln w="76200">
-            <a:solidFill>
-              <a:schemeClr val="accent2">
-                <a:lumMod val="50000"/>
-              </a:schemeClr>
-            </a:solidFill>
-          </a:ln>
-        </p:spPr>
-      </p:pic>
     </p:spTree>
     <p:extLst>
       <p:ext uri="{BB962C8B-B14F-4D97-AF65-F5344CB8AC3E}">
-        <p14:creationId xmlns:p14="http://schemas.microsoft.com/office/powerpoint/2010/main" val="1039632363"/>
+        <p14:creationId xmlns:p14="http://schemas.microsoft.com/office/powerpoint/2010/main" val="468880579"/>
       </p:ext>
     </p:extLst>
   </p:cSld>
@@ -5204,7 +5592,7 @@
                             </p:stCondLst>
                             <p:childTnLst>
                               <p:par>
-                                <p:cTn id="5" presetID="1" presetClass="entr" presetSubtype="0" fill="hold" grpId="0" nodeType="clickEffect">
+                                <p:cTn id="5" presetID="10" presetClass="entr" presetSubtype="0" fill="hold" grpId="0" nodeType="clickEffect">
                                   <p:stCondLst>
                                     <p:cond delay="0"/>
                                   </p:stCondLst>
@@ -5212,204 +5600,6 @@
                                     <p:set>
                                       <p:cBhvr>
                                         <p:cTn id="6" dur="1" fill="hold">
-                                          <p:stCondLst>
-                                            <p:cond delay="0"/>
-                                          </p:stCondLst>
-                                        </p:cTn>
-                                        <p:tgtEl>
-                                          <p:spTgt spid="15"/>
-                                        </p:tgtEl>
-                                        <p:attrNameLst>
-                                          <p:attrName>style.visibility</p:attrName>
-                                        </p:attrNameLst>
-                                      </p:cBhvr>
-                                      <p:to>
-                                        <p:strVal val="visible"/>
-                                      </p:to>
-                                    </p:set>
-                                  </p:childTnLst>
-                                </p:cTn>
-                              </p:par>
-                            </p:childTnLst>
-                          </p:cTn>
-                        </p:par>
-                      </p:childTnLst>
-                    </p:cTn>
-                  </p:par>
-                  <p:par>
-                    <p:cTn id="7" fill="hold">
-                      <p:stCondLst>
-                        <p:cond delay="indefinite"/>
-                      </p:stCondLst>
-                      <p:childTnLst>
-                        <p:par>
-                          <p:cTn id="8" fill="hold">
-                            <p:stCondLst>
-                              <p:cond delay="0"/>
-                            </p:stCondLst>
-                            <p:childTnLst>
-                              <p:par>
-                                <p:cTn id="9" presetID="1" presetClass="entr" presetSubtype="0" fill="hold" grpId="0" nodeType="clickEffect">
-                                  <p:stCondLst>
-                                    <p:cond delay="0"/>
-                                  </p:stCondLst>
-                                  <p:childTnLst>
-                                    <p:set>
-                                      <p:cBhvr>
-                                        <p:cTn id="10" dur="1" fill="hold">
-                                          <p:stCondLst>
-                                            <p:cond delay="0"/>
-                                          </p:stCondLst>
-                                        </p:cTn>
-                                        <p:tgtEl>
-                                          <p:spTgt spid="6"/>
-                                        </p:tgtEl>
-                                        <p:attrNameLst>
-                                          <p:attrName>style.visibility</p:attrName>
-                                        </p:attrNameLst>
-                                      </p:cBhvr>
-                                      <p:to>
-                                        <p:strVal val="visible"/>
-                                      </p:to>
-                                    </p:set>
-                                  </p:childTnLst>
-                                </p:cTn>
-                              </p:par>
-                            </p:childTnLst>
-                          </p:cTn>
-                        </p:par>
-                        <p:par>
-                          <p:cTn id="11" fill="hold">
-                            <p:stCondLst>
-                              <p:cond delay="0"/>
-                            </p:stCondLst>
-                            <p:childTnLst>
-                              <p:par>
-                                <p:cTn id="12" presetID="1" presetClass="entr" presetSubtype="0" fill="hold" nodeType="afterEffect">
-                                  <p:stCondLst>
-                                    <p:cond delay="500"/>
-                                  </p:stCondLst>
-                                  <p:childTnLst>
-                                    <p:set>
-                                      <p:cBhvr>
-                                        <p:cTn id="13" dur="1" fill="hold">
-                                          <p:stCondLst>
-                                            <p:cond delay="0"/>
-                                          </p:stCondLst>
-                                        </p:cTn>
-                                        <p:tgtEl>
-                                          <p:spTgt spid="8"/>
-                                        </p:tgtEl>
-                                        <p:attrNameLst>
-                                          <p:attrName>style.visibility</p:attrName>
-                                        </p:attrNameLst>
-                                      </p:cBhvr>
-                                      <p:to>
-                                        <p:strVal val="visible"/>
-                                      </p:to>
-                                    </p:set>
-                                  </p:childTnLst>
-                                </p:cTn>
-                              </p:par>
-                            </p:childTnLst>
-                          </p:cTn>
-                        </p:par>
-                      </p:childTnLst>
-                    </p:cTn>
-                  </p:par>
-                  <p:par>
-                    <p:cTn id="14" fill="hold">
-                      <p:stCondLst>
-                        <p:cond delay="indefinite"/>
-                      </p:stCondLst>
-                      <p:childTnLst>
-                        <p:par>
-                          <p:cTn id="15" fill="hold">
-                            <p:stCondLst>
-                              <p:cond delay="0"/>
-                            </p:stCondLst>
-                            <p:childTnLst>
-                              <p:par>
-                                <p:cTn id="16" presetID="1" presetClass="entr" presetSubtype="0" fill="hold" grpId="0" nodeType="clickEffect">
-                                  <p:stCondLst>
-                                    <p:cond delay="0"/>
-                                  </p:stCondLst>
-                                  <p:childTnLst>
-                                    <p:set>
-                                      <p:cBhvr>
-                                        <p:cTn id="17" dur="1" fill="hold">
-                                          <p:stCondLst>
-                                            <p:cond delay="0"/>
-                                          </p:stCondLst>
-                                        </p:cTn>
-                                        <p:tgtEl>
-                                          <p:spTgt spid="7"/>
-                                        </p:tgtEl>
-                                        <p:attrNameLst>
-                                          <p:attrName>style.visibility</p:attrName>
-                                        </p:attrNameLst>
-                                      </p:cBhvr>
-                                      <p:to>
-                                        <p:strVal val="visible"/>
-                                      </p:to>
-                                    </p:set>
-                                  </p:childTnLst>
-                                </p:cTn>
-                              </p:par>
-                            </p:childTnLst>
-                          </p:cTn>
-                        </p:par>
-                        <p:par>
-                          <p:cTn id="18" fill="hold">
-                            <p:stCondLst>
-                              <p:cond delay="0"/>
-                            </p:stCondLst>
-                            <p:childTnLst>
-                              <p:par>
-                                <p:cTn id="19" presetID="1" presetClass="entr" presetSubtype="0" fill="hold" nodeType="afterEffect">
-                                  <p:stCondLst>
-                                    <p:cond delay="500"/>
-                                  </p:stCondLst>
-                                  <p:childTnLst>
-                                    <p:set>
-                                      <p:cBhvr>
-                                        <p:cTn id="20" dur="1" fill="hold">
-                                          <p:stCondLst>
-                                            <p:cond delay="0"/>
-                                          </p:stCondLst>
-                                        </p:cTn>
-                                        <p:tgtEl>
-                                          <p:spTgt spid="10"/>
-                                        </p:tgtEl>
-                                        <p:attrNameLst>
-                                          <p:attrName>style.visibility</p:attrName>
-                                        </p:attrNameLst>
-                                      </p:cBhvr>
-                                      <p:to>
-                                        <p:strVal val="visible"/>
-                                      </p:to>
-                                    </p:set>
-                                  </p:childTnLst>
-                                </p:cTn>
-                              </p:par>
-                            </p:childTnLst>
-                          </p:cTn>
-                        </p:par>
-                        <p:par>
-                          <p:cTn id="21" fill="hold">
-                            <p:stCondLst>
-                              <p:cond delay="500"/>
-                            </p:stCondLst>
-                            <p:childTnLst>
-                              <p:par>
-                                <p:cTn id="22" presetID="1" presetClass="entr" presetSubtype="0" fill="hold" nodeType="afterEffect">
-                                  <p:stCondLst>
-                                    <p:cond delay="500"/>
-                                  </p:stCondLst>
-                                  <p:childTnLst>
-                                    <p:set>
-                                      <p:cBhvr>
-                                        <p:cTn id="23" dur="1" fill="hold">
                                           <p:stCondLst>
                                             <p:cond delay="0"/>
                                           </p:stCondLst>
@@ -5425,6 +5615,14 @@
                                         <p:strVal val="visible"/>
                                       </p:to>
                                     </p:set>
+                                    <p:animEffect transition="in" filter="fade">
+                                      <p:cBhvr>
+                                        <p:cTn id="7" dur="500"/>
+                                        <p:tgtEl>
+                                          <p:spTgt spid="4"/>
+                                        </p:tgtEl>
+                                      </p:cBhvr>
+                                    </p:animEffect>
                                   </p:childTnLst>
                                 </p:cTn>
                               </p:par>
@@ -5435,32 +5633,32 @@
                     </p:cTn>
                   </p:par>
                   <p:par>
-                    <p:cTn id="24" fill="hold">
+                    <p:cTn id="8" fill="hold">
                       <p:stCondLst>
                         <p:cond delay="indefinite"/>
                       </p:stCondLst>
                       <p:childTnLst>
                         <p:par>
-                          <p:cTn id="25" fill="hold">
+                          <p:cTn id="9" fill="hold">
                             <p:stCondLst>
                               <p:cond delay="0"/>
                             </p:stCondLst>
                             <p:childTnLst>
                               <p:par>
-                                <p:cTn id="26" presetID="1" presetClass="entr" presetSubtype="0" fill="hold" grpId="0" nodeType="clickEffect">
+                                <p:cTn id="10" presetID="22" presetClass="entr" presetSubtype="4" fill="hold" grpId="0" nodeType="clickEffect">
                                   <p:stCondLst>
                                     <p:cond delay="0"/>
                                   </p:stCondLst>
                                   <p:childTnLst>
                                     <p:set>
                                       <p:cBhvr>
-                                        <p:cTn id="27" dur="1" fill="hold">
+                                        <p:cTn id="11" dur="1" fill="hold">
                                           <p:stCondLst>
                                             <p:cond delay="0"/>
                                           </p:stCondLst>
                                         </p:cTn>
                                         <p:tgtEl>
-                                          <p:spTgt spid="12"/>
+                                          <p:spTgt spid="3"/>
                                         </p:tgtEl>
                                         <p:attrNameLst>
                                           <p:attrName>style.visibility</p:attrName>
@@ -5470,42 +5668,14 @@
                                         <p:strVal val="visible"/>
                                       </p:to>
                                     </p:set>
-                                  </p:childTnLst>
-                                </p:cTn>
-                              </p:par>
-                            </p:childTnLst>
-                          </p:cTn>
-                        </p:par>
-                        <p:par>
-                          <p:cTn id="28" fill="hold">
-                            <p:stCondLst>
-                              <p:cond delay="0"/>
-                            </p:stCondLst>
-                            <p:childTnLst>
-                              <p:par>
-                                <p:cTn id="29" presetID="1" presetClass="entr" presetSubtype="0" fill="hold" nodeType="afterEffect">
-                                  <p:stCondLst>
-                                    <p:cond delay="500"/>
-                                  </p:stCondLst>
-                                  <p:childTnLst>
-                                    <p:set>
+                                    <p:animEffect transition="in" filter="wipe(down)">
                                       <p:cBhvr>
-                                        <p:cTn id="30" dur="1" fill="hold">
-                                          <p:stCondLst>
-                                            <p:cond delay="0"/>
-                                          </p:stCondLst>
-                                        </p:cTn>
+                                        <p:cTn id="12" dur="500"/>
                                         <p:tgtEl>
-                                          <p:spTgt spid="14"/>
+                                          <p:spTgt spid="3"/>
                                         </p:tgtEl>
-                                        <p:attrNameLst>
-                                          <p:attrName>style.visibility</p:attrName>
-                                        </p:attrNameLst>
                                       </p:cBhvr>
-                                      <p:to>
-                                        <p:strVal val="visible"/>
-                                      </p:to>
-                                    </p:set>
+                                    </p:animEffect>
                                   </p:childTnLst>
                                 </p:cTn>
                               </p:par>
@@ -5537,10 +5707,8 @@
       </p:par>
     </p:tnLst>
     <p:bldLst>
-      <p:bldP spid="15" grpId="0" animBg="1"/>
-      <p:bldP spid="7" grpId="0" animBg="1"/>
-      <p:bldP spid="6" grpId="0" animBg="1"/>
-      <p:bldP spid="12" grpId="0" animBg="1"/>
+      <p:bldP spid="3" grpId="0" animBg="1"/>
+      <p:bldP spid="4" grpId="0" animBg="1"/>
     </p:bldLst>
   </p:timing>
 </p:sld>
@@ -5565,10 +5733,10 @@
       </p:grpSpPr>
       <p:sp>
         <p:nvSpPr>
-          <p:cNvPr id="2" name="Title 1">
+          <p:cNvPr id="3" name="Title 2">
             <a:extLst>
               <a:ext uri="{FF2B5EF4-FFF2-40B4-BE49-F238E27FC236}">
-                <a16:creationId xmlns:a16="http://schemas.microsoft.com/office/drawing/2014/main" id="{CE93B9A9-5430-43CA-A076-1B33A322CAF1}"/>
+                <a16:creationId xmlns:a16="http://schemas.microsoft.com/office/drawing/2014/main" id="{9AEBF754-2D0A-4B96-8072-E1823C6F9421}"/>
               </a:ext>
             </a:extLst>
           </p:cNvPr>
@@ -5586,17 +5754,17 @@
           <a:p>
             <a:r>
               <a:rPr lang="en-GB" dirty="0"/>
-              <a:t>What does a portfolio look like?</a:t>
-            </a:r>
-          </a:p>
-        </p:txBody>
-      </p:sp>
-      <p:sp>
-        <p:nvSpPr>
-          <p:cNvPr id="3" name="Content Placeholder 2">
+              <a:t>Portfolio Purpose</a:t>
+            </a:r>
+          </a:p>
+        </p:txBody>
+      </p:sp>
+      <p:sp>
+        <p:nvSpPr>
+          <p:cNvPr id="4" name="Content Placeholder 3">
             <a:extLst>
               <a:ext uri="{FF2B5EF4-FFF2-40B4-BE49-F238E27FC236}">
-                <a16:creationId xmlns:a16="http://schemas.microsoft.com/office/drawing/2014/main" id="{A8B5FB3A-DBC2-49E7-B8E9-76B44D37034D}"/>
+                <a16:creationId xmlns:a16="http://schemas.microsoft.com/office/drawing/2014/main" id="{549D8C4C-9CB5-475B-BDFB-6C38D8016EFD}"/>
               </a:ext>
             </a:extLst>
           </p:cNvPr>
@@ -5607,191 +5775,354 @@
             <p:ph idx="1"/>
           </p:nvPr>
         </p:nvSpPr>
+        <p:spPr/>
+        <p:txBody>
+          <a:bodyPr>
+            <a:normAutofit/>
+          </a:bodyPr>
+          <a:lstStyle/>
+          <a:p>
+            <a:r>
+              <a:rPr lang="en-GB" sz="3200" dirty="0"/>
+              <a:t>Showcase your </a:t>
+            </a:r>
+            <a:r>
+              <a:rPr lang="en-GB" sz="3200" dirty="0">
+                <a:solidFill>
+                  <a:schemeClr val="accent3">
+                    <a:lumMod val="75000"/>
+                  </a:schemeClr>
+                </a:solidFill>
+              </a:rPr>
+              <a:t>talents</a:t>
+            </a:r>
+            <a:r>
+              <a:rPr lang="en-GB" sz="3200" dirty="0"/>
+              <a:t>!</a:t>
+            </a:r>
+          </a:p>
+          <a:p>
+            <a:r>
+              <a:rPr lang="en-GB" sz="3200" dirty="0"/>
+              <a:t>To </a:t>
+            </a:r>
+            <a:r>
+              <a:rPr lang="en-GB" sz="3200" dirty="0">
+                <a:solidFill>
+                  <a:schemeClr val="accent2">
+                    <a:lumMod val="75000"/>
+                  </a:schemeClr>
+                </a:solidFill>
+              </a:rPr>
+              <a:t>demonstrate</a:t>
+            </a:r>
+            <a:r>
+              <a:rPr lang="en-GB" sz="3200" dirty="0"/>
+              <a:t> to a prospective employer or client:</a:t>
+            </a:r>
+          </a:p>
+          <a:p>
+            <a:pPr lvl="1"/>
+            <a:r>
+              <a:rPr lang="en-GB" sz="2800" b="1" dirty="0">
+                <a:solidFill>
+                  <a:schemeClr val="accent3">
+                    <a:lumMod val="75000"/>
+                  </a:schemeClr>
+                </a:solidFill>
+              </a:rPr>
+              <a:t>Who</a:t>
+            </a:r>
+            <a:r>
+              <a:rPr lang="en-GB" sz="2800" dirty="0"/>
+              <a:t> you are</a:t>
+            </a:r>
+          </a:p>
+          <a:p>
+            <a:pPr lvl="1"/>
+            <a:r>
+              <a:rPr lang="en-GB" sz="2800" b="1" dirty="0">
+                <a:solidFill>
+                  <a:schemeClr val="accent3">
+                    <a:lumMod val="75000"/>
+                  </a:schemeClr>
+                </a:solidFill>
+              </a:rPr>
+              <a:t>What</a:t>
+            </a:r>
+            <a:r>
+              <a:rPr lang="en-GB" sz="2800" dirty="0"/>
+              <a:t> you can do</a:t>
+            </a:r>
+          </a:p>
+          <a:p>
+            <a:pPr lvl="1"/>
+            <a:r>
+              <a:rPr lang="en-GB" sz="2800" b="1" dirty="0">
+                <a:solidFill>
+                  <a:schemeClr val="accent3">
+                    <a:lumMod val="75000"/>
+                  </a:schemeClr>
+                </a:solidFill>
+              </a:rPr>
+              <a:t>Where</a:t>
+            </a:r>
+            <a:r>
+              <a:rPr lang="en-GB" sz="2800" dirty="0"/>
+              <a:t> you want to go</a:t>
+            </a:r>
+          </a:p>
+          <a:p>
+            <a:pPr lvl="1"/>
+            <a:r>
+              <a:rPr lang="en-GB" sz="2800" b="1" dirty="0">
+                <a:solidFill>
+                  <a:schemeClr val="accent3">
+                    <a:lumMod val="75000"/>
+                  </a:schemeClr>
+                </a:solidFill>
+              </a:rPr>
+              <a:t>Why</a:t>
+            </a:r>
+            <a:r>
+              <a:rPr lang="en-GB" sz="2800" dirty="0"/>
+              <a:t> they should hire </a:t>
+            </a:r>
+            <a:r>
+              <a:rPr lang="en-GB" sz="2800" dirty="0">
+                <a:solidFill>
+                  <a:schemeClr val="accent2">
+                    <a:lumMod val="75000"/>
+                  </a:schemeClr>
+                </a:solidFill>
+              </a:rPr>
+              <a:t>you</a:t>
+            </a:r>
+            <a:endParaRPr lang="en-GB" sz="3200" dirty="0"/>
+          </a:p>
+          <a:p>
+            <a:endParaRPr lang="en-GB" sz="2800" dirty="0"/>
+          </a:p>
+        </p:txBody>
+      </p:sp>
+      <p:sp>
+        <p:nvSpPr>
+          <p:cNvPr id="5" name="Speech Bubble: Rectangle 4">
+            <a:extLst>
+              <a:ext uri="{FF2B5EF4-FFF2-40B4-BE49-F238E27FC236}">
+                <a16:creationId xmlns:a16="http://schemas.microsoft.com/office/drawing/2014/main" id="{169FD912-508F-4B47-87ED-B6B943B5D544}"/>
+              </a:ext>
+            </a:extLst>
+          </p:cNvPr>
+          <p:cNvSpPr/>
+          <p:nvPr/>
+        </p:nvSpPr>
         <p:spPr>
           <a:xfrm>
-            <a:off x="1066800" y="1864129"/>
-            <a:ext cx="10058400" cy="4112286"/>
+            <a:off x="3814941" y="3365228"/>
+            <a:ext cx="1631639" cy="545808"/>
           </a:xfrm>
+          <a:prstGeom prst="wedgeRectCallout">
+            <a:avLst>
+              <a:gd name="adj1" fmla="val -46171"/>
+              <a:gd name="adj2" fmla="val 79203"/>
+            </a:avLst>
+          </a:prstGeom>
+          <a:solidFill>
+            <a:schemeClr val="accent1">
+              <a:lumMod val="60000"/>
+              <a:lumOff val="40000"/>
+            </a:schemeClr>
+          </a:solidFill>
         </p:spPr>
-        <p:txBody>
-          <a:bodyPr>
-            <a:noAutofit/>
-          </a:bodyPr>
+        <p:style>
+          <a:lnRef idx="2">
+            <a:schemeClr val="accent1">
+              <a:shade val="50000"/>
+            </a:schemeClr>
+          </a:lnRef>
+          <a:fillRef idx="1">
+            <a:schemeClr val="accent1"/>
+          </a:fillRef>
+          <a:effectRef idx="0">
+            <a:schemeClr val="accent1"/>
+          </a:effectRef>
+          <a:fontRef idx="minor">
+            <a:schemeClr val="lt1"/>
+          </a:fontRef>
+        </p:style>
+        <p:txBody>
+          <a:bodyPr rtlCol="0" anchor="ctr"/>
           <a:lstStyle/>
           <a:p>
-            <a:r>
-              <a:rPr lang="en-GB" sz="2000" b="1" dirty="0"/>
-              <a:t>Purpose</a:t>
-            </a:r>
-            <a:r>
-              <a:rPr lang="en-GB" sz="2000" dirty="0"/>
-              <a:t>: to </a:t>
-            </a:r>
-            <a:r>
-              <a:rPr lang="en-GB" sz="2000" i="1" u="sng" dirty="0"/>
-              <a:t>show</a:t>
-            </a:r>
-            <a:r>
-              <a:rPr lang="en-GB" sz="2000" dirty="0"/>
-              <a:t> a prospective employer</a:t>
-            </a:r>
-          </a:p>
-          <a:p>
-            <a:pPr lvl="1"/>
-            <a:r>
-              <a:rPr lang="en-GB" sz="1800" dirty="0"/>
-              <a:t>who you are, and</a:t>
-            </a:r>
-          </a:p>
-          <a:p>
-            <a:pPr lvl="1"/>
-            <a:r>
-              <a:rPr lang="en-GB" sz="1800" dirty="0"/>
-              <a:t>what you can do.</a:t>
-            </a:r>
-          </a:p>
-          <a:p>
-            <a:r>
-              <a:rPr lang="en-GB" sz="2000" b="1" dirty="0"/>
-              <a:t>Structure</a:t>
-            </a:r>
-            <a:r>
-              <a:rPr lang="en-GB" sz="2000" dirty="0"/>
-              <a:t>: should contain at least the following sections:</a:t>
-            </a:r>
-          </a:p>
-          <a:p>
-            <a:pPr lvl="1"/>
-            <a:r>
-              <a:rPr lang="en-GB" sz="1800" i="1" dirty="0"/>
-              <a:t>About</a:t>
-            </a:r>
-            <a:r>
-              <a:rPr lang="en-GB" sz="1800" dirty="0"/>
-              <a:t> – who are you/where you are now/where you’d like to be</a:t>
-            </a:r>
-          </a:p>
-          <a:p>
-            <a:pPr lvl="1"/>
-            <a:r>
-              <a:rPr lang="en-GB" sz="1800" i="1" dirty="0"/>
-              <a:t>Projects</a:t>
-            </a:r>
-            <a:r>
-              <a:rPr lang="en-GB" sz="1800" dirty="0"/>
-              <a:t> – what you’ve done, including </a:t>
-            </a:r>
-            <a:r>
-              <a:rPr lang="en-GB" sz="1800" i="1" u="sng" dirty="0"/>
-              <a:t>how</a:t>
-            </a:r>
-            <a:r>
-              <a:rPr lang="en-GB" sz="1800" dirty="0"/>
-              <a:t> and </a:t>
-            </a:r>
-            <a:r>
-              <a:rPr lang="en-GB" sz="1800" i="1" u="sng" dirty="0"/>
-              <a:t>why</a:t>
-            </a:r>
-          </a:p>
-          <a:p>
-            <a:pPr lvl="2"/>
-            <a:r>
-              <a:rPr lang="en-GB" sz="1700" dirty="0"/>
-              <a:t>Include pictures, videos, descriptions, demos – and possibly </a:t>
-            </a:r>
-            <a:r>
-              <a:rPr lang="en-GB" sz="1700" i="1" u="sng" dirty="0"/>
-              <a:t>reasoned arguments</a:t>
-            </a:r>
-            <a:r>
-              <a:rPr lang="en-GB" sz="1700" i="1" dirty="0"/>
-              <a:t>…</a:t>
-            </a:r>
-            <a:endParaRPr lang="en-GB" sz="1700" i="1" u="sng" dirty="0"/>
-          </a:p>
-          <a:p>
-            <a:pPr lvl="1"/>
-            <a:r>
-              <a:rPr lang="en-GB" sz="1800" i="1" dirty="0"/>
-              <a:t>Contact – </a:t>
-            </a:r>
-            <a:r>
-              <a:rPr lang="en-GB" sz="1800" dirty="0"/>
-              <a:t>details for getting in touch with you (email/contact form – NB beware spammers)</a:t>
-            </a:r>
-          </a:p>
-          <a:p>
-            <a:pPr lvl="2"/>
-            <a:r>
-              <a:rPr lang="en-GB" sz="1700" dirty="0"/>
-              <a:t>Links to your profiles on LinkedIn and GitHub</a:t>
-            </a:r>
-          </a:p>
-          <a:p>
-            <a:pPr marL="0" indent="0">
-              <a:buNone/>
-            </a:pPr>
-            <a:r>
-              <a:rPr lang="en-GB" sz="1600" dirty="0"/>
-              <a:t>More info/examples:</a:t>
-            </a:r>
-            <a:br>
-              <a:rPr lang="en-GB" sz="1600" dirty="0">
+            <a:pPr algn="ctr"/>
+            <a:r>
+              <a:rPr lang="en-GB" sz="2400" dirty="0">
                 <a:solidFill>
-                  <a:srgbClr val="00B0F0"/>
+                  <a:schemeClr val="tx1">
+                    <a:lumMod val="75000"/>
+                    <a:lumOff val="25000"/>
+                  </a:schemeClr>
                 </a:solidFill>
               </a:rPr>
-            </a:br>
-            <a:r>
-              <a:rPr lang="en-GB" sz="1600" dirty="0">
+              <a:t>Your story</a:t>
+            </a:r>
+          </a:p>
+        </p:txBody>
+      </p:sp>
+      <p:sp>
+        <p:nvSpPr>
+          <p:cNvPr id="6" name="Speech Bubble: Rectangle 5">
+            <a:extLst>
+              <a:ext uri="{FF2B5EF4-FFF2-40B4-BE49-F238E27FC236}">
+                <a16:creationId xmlns:a16="http://schemas.microsoft.com/office/drawing/2014/main" id="{AAFDD299-F777-4213-AB34-0F5AE0DCCA2A}"/>
+              </a:ext>
+            </a:extLst>
+          </p:cNvPr>
+          <p:cNvSpPr/>
+          <p:nvPr/>
+        </p:nvSpPr>
+        <p:spPr>
+          <a:xfrm>
+            <a:off x="5446580" y="4027932"/>
+            <a:ext cx="3192447" cy="888049"/>
+          </a:xfrm>
+          <a:prstGeom prst="wedgeRectCallout">
+            <a:avLst>
+              <a:gd name="adj1" fmla="val -70272"/>
+              <a:gd name="adj2" fmla="val 20769"/>
+            </a:avLst>
+          </a:prstGeom>
+          <a:solidFill>
+            <a:schemeClr val="accent1">
+              <a:lumMod val="60000"/>
+              <a:lumOff val="40000"/>
+            </a:schemeClr>
+          </a:solidFill>
+        </p:spPr>
+        <p:style>
+          <a:lnRef idx="2">
+            <a:schemeClr val="accent1">
+              <a:shade val="50000"/>
+            </a:schemeClr>
+          </a:lnRef>
+          <a:fillRef idx="1">
+            <a:schemeClr val="accent1"/>
+          </a:fillRef>
+          <a:effectRef idx="0">
+            <a:schemeClr val="accent1"/>
+          </a:effectRef>
+          <a:fontRef idx="minor">
+            <a:schemeClr val="lt1"/>
+          </a:fontRef>
+        </p:style>
+        <p:txBody>
+          <a:bodyPr rtlCol="0" anchor="ctr"/>
+          <a:lstStyle/>
+          <a:p>
+            <a:pPr algn="ctr"/>
+            <a:r>
+              <a:rPr lang="en-GB" sz="2400" dirty="0">
                 <a:solidFill>
-                  <a:srgbClr val="00B0F0"/>
-                </a:solidFill>
-                <a:hlinkClick r:id="rId2">
-                  <a:extLst>
-                    <a:ext uri="{A12FA001-AC4F-418D-AE19-62706E023703}">
-                      <ahyp:hlinkClr xmlns:ahyp="http://schemas.microsoft.com/office/drawing/2018/hyperlinkcolor" val="tx"/>
-                    </a:ext>
-                  </a:extLst>
-                </a:hlinkClick>
-              </a:rPr>
-              <a:t>https://www.springboard.com/blog/programmer-portfolio/</a:t>
-            </a:r>
-            <a:br>
-              <a:rPr lang="en-GB" sz="1600" dirty="0">
-                <a:solidFill>
-                  <a:srgbClr val="00B0F0"/>
+                  <a:schemeClr val="tx1">
+                    <a:lumMod val="75000"/>
+                    <a:lumOff val="25000"/>
+                  </a:schemeClr>
                 </a:solidFill>
               </a:rPr>
-            </a:br>
-            <a:r>
-              <a:rPr lang="en-GB" sz="1600" dirty="0">
-                <a:hlinkClick r:id="rId3"/>
+              <a:t>Evidence your skills through </a:t>
+            </a:r>
+            <a:r>
+              <a:rPr lang="en-GB" sz="2400" dirty="0" err="1">
+                <a:solidFill>
+                  <a:schemeClr val="tx1">
+                    <a:lumMod val="75000"/>
+                    <a:lumOff val="25000"/>
+                  </a:schemeClr>
+                </a:solidFill>
               </a:rPr>
-              <a:t>https://opmjobs.com/programmer-portfolio/</a:t>
-            </a:r>
-            <a:br>
-              <a:rPr lang="en-GB" sz="1600" dirty="0"/>
-            </a:br>
-            <a:r>
-              <a:rPr lang="en-GB" sz="1600" dirty="0">
-                <a:hlinkClick r:id="rId4"/>
-              </a:rPr>
-              <a:t>https://collegeinfogeek.com/personal-website-examples/#student-website-examples</a:t>
-            </a:r>
-            <a:endParaRPr lang="en-GB" sz="1600" dirty="0">
+              <a:t>applicaton</a:t>
+            </a:r>
+            <a:endParaRPr lang="en-GB" sz="2400" dirty="0">
               <a:solidFill>
-                <a:srgbClr val="00B0F0"/>
+                <a:schemeClr val="tx1">
+                  <a:lumMod val="75000"/>
+                  <a:lumOff val="25000"/>
+                </a:schemeClr>
               </a:solidFill>
             </a:endParaRPr>
+          </a:p>
+        </p:txBody>
+      </p:sp>
+      <p:sp>
+        <p:nvSpPr>
+          <p:cNvPr id="7" name="Speech Bubble: Rectangle 6">
+            <a:extLst>
+              <a:ext uri="{FF2B5EF4-FFF2-40B4-BE49-F238E27FC236}">
+                <a16:creationId xmlns:a16="http://schemas.microsoft.com/office/drawing/2014/main" id="{208324BE-6EB2-4FC9-A8A6-890A2DE6836F}"/>
+              </a:ext>
+            </a:extLst>
+          </p:cNvPr>
+          <p:cNvSpPr/>
+          <p:nvPr/>
+        </p:nvSpPr>
+        <p:spPr>
+          <a:xfrm>
+            <a:off x="6387621" y="5032877"/>
+            <a:ext cx="1891406" cy="545808"/>
+          </a:xfrm>
+          <a:prstGeom prst="wedgeRectCallout">
+            <a:avLst>
+              <a:gd name="adj1" fmla="val -93209"/>
+              <a:gd name="adj2" fmla="val -20411"/>
+            </a:avLst>
+          </a:prstGeom>
+          <a:solidFill>
+            <a:schemeClr val="accent1">
+              <a:lumMod val="60000"/>
+              <a:lumOff val="40000"/>
+            </a:schemeClr>
+          </a:solidFill>
+        </p:spPr>
+        <p:style>
+          <a:lnRef idx="2">
+            <a:schemeClr val="accent1">
+              <a:shade val="50000"/>
+            </a:schemeClr>
+          </a:lnRef>
+          <a:fillRef idx="1">
+            <a:schemeClr val="accent1"/>
+          </a:fillRef>
+          <a:effectRef idx="0">
+            <a:schemeClr val="accent1"/>
+          </a:effectRef>
+          <a:fontRef idx="minor">
+            <a:schemeClr val="lt1"/>
+          </a:fontRef>
+        </p:style>
+        <p:txBody>
+          <a:bodyPr rtlCol="0" anchor="ctr"/>
+          <a:lstStyle/>
+          <a:p>
+            <a:pPr algn="ctr"/>
+            <a:r>
+              <a:rPr lang="en-GB" sz="2400" dirty="0">
+                <a:solidFill>
+                  <a:schemeClr val="tx1">
+                    <a:lumMod val="75000"/>
+                    <a:lumOff val="25000"/>
+                  </a:schemeClr>
+                </a:solidFill>
+              </a:rPr>
+              <a:t>Your goals</a:t>
+            </a:r>
           </a:p>
         </p:txBody>
       </p:sp>
     </p:spTree>
     <p:extLst>
       <p:ext uri="{BB962C8B-B14F-4D97-AF65-F5344CB8AC3E}">
-        <p14:creationId xmlns:p14="http://schemas.microsoft.com/office/powerpoint/2010/main" val="108581321"/>
+        <p14:creationId xmlns:p14="http://schemas.microsoft.com/office/powerpoint/2010/main" val="1424008197"/>
       </p:ext>
     </p:extLst>
   </p:cSld>
@@ -5819,7 +6150,858 @@
                             </p:stCondLst>
                             <p:childTnLst>
                               <p:par>
-                                <p:cTn id="5" presetID="1" presetClass="entr" presetSubtype="0" fill="hold" grpId="0" nodeType="clickEffect">
+                                <p:cTn id="5" presetID="10" presetClass="entr" presetSubtype="0" fill="hold" grpId="0" nodeType="clickEffect">
+                                  <p:stCondLst>
+                                    <p:cond delay="0"/>
+                                  </p:stCondLst>
+                                  <p:childTnLst>
+                                    <p:set>
+                                      <p:cBhvr>
+                                        <p:cTn id="6" dur="1" fill="hold">
+                                          <p:stCondLst>
+                                            <p:cond delay="0"/>
+                                          </p:stCondLst>
+                                        </p:cTn>
+                                        <p:tgtEl>
+                                          <p:spTgt spid="4">
+                                            <p:txEl>
+                                              <p:pRg st="0" end="0"/>
+                                            </p:txEl>
+                                          </p:spTgt>
+                                        </p:tgtEl>
+                                        <p:attrNameLst>
+                                          <p:attrName>style.visibility</p:attrName>
+                                        </p:attrNameLst>
+                                      </p:cBhvr>
+                                      <p:to>
+                                        <p:strVal val="visible"/>
+                                      </p:to>
+                                    </p:set>
+                                    <p:animEffect transition="in" filter="fade">
+                                      <p:cBhvr>
+                                        <p:cTn id="7" dur="500"/>
+                                        <p:tgtEl>
+                                          <p:spTgt spid="4">
+                                            <p:txEl>
+                                              <p:pRg st="0" end="0"/>
+                                            </p:txEl>
+                                          </p:spTgt>
+                                        </p:tgtEl>
+                                      </p:cBhvr>
+                                    </p:animEffect>
+                                  </p:childTnLst>
+                                </p:cTn>
+                              </p:par>
+                            </p:childTnLst>
+                          </p:cTn>
+                        </p:par>
+                      </p:childTnLst>
+                    </p:cTn>
+                  </p:par>
+                  <p:par>
+                    <p:cTn id="8" fill="hold">
+                      <p:stCondLst>
+                        <p:cond delay="indefinite"/>
+                      </p:stCondLst>
+                      <p:childTnLst>
+                        <p:par>
+                          <p:cTn id="9" fill="hold">
+                            <p:stCondLst>
+                              <p:cond delay="0"/>
+                            </p:stCondLst>
+                            <p:childTnLst>
+                              <p:par>
+                                <p:cTn id="10" presetID="10" presetClass="entr" presetSubtype="0" fill="hold" grpId="0" nodeType="clickEffect">
+                                  <p:stCondLst>
+                                    <p:cond delay="0"/>
+                                  </p:stCondLst>
+                                  <p:childTnLst>
+                                    <p:set>
+                                      <p:cBhvr>
+                                        <p:cTn id="11" dur="1" fill="hold">
+                                          <p:stCondLst>
+                                            <p:cond delay="0"/>
+                                          </p:stCondLst>
+                                        </p:cTn>
+                                        <p:tgtEl>
+                                          <p:spTgt spid="4">
+                                            <p:txEl>
+                                              <p:pRg st="1" end="1"/>
+                                            </p:txEl>
+                                          </p:spTgt>
+                                        </p:tgtEl>
+                                        <p:attrNameLst>
+                                          <p:attrName>style.visibility</p:attrName>
+                                        </p:attrNameLst>
+                                      </p:cBhvr>
+                                      <p:to>
+                                        <p:strVal val="visible"/>
+                                      </p:to>
+                                    </p:set>
+                                    <p:animEffect transition="in" filter="fade">
+                                      <p:cBhvr>
+                                        <p:cTn id="12" dur="500"/>
+                                        <p:tgtEl>
+                                          <p:spTgt spid="4">
+                                            <p:txEl>
+                                              <p:pRg st="1" end="1"/>
+                                            </p:txEl>
+                                          </p:spTgt>
+                                        </p:tgtEl>
+                                      </p:cBhvr>
+                                    </p:animEffect>
+                                  </p:childTnLst>
+                                </p:cTn>
+                              </p:par>
+                            </p:childTnLst>
+                          </p:cTn>
+                        </p:par>
+                      </p:childTnLst>
+                    </p:cTn>
+                  </p:par>
+                  <p:par>
+                    <p:cTn id="13" fill="hold">
+                      <p:stCondLst>
+                        <p:cond delay="indefinite"/>
+                      </p:stCondLst>
+                      <p:childTnLst>
+                        <p:par>
+                          <p:cTn id="14" fill="hold">
+                            <p:stCondLst>
+                              <p:cond delay="0"/>
+                            </p:stCondLst>
+                            <p:childTnLst>
+                              <p:par>
+                                <p:cTn id="15" presetID="10" presetClass="entr" presetSubtype="0" fill="hold" grpId="0" nodeType="clickEffect">
+                                  <p:stCondLst>
+                                    <p:cond delay="0"/>
+                                  </p:stCondLst>
+                                  <p:childTnLst>
+                                    <p:set>
+                                      <p:cBhvr>
+                                        <p:cTn id="16" dur="1" fill="hold">
+                                          <p:stCondLst>
+                                            <p:cond delay="0"/>
+                                          </p:stCondLst>
+                                        </p:cTn>
+                                        <p:tgtEl>
+                                          <p:spTgt spid="4">
+                                            <p:txEl>
+                                              <p:pRg st="2" end="2"/>
+                                            </p:txEl>
+                                          </p:spTgt>
+                                        </p:tgtEl>
+                                        <p:attrNameLst>
+                                          <p:attrName>style.visibility</p:attrName>
+                                        </p:attrNameLst>
+                                      </p:cBhvr>
+                                      <p:to>
+                                        <p:strVal val="visible"/>
+                                      </p:to>
+                                    </p:set>
+                                    <p:animEffect transition="in" filter="fade">
+                                      <p:cBhvr>
+                                        <p:cTn id="17" dur="500"/>
+                                        <p:tgtEl>
+                                          <p:spTgt spid="4">
+                                            <p:txEl>
+                                              <p:pRg st="2" end="2"/>
+                                            </p:txEl>
+                                          </p:spTgt>
+                                        </p:tgtEl>
+                                      </p:cBhvr>
+                                    </p:animEffect>
+                                  </p:childTnLst>
+                                </p:cTn>
+                              </p:par>
+                            </p:childTnLst>
+                          </p:cTn>
+                        </p:par>
+                      </p:childTnLst>
+                    </p:cTn>
+                  </p:par>
+                  <p:par>
+                    <p:cTn id="18" fill="hold">
+                      <p:stCondLst>
+                        <p:cond delay="indefinite"/>
+                      </p:stCondLst>
+                      <p:childTnLst>
+                        <p:par>
+                          <p:cTn id="19" fill="hold">
+                            <p:stCondLst>
+                              <p:cond delay="0"/>
+                            </p:stCondLst>
+                            <p:childTnLst>
+                              <p:par>
+                                <p:cTn id="20" presetID="10" presetClass="entr" presetSubtype="0" fill="hold" grpId="0" nodeType="clickEffect">
+                                  <p:stCondLst>
+                                    <p:cond delay="0"/>
+                                  </p:stCondLst>
+                                  <p:childTnLst>
+                                    <p:set>
+                                      <p:cBhvr>
+                                        <p:cTn id="21" dur="1" fill="hold">
+                                          <p:stCondLst>
+                                            <p:cond delay="0"/>
+                                          </p:stCondLst>
+                                        </p:cTn>
+                                        <p:tgtEl>
+                                          <p:spTgt spid="5"/>
+                                        </p:tgtEl>
+                                        <p:attrNameLst>
+                                          <p:attrName>style.visibility</p:attrName>
+                                        </p:attrNameLst>
+                                      </p:cBhvr>
+                                      <p:to>
+                                        <p:strVal val="visible"/>
+                                      </p:to>
+                                    </p:set>
+                                    <p:animEffect transition="in" filter="fade">
+                                      <p:cBhvr>
+                                        <p:cTn id="22" dur="500"/>
+                                        <p:tgtEl>
+                                          <p:spTgt spid="5"/>
+                                        </p:tgtEl>
+                                      </p:cBhvr>
+                                    </p:animEffect>
+                                  </p:childTnLst>
+                                </p:cTn>
+                              </p:par>
+                            </p:childTnLst>
+                          </p:cTn>
+                        </p:par>
+                      </p:childTnLst>
+                    </p:cTn>
+                  </p:par>
+                  <p:par>
+                    <p:cTn id="23" fill="hold">
+                      <p:stCondLst>
+                        <p:cond delay="indefinite"/>
+                      </p:stCondLst>
+                      <p:childTnLst>
+                        <p:par>
+                          <p:cTn id="24" fill="hold">
+                            <p:stCondLst>
+                              <p:cond delay="0"/>
+                            </p:stCondLst>
+                            <p:childTnLst>
+                              <p:par>
+                                <p:cTn id="25" presetID="10" presetClass="entr" presetSubtype="0" fill="hold" grpId="0" nodeType="clickEffect">
+                                  <p:stCondLst>
+                                    <p:cond delay="0"/>
+                                  </p:stCondLst>
+                                  <p:childTnLst>
+                                    <p:set>
+                                      <p:cBhvr>
+                                        <p:cTn id="26" dur="1" fill="hold">
+                                          <p:stCondLst>
+                                            <p:cond delay="0"/>
+                                          </p:stCondLst>
+                                        </p:cTn>
+                                        <p:tgtEl>
+                                          <p:spTgt spid="4">
+                                            <p:txEl>
+                                              <p:pRg st="3" end="3"/>
+                                            </p:txEl>
+                                          </p:spTgt>
+                                        </p:tgtEl>
+                                        <p:attrNameLst>
+                                          <p:attrName>style.visibility</p:attrName>
+                                        </p:attrNameLst>
+                                      </p:cBhvr>
+                                      <p:to>
+                                        <p:strVal val="visible"/>
+                                      </p:to>
+                                    </p:set>
+                                    <p:animEffect transition="in" filter="fade">
+                                      <p:cBhvr>
+                                        <p:cTn id="27" dur="500"/>
+                                        <p:tgtEl>
+                                          <p:spTgt spid="4">
+                                            <p:txEl>
+                                              <p:pRg st="3" end="3"/>
+                                            </p:txEl>
+                                          </p:spTgt>
+                                        </p:tgtEl>
+                                      </p:cBhvr>
+                                    </p:animEffect>
+                                  </p:childTnLst>
+                                </p:cTn>
+                              </p:par>
+                            </p:childTnLst>
+                          </p:cTn>
+                        </p:par>
+                      </p:childTnLst>
+                    </p:cTn>
+                  </p:par>
+                  <p:par>
+                    <p:cTn id="28" fill="hold">
+                      <p:stCondLst>
+                        <p:cond delay="indefinite"/>
+                      </p:stCondLst>
+                      <p:childTnLst>
+                        <p:par>
+                          <p:cTn id="29" fill="hold">
+                            <p:stCondLst>
+                              <p:cond delay="0"/>
+                            </p:stCondLst>
+                            <p:childTnLst>
+                              <p:par>
+                                <p:cTn id="30" presetID="10" presetClass="entr" presetSubtype="0" fill="hold" grpId="0" nodeType="clickEffect">
+                                  <p:stCondLst>
+                                    <p:cond delay="0"/>
+                                  </p:stCondLst>
+                                  <p:childTnLst>
+                                    <p:set>
+                                      <p:cBhvr>
+                                        <p:cTn id="31" dur="1" fill="hold">
+                                          <p:stCondLst>
+                                            <p:cond delay="0"/>
+                                          </p:stCondLst>
+                                        </p:cTn>
+                                        <p:tgtEl>
+                                          <p:spTgt spid="6"/>
+                                        </p:tgtEl>
+                                        <p:attrNameLst>
+                                          <p:attrName>style.visibility</p:attrName>
+                                        </p:attrNameLst>
+                                      </p:cBhvr>
+                                      <p:to>
+                                        <p:strVal val="visible"/>
+                                      </p:to>
+                                    </p:set>
+                                    <p:animEffect transition="in" filter="fade">
+                                      <p:cBhvr>
+                                        <p:cTn id="32" dur="500"/>
+                                        <p:tgtEl>
+                                          <p:spTgt spid="6"/>
+                                        </p:tgtEl>
+                                      </p:cBhvr>
+                                    </p:animEffect>
+                                  </p:childTnLst>
+                                </p:cTn>
+                              </p:par>
+                            </p:childTnLst>
+                          </p:cTn>
+                        </p:par>
+                      </p:childTnLst>
+                    </p:cTn>
+                  </p:par>
+                  <p:par>
+                    <p:cTn id="33" fill="hold">
+                      <p:stCondLst>
+                        <p:cond delay="indefinite"/>
+                      </p:stCondLst>
+                      <p:childTnLst>
+                        <p:par>
+                          <p:cTn id="34" fill="hold">
+                            <p:stCondLst>
+                              <p:cond delay="0"/>
+                            </p:stCondLst>
+                            <p:childTnLst>
+                              <p:par>
+                                <p:cTn id="35" presetID="10" presetClass="entr" presetSubtype="0" fill="hold" grpId="0" nodeType="clickEffect">
+                                  <p:stCondLst>
+                                    <p:cond delay="0"/>
+                                  </p:stCondLst>
+                                  <p:childTnLst>
+                                    <p:set>
+                                      <p:cBhvr>
+                                        <p:cTn id="36" dur="1" fill="hold">
+                                          <p:stCondLst>
+                                            <p:cond delay="0"/>
+                                          </p:stCondLst>
+                                        </p:cTn>
+                                        <p:tgtEl>
+                                          <p:spTgt spid="4">
+                                            <p:txEl>
+                                              <p:pRg st="4" end="4"/>
+                                            </p:txEl>
+                                          </p:spTgt>
+                                        </p:tgtEl>
+                                        <p:attrNameLst>
+                                          <p:attrName>style.visibility</p:attrName>
+                                        </p:attrNameLst>
+                                      </p:cBhvr>
+                                      <p:to>
+                                        <p:strVal val="visible"/>
+                                      </p:to>
+                                    </p:set>
+                                    <p:animEffect transition="in" filter="fade">
+                                      <p:cBhvr>
+                                        <p:cTn id="37" dur="500"/>
+                                        <p:tgtEl>
+                                          <p:spTgt spid="4">
+                                            <p:txEl>
+                                              <p:pRg st="4" end="4"/>
+                                            </p:txEl>
+                                          </p:spTgt>
+                                        </p:tgtEl>
+                                      </p:cBhvr>
+                                    </p:animEffect>
+                                  </p:childTnLst>
+                                </p:cTn>
+                              </p:par>
+                            </p:childTnLst>
+                          </p:cTn>
+                        </p:par>
+                      </p:childTnLst>
+                    </p:cTn>
+                  </p:par>
+                  <p:par>
+                    <p:cTn id="38" fill="hold">
+                      <p:stCondLst>
+                        <p:cond delay="indefinite"/>
+                      </p:stCondLst>
+                      <p:childTnLst>
+                        <p:par>
+                          <p:cTn id="39" fill="hold">
+                            <p:stCondLst>
+                              <p:cond delay="0"/>
+                            </p:stCondLst>
+                            <p:childTnLst>
+                              <p:par>
+                                <p:cTn id="40" presetID="10" presetClass="entr" presetSubtype="0" fill="hold" grpId="0" nodeType="clickEffect">
+                                  <p:stCondLst>
+                                    <p:cond delay="0"/>
+                                  </p:stCondLst>
+                                  <p:childTnLst>
+                                    <p:set>
+                                      <p:cBhvr>
+                                        <p:cTn id="41" dur="1" fill="hold">
+                                          <p:stCondLst>
+                                            <p:cond delay="0"/>
+                                          </p:stCondLst>
+                                        </p:cTn>
+                                        <p:tgtEl>
+                                          <p:spTgt spid="7"/>
+                                        </p:tgtEl>
+                                        <p:attrNameLst>
+                                          <p:attrName>style.visibility</p:attrName>
+                                        </p:attrNameLst>
+                                      </p:cBhvr>
+                                      <p:to>
+                                        <p:strVal val="visible"/>
+                                      </p:to>
+                                    </p:set>
+                                    <p:animEffect transition="in" filter="fade">
+                                      <p:cBhvr>
+                                        <p:cTn id="42" dur="500"/>
+                                        <p:tgtEl>
+                                          <p:spTgt spid="7"/>
+                                        </p:tgtEl>
+                                      </p:cBhvr>
+                                    </p:animEffect>
+                                  </p:childTnLst>
+                                </p:cTn>
+                              </p:par>
+                            </p:childTnLst>
+                          </p:cTn>
+                        </p:par>
+                      </p:childTnLst>
+                    </p:cTn>
+                  </p:par>
+                  <p:par>
+                    <p:cTn id="43" fill="hold">
+                      <p:stCondLst>
+                        <p:cond delay="indefinite"/>
+                      </p:stCondLst>
+                      <p:childTnLst>
+                        <p:par>
+                          <p:cTn id="44" fill="hold">
+                            <p:stCondLst>
+                              <p:cond delay="0"/>
+                            </p:stCondLst>
+                            <p:childTnLst>
+                              <p:par>
+                                <p:cTn id="45" presetID="10" presetClass="entr" presetSubtype="0" fill="hold" grpId="0" nodeType="clickEffect">
+                                  <p:stCondLst>
+                                    <p:cond delay="0"/>
+                                  </p:stCondLst>
+                                  <p:childTnLst>
+                                    <p:set>
+                                      <p:cBhvr>
+                                        <p:cTn id="46" dur="1" fill="hold">
+                                          <p:stCondLst>
+                                            <p:cond delay="0"/>
+                                          </p:stCondLst>
+                                        </p:cTn>
+                                        <p:tgtEl>
+                                          <p:spTgt spid="4">
+                                            <p:txEl>
+                                              <p:pRg st="5" end="5"/>
+                                            </p:txEl>
+                                          </p:spTgt>
+                                        </p:tgtEl>
+                                        <p:attrNameLst>
+                                          <p:attrName>style.visibility</p:attrName>
+                                        </p:attrNameLst>
+                                      </p:cBhvr>
+                                      <p:to>
+                                        <p:strVal val="visible"/>
+                                      </p:to>
+                                    </p:set>
+                                    <p:animEffect transition="in" filter="fade">
+                                      <p:cBhvr>
+                                        <p:cTn id="47" dur="500"/>
+                                        <p:tgtEl>
+                                          <p:spTgt spid="4">
+                                            <p:txEl>
+                                              <p:pRg st="5" end="5"/>
+                                            </p:txEl>
+                                          </p:spTgt>
+                                        </p:tgtEl>
+                                      </p:cBhvr>
+                                    </p:animEffect>
+                                  </p:childTnLst>
+                                </p:cTn>
+                              </p:par>
+                            </p:childTnLst>
+                          </p:cTn>
+                        </p:par>
+                      </p:childTnLst>
+                    </p:cTn>
+                  </p:par>
+                </p:childTnLst>
+              </p:cTn>
+              <p:prevCondLst>
+                <p:cond evt="onPrev" delay="0">
+                  <p:tgtEl>
+                    <p:sldTgt/>
+                  </p:tgtEl>
+                </p:cond>
+              </p:prevCondLst>
+              <p:nextCondLst>
+                <p:cond evt="onNext" delay="0">
+                  <p:tgtEl>
+                    <p:sldTgt/>
+                  </p:tgtEl>
+                </p:cond>
+              </p:nextCondLst>
+            </p:seq>
+          </p:childTnLst>
+        </p:cTn>
+      </p:par>
+    </p:tnLst>
+    <p:bldLst>
+      <p:bldP spid="4" grpId="0" uiExpand="1" build="p"/>
+      <p:bldP spid="5" grpId="0" animBg="1"/>
+      <p:bldP spid="6" grpId="0" animBg="1"/>
+      <p:bldP spid="7" grpId="0" animBg="1"/>
+    </p:bldLst>
+  </p:timing>
+</p:sld>
+</file>
+
+<file path=ppt/slides/slide4.xml><?xml version="1.0" encoding="utf-8"?>
+<p:sld xmlns:a="http://schemas.openxmlformats.org/drawingml/2006/main" xmlns:r="http://schemas.openxmlformats.org/officeDocument/2006/relationships" xmlns:p="http://schemas.openxmlformats.org/presentationml/2006/main">
+  <p:cSld>
+    <p:spTree>
+      <p:nvGrpSpPr>
+        <p:cNvPr id="1" name=""/>
+        <p:cNvGrpSpPr/>
+        <p:nvPr/>
+      </p:nvGrpSpPr>
+      <p:grpSpPr>
+        <a:xfrm>
+          <a:off x="0" y="0"/>
+          <a:ext cx="0" cy="0"/>
+          <a:chOff x="0" y="0"/>
+          <a:chExt cx="0" cy="0"/>
+        </a:xfrm>
+      </p:grpSpPr>
+      <p:sp>
+        <p:nvSpPr>
+          <p:cNvPr id="2" name="Title 1">
+            <a:extLst>
+              <a:ext uri="{FF2B5EF4-FFF2-40B4-BE49-F238E27FC236}">
+                <a16:creationId xmlns:a16="http://schemas.microsoft.com/office/drawing/2014/main" id="{AC990FF2-7066-4344-8AA3-811C2A1D7ABC}"/>
+              </a:ext>
+            </a:extLst>
+          </p:cNvPr>
+          <p:cNvSpPr>
+            <a:spLocks noGrp="1"/>
+          </p:cNvSpPr>
+          <p:nvPr>
+            <p:ph type="title"/>
+          </p:nvPr>
+        </p:nvSpPr>
+        <p:spPr/>
+        <p:txBody>
+          <a:bodyPr/>
+          <a:lstStyle/>
+          <a:p>
+            <a:r>
+              <a:rPr lang="en-GB" dirty="0">
+                <a:solidFill>
+                  <a:schemeClr val="accent2">
+                    <a:lumMod val="75000"/>
+                  </a:schemeClr>
+                </a:solidFill>
+              </a:rPr>
+              <a:t>Activity:</a:t>
+            </a:r>
+            <a:r>
+              <a:rPr lang="en-GB" dirty="0"/>
+              <a:t> Portfolio Examples</a:t>
+            </a:r>
+          </a:p>
+        </p:txBody>
+      </p:sp>
+      <p:sp>
+        <p:nvSpPr>
+          <p:cNvPr id="3" name="Content Placeholder 2">
+            <a:extLst>
+              <a:ext uri="{FF2B5EF4-FFF2-40B4-BE49-F238E27FC236}">
+                <a16:creationId xmlns:a16="http://schemas.microsoft.com/office/drawing/2014/main" id="{02681BC9-7A41-4B41-8685-7BDFCCCA1A0C}"/>
+              </a:ext>
+            </a:extLst>
+          </p:cNvPr>
+          <p:cNvSpPr>
+            <a:spLocks noGrp="1"/>
+          </p:cNvSpPr>
+          <p:nvPr>
+            <p:ph idx="1"/>
+          </p:nvPr>
+        </p:nvSpPr>
+        <p:spPr/>
+        <p:txBody>
+          <a:bodyPr>
+            <a:normAutofit lnSpcReduction="10000"/>
+          </a:bodyPr>
+          <a:lstStyle/>
+          <a:p>
+            <a:r>
+              <a:rPr lang="en-GB" sz="2800" dirty="0"/>
+              <a:t>Take a look at the example portfolios on the </a:t>
+            </a:r>
+            <a:r>
+              <a:rPr lang="en-GB" sz="2800" dirty="0">
+                <a:hlinkClick r:id="rId2"/>
+              </a:rPr>
+              <a:t>Padlet</a:t>
+            </a:r>
+            <a:endParaRPr lang="en-GB" sz="2800" dirty="0"/>
+          </a:p>
+          <a:p>
+            <a:r>
+              <a:rPr lang="en-GB" sz="2800" dirty="0"/>
+              <a:t>Leave comments/attach posts to note:</a:t>
+            </a:r>
+          </a:p>
+          <a:p>
+            <a:pPr lvl="1"/>
+            <a:r>
+              <a:rPr lang="en-GB" sz="2400" dirty="0"/>
+              <a:t>What </a:t>
+            </a:r>
+            <a:r>
+              <a:rPr lang="en-GB" sz="2400" b="1" dirty="0">
+                <a:solidFill>
+                  <a:schemeClr val="accent3">
+                    <a:lumMod val="75000"/>
+                  </a:schemeClr>
+                </a:solidFill>
+              </a:rPr>
+              <a:t>impression</a:t>
+            </a:r>
+            <a:r>
+              <a:rPr lang="en-GB" sz="2400" dirty="0"/>
+              <a:t> does the site give of the person?</a:t>
+            </a:r>
+          </a:p>
+          <a:p>
+            <a:pPr lvl="1"/>
+            <a:r>
+              <a:rPr lang="en-GB" sz="2400" dirty="0"/>
+              <a:t>Does it </a:t>
+            </a:r>
+            <a:r>
+              <a:rPr lang="en-GB" sz="2400" b="1" dirty="0">
+                <a:solidFill>
+                  <a:schemeClr val="accent2">
+                    <a:lumMod val="75000"/>
+                  </a:schemeClr>
+                </a:solidFill>
+              </a:rPr>
+              <a:t>focus</a:t>
+            </a:r>
+            <a:r>
+              <a:rPr lang="en-GB" sz="2400" dirty="0"/>
+              <a:t> on any particular </a:t>
+            </a:r>
+            <a:r>
+              <a:rPr lang="en-GB" sz="2400" b="1" dirty="0">
+                <a:solidFill>
+                  <a:schemeClr val="accent3">
+                    <a:lumMod val="75000"/>
+                  </a:schemeClr>
+                </a:solidFill>
+              </a:rPr>
+              <a:t>specialisms</a:t>
+            </a:r>
+            <a:r>
+              <a:rPr lang="en-GB" sz="2400" dirty="0"/>
+              <a:t>?</a:t>
+            </a:r>
+          </a:p>
+          <a:p>
+            <a:pPr lvl="1"/>
+            <a:r>
+              <a:rPr lang="en-GB" sz="2400" dirty="0"/>
+              <a:t>What </a:t>
+            </a:r>
+            <a:r>
+              <a:rPr lang="en-GB" sz="2400" b="1" dirty="0">
+                <a:solidFill>
+                  <a:schemeClr val="accent3">
+                    <a:lumMod val="75000"/>
+                  </a:schemeClr>
+                </a:solidFill>
+              </a:rPr>
+              <a:t>information</a:t>
+            </a:r>
+            <a:r>
+              <a:rPr lang="en-GB" sz="2400" dirty="0"/>
+              <a:t> have they included?</a:t>
+            </a:r>
+          </a:p>
+          <a:p>
+            <a:pPr lvl="1"/>
+            <a:r>
+              <a:rPr lang="en-GB" sz="2400" dirty="0"/>
+              <a:t>What do you think of how the information is </a:t>
+            </a:r>
+            <a:r>
+              <a:rPr lang="en-GB" sz="2400" b="1" dirty="0">
+                <a:solidFill>
+                  <a:schemeClr val="accent3">
+                    <a:lumMod val="75000"/>
+                  </a:schemeClr>
+                </a:solidFill>
+              </a:rPr>
+              <a:t>presented</a:t>
+            </a:r>
+            <a:r>
+              <a:rPr lang="en-GB" sz="2400" dirty="0"/>
+              <a:t>?</a:t>
+            </a:r>
+          </a:p>
+          <a:p>
+            <a:r>
+              <a:rPr lang="en-GB" sz="2800" dirty="0"/>
+              <a:t>Review “</a:t>
+            </a:r>
+            <a:r>
+              <a:rPr lang="en-GB" sz="2800" dirty="0">
+                <a:hlinkClick r:id="rId3"/>
+              </a:rPr>
+              <a:t>50 of the Best Personal Website and Portfolio Examples</a:t>
+            </a:r>
+            <a:r>
+              <a:rPr lang="en-GB" sz="2800" dirty="0"/>
+              <a:t>” to see further examples with commentary</a:t>
+            </a:r>
+          </a:p>
+        </p:txBody>
+      </p:sp>
+      <p:sp>
+        <p:nvSpPr>
+          <p:cNvPr id="4" name="Speech Bubble: Rectangle 3">
+            <a:extLst>
+              <a:ext uri="{FF2B5EF4-FFF2-40B4-BE49-F238E27FC236}">
+                <a16:creationId xmlns:a16="http://schemas.microsoft.com/office/drawing/2014/main" id="{67281956-FE81-41C7-AD71-A396056EB6ED}"/>
+              </a:ext>
+            </a:extLst>
+          </p:cNvPr>
+          <p:cNvSpPr/>
+          <p:nvPr/>
+        </p:nvSpPr>
+        <p:spPr>
+          <a:xfrm>
+            <a:off x="9375228" y="905256"/>
+            <a:ext cx="2009698" cy="951621"/>
+          </a:xfrm>
+          <a:prstGeom prst="wedgeRectCallout">
+            <a:avLst>
+              <a:gd name="adj1" fmla="val -46171"/>
+              <a:gd name="adj2" fmla="val 79203"/>
+            </a:avLst>
+          </a:prstGeom>
+          <a:solidFill>
+            <a:schemeClr val="accent1">
+              <a:lumMod val="60000"/>
+              <a:lumOff val="40000"/>
+            </a:schemeClr>
+          </a:solidFill>
+        </p:spPr>
+        <p:style>
+          <a:lnRef idx="2">
+            <a:schemeClr val="accent1">
+              <a:shade val="50000"/>
+            </a:schemeClr>
+          </a:lnRef>
+          <a:fillRef idx="1">
+            <a:schemeClr val="accent1"/>
+          </a:fillRef>
+          <a:effectRef idx="0">
+            <a:schemeClr val="accent1"/>
+          </a:effectRef>
+          <a:fontRef idx="minor">
+            <a:schemeClr val="lt1"/>
+          </a:fontRef>
+        </p:style>
+        <p:txBody>
+          <a:bodyPr rtlCol="0" anchor="ctr"/>
+          <a:lstStyle/>
+          <a:p>
+            <a:pPr algn="ctr"/>
+            <a:r>
+              <a:rPr lang="en-GB" sz="2400" dirty="0">
+                <a:solidFill>
+                  <a:schemeClr val="tx1">
+                    <a:lumMod val="75000"/>
+                    <a:lumOff val="25000"/>
+                  </a:schemeClr>
+                </a:solidFill>
+              </a:rPr>
+              <a:t>Feel free to add more!</a:t>
+            </a:r>
+          </a:p>
+        </p:txBody>
+      </p:sp>
+    </p:spTree>
+    <p:extLst>
+      <p:ext uri="{BB962C8B-B14F-4D97-AF65-F5344CB8AC3E}">
+        <p14:creationId xmlns:p14="http://schemas.microsoft.com/office/powerpoint/2010/main" val="1348918982"/>
+      </p:ext>
+    </p:extLst>
+  </p:cSld>
+  <p:clrMapOvr>
+    <a:masterClrMapping/>
+  </p:clrMapOvr>
+  <p:timing>
+    <p:tnLst>
+      <p:par>
+        <p:cTn id="1" dur="indefinite" restart="never" nodeType="tmRoot">
+          <p:childTnLst>
+            <p:seq concurrent="1" nextAc="seek">
+              <p:cTn id="2" dur="indefinite" nodeType="mainSeq">
+                <p:childTnLst>
+                  <p:par>
+                    <p:cTn id="3" fill="hold">
+                      <p:stCondLst>
+                        <p:cond delay="indefinite"/>
+                      </p:stCondLst>
+                      <p:childTnLst>
+                        <p:par>
+                          <p:cTn id="4" fill="hold">
+                            <p:stCondLst>
+                              <p:cond delay="0"/>
+                            </p:stCondLst>
+                            <p:childTnLst>
+                              <p:par>
+                                <p:cTn id="5" presetID="10" presetClass="entr" presetSubtype="0" fill="hold" grpId="0" nodeType="clickEffect">
                                   <p:stCondLst>
                                     <p:cond delay="0"/>
                                   </p:stCondLst>
@@ -5846,6 +7028,18 @@
                                         <p:strVal val="visible"/>
                                       </p:to>
                                     </p:set>
+                                    <p:animEffect transition="in" filter="fade">
+                                      <p:cBhvr>
+                                        <p:cTn id="7" dur="500"/>
+                                        <p:tgtEl>
+                                          <p:spTgt spid="3">
+                                            <p:txEl>
+                                              <p:pRg st="0" end="0"/>
+                                            </p:txEl>
+                                          </p:spTgt>
+                                        </p:tgtEl>
+                                      </p:cBhvr>
+                                    </p:animEffect>
                                   </p:childTnLst>
                                 </p:cTn>
                               </p:par>
@@ -5856,26 +7050,79 @@
                     </p:cTn>
                   </p:par>
                   <p:par>
-                    <p:cTn id="7" fill="hold">
+                    <p:cTn id="8" fill="hold">
                       <p:stCondLst>
                         <p:cond delay="indefinite"/>
                       </p:stCondLst>
                       <p:childTnLst>
                         <p:par>
-                          <p:cTn id="8" fill="hold">
+                          <p:cTn id="9" fill="hold">
                             <p:stCondLst>
                               <p:cond delay="0"/>
                             </p:stCondLst>
                             <p:childTnLst>
                               <p:par>
-                                <p:cTn id="9" presetID="1" presetClass="entr" presetSubtype="0" fill="hold" grpId="0" nodeType="clickEffect">
+                                <p:cTn id="10" presetID="10" presetClass="entr" presetSubtype="0" fill="hold" grpId="0" nodeType="clickEffect">
                                   <p:stCondLst>
                                     <p:cond delay="0"/>
                                   </p:stCondLst>
                                   <p:childTnLst>
                                     <p:set>
                                       <p:cBhvr>
-                                        <p:cTn id="10" dur="1" fill="hold">
+                                        <p:cTn id="11" dur="1" fill="hold">
+                                          <p:stCondLst>
+                                            <p:cond delay="0"/>
+                                          </p:stCondLst>
+                                        </p:cTn>
+                                        <p:tgtEl>
+                                          <p:spTgt spid="4"/>
+                                        </p:tgtEl>
+                                        <p:attrNameLst>
+                                          <p:attrName>style.visibility</p:attrName>
+                                        </p:attrNameLst>
+                                      </p:cBhvr>
+                                      <p:to>
+                                        <p:strVal val="visible"/>
+                                      </p:to>
+                                    </p:set>
+                                    <p:animEffect transition="in" filter="fade">
+                                      <p:cBhvr>
+                                        <p:cTn id="12" dur="500"/>
+                                        <p:tgtEl>
+                                          <p:spTgt spid="4"/>
+                                        </p:tgtEl>
+                                      </p:cBhvr>
+                                    </p:animEffect>
+                                  </p:childTnLst>
+                                </p:cTn>
+                              </p:par>
+                            </p:childTnLst>
+                          </p:cTn>
+                        </p:par>
+                      </p:childTnLst>
+                    </p:cTn>
+                  </p:par>
+                  <p:par>
+                    <p:cTn id="13" fill="hold">
+                      <p:stCondLst>
+                        <p:cond delay="indefinite"/>
+                      </p:stCondLst>
+                      <p:childTnLst>
+                        <p:par>
+                          <p:cTn id="14" fill="hold">
+                            <p:stCondLst>
+                              <p:cond delay="0"/>
+                            </p:stCondLst>
+                            <p:childTnLst>
+                              <p:par>
+                                <p:cTn id="15" presetID="10" presetClass="entr" presetSubtype="0" fill="hold" grpId="0" nodeType="clickEffect">
+                                  <p:stCondLst>
+                                    <p:cond delay="0"/>
+                                  </p:stCondLst>
+                                  <p:childTnLst>
+                                    <p:set>
+                                      <p:cBhvr>
+                                        <p:cTn id="16" dur="1" fill="hold">
                                           <p:stCondLst>
                                             <p:cond delay="0"/>
                                           </p:stCondLst>
@@ -5895,6 +7142,190 @@
                                         <p:strVal val="visible"/>
                                       </p:to>
                                     </p:set>
+                                    <p:animEffect transition="in" filter="fade">
+                                      <p:cBhvr>
+                                        <p:cTn id="17" dur="500"/>
+                                        <p:tgtEl>
+                                          <p:spTgt spid="3">
+                                            <p:txEl>
+                                              <p:pRg st="1" end="1"/>
+                                            </p:txEl>
+                                          </p:spTgt>
+                                        </p:tgtEl>
+                                      </p:cBhvr>
+                                    </p:animEffect>
+                                  </p:childTnLst>
+                                </p:cTn>
+                              </p:par>
+                              <p:par>
+                                <p:cTn id="18" presetID="10" presetClass="entr" presetSubtype="0" fill="hold" grpId="0" nodeType="withEffect">
+                                  <p:stCondLst>
+                                    <p:cond delay="0"/>
+                                  </p:stCondLst>
+                                  <p:childTnLst>
+                                    <p:set>
+                                      <p:cBhvr>
+                                        <p:cTn id="19" dur="1" fill="hold">
+                                          <p:stCondLst>
+                                            <p:cond delay="0"/>
+                                          </p:stCondLst>
+                                        </p:cTn>
+                                        <p:tgtEl>
+                                          <p:spTgt spid="3">
+                                            <p:txEl>
+                                              <p:pRg st="2" end="2"/>
+                                            </p:txEl>
+                                          </p:spTgt>
+                                        </p:tgtEl>
+                                        <p:attrNameLst>
+                                          <p:attrName>style.visibility</p:attrName>
+                                        </p:attrNameLst>
+                                      </p:cBhvr>
+                                      <p:to>
+                                        <p:strVal val="visible"/>
+                                      </p:to>
+                                    </p:set>
+                                    <p:animEffect transition="in" filter="fade">
+                                      <p:cBhvr>
+                                        <p:cTn id="20" dur="500"/>
+                                        <p:tgtEl>
+                                          <p:spTgt spid="3">
+                                            <p:txEl>
+                                              <p:pRg st="2" end="2"/>
+                                            </p:txEl>
+                                          </p:spTgt>
+                                        </p:tgtEl>
+                                      </p:cBhvr>
+                                    </p:animEffect>
+                                  </p:childTnLst>
+                                </p:cTn>
+                              </p:par>
+                              <p:par>
+                                <p:cTn id="21" presetID="10" presetClass="entr" presetSubtype="0" fill="hold" grpId="0" nodeType="withEffect">
+                                  <p:stCondLst>
+                                    <p:cond delay="0"/>
+                                  </p:stCondLst>
+                                  <p:childTnLst>
+                                    <p:set>
+                                      <p:cBhvr>
+                                        <p:cTn id="22" dur="1" fill="hold">
+                                          <p:stCondLst>
+                                            <p:cond delay="0"/>
+                                          </p:stCondLst>
+                                        </p:cTn>
+                                        <p:tgtEl>
+                                          <p:spTgt spid="3">
+                                            <p:txEl>
+                                              <p:pRg st="3" end="3"/>
+                                            </p:txEl>
+                                          </p:spTgt>
+                                        </p:tgtEl>
+                                        <p:attrNameLst>
+                                          <p:attrName>style.visibility</p:attrName>
+                                        </p:attrNameLst>
+                                      </p:cBhvr>
+                                      <p:to>
+                                        <p:strVal val="visible"/>
+                                      </p:to>
+                                    </p:set>
+                                    <p:animEffect transition="in" filter="fade">
+                                      <p:cBhvr>
+                                        <p:cTn id="23" dur="500"/>
+                                        <p:tgtEl>
+                                          <p:spTgt spid="3">
+                                            <p:txEl>
+                                              <p:pRg st="3" end="3"/>
+                                            </p:txEl>
+                                          </p:spTgt>
+                                        </p:tgtEl>
+                                      </p:cBhvr>
+                                    </p:animEffect>
+                                  </p:childTnLst>
+                                </p:cTn>
+                              </p:par>
+                              <p:par>
+                                <p:cTn id="24" presetID="10" presetClass="entr" presetSubtype="0" fill="hold" grpId="0" nodeType="withEffect">
+                                  <p:stCondLst>
+                                    <p:cond delay="0"/>
+                                  </p:stCondLst>
+                                  <p:childTnLst>
+                                    <p:set>
+                                      <p:cBhvr>
+                                        <p:cTn id="25" dur="1" fill="hold">
+                                          <p:stCondLst>
+                                            <p:cond delay="0"/>
+                                          </p:stCondLst>
+                                        </p:cTn>
+                                        <p:tgtEl>
+                                          <p:spTgt spid="3">
+                                            <p:txEl>
+                                              <p:pRg st="4" end="4"/>
+                                            </p:txEl>
+                                          </p:spTgt>
+                                        </p:tgtEl>
+                                        <p:attrNameLst>
+                                          <p:attrName>style.visibility</p:attrName>
+                                        </p:attrNameLst>
+                                      </p:cBhvr>
+                                      <p:to>
+                                        <p:strVal val="visible"/>
+                                      </p:to>
+                                    </p:set>
+                                    <p:animEffect transition="in" filter="fade">
+                                      <p:cBhvr>
+                                        <p:cTn id="26" dur="500"/>
+                                        <p:tgtEl>
+                                          <p:spTgt spid="3">
+                                            <p:txEl>
+                                              <p:pRg st="4" end="4"/>
+                                            </p:txEl>
+                                          </p:spTgt>
+                                        </p:tgtEl>
+                                      </p:cBhvr>
+                                    </p:animEffect>
+                                  </p:childTnLst>
+                                </p:cTn>
+                              </p:par>
+                              <p:par>
+                                <p:cTn id="27" presetID="10" presetClass="entr" presetSubtype="0" fill="hold" grpId="0" nodeType="withEffect">
+                                  <p:stCondLst>
+                                    <p:cond delay="0"/>
+                                  </p:stCondLst>
+                                  <p:childTnLst>
+                                    <p:set>
+                                      <p:cBhvr>
+                                        <p:cTn id="28" dur="1" fill="hold">
+                                          <p:stCondLst>
+                                            <p:cond delay="0"/>
+                                          </p:stCondLst>
+                                        </p:cTn>
+                                        <p:tgtEl>
+                                          <p:spTgt spid="3">
+                                            <p:txEl>
+                                              <p:pRg st="5" end="5"/>
+                                            </p:txEl>
+                                          </p:spTgt>
+                                        </p:tgtEl>
+                                        <p:attrNameLst>
+                                          <p:attrName>style.visibility</p:attrName>
+                                        </p:attrNameLst>
+                                      </p:cBhvr>
+                                      <p:to>
+                                        <p:strVal val="visible"/>
+                                      </p:to>
+                                    </p:set>
+                                    <p:animEffect transition="in" filter="fade">
+                                      <p:cBhvr>
+                                        <p:cTn id="29" dur="500"/>
+                                        <p:tgtEl>
+                                          <p:spTgt spid="3">
+                                            <p:txEl>
+                                              <p:pRg st="5" end="5"/>
+                                            </p:txEl>
+                                          </p:spTgt>
+                                        </p:tgtEl>
+                                      </p:cBhvr>
+                                    </p:animEffect>
                                   </p:childTnLst>
                                 </p:cTn>
                               </p:par>
@@ -5905,19 +7336,551 @@
                     </p:cTn>
                   </p:par>
                   <p:par>
-                    <p:cTn id="11" fill="hold">
+                    <p:cTn id="30" fill="hold">
                       <p:stCondLst>
                         <p:cond delay="indefinite"/>
                       </p:stCondLst>
                       <p:childTnLst>
                         <p:par>
-                          <p:cTn id="12" fill="hold">
+                          <p:cTn id="31" fill="hold">
                             <p:stCondLst>
                               <p:cond delay="0"/>
                             </p:stCondLst>
                             <p:childTnLst>
                               <p:par>
-                                <p:cTn id="13" presetID="1" presetClass="entr" presetSubtype="0" fill="hold" grpId="0" nodeType="clickEffect">
+                                <p:cTn id="32" presetID="10" presetClass="entr" presetSubtype="0" fill="hold" grpId="0" nodeType="clickEffect">
+                                  <p:stCondLst>
+                                    <p:cond delay="0"/>
+                                  </p:stCondLst>
+                                  <p:childTnLst>
+                                    <p:set>
+                                      <p:cBhvr>
+                                        <p:cTn id="33" dur="1" fill="hold">
+                                          <p:stCondLst>
+                                            <p:cond delay="0"/>
+                                          </p:stCondLst>
+                                        </p:cTn>
+                                        <p:tgtEl>
+                                          <p:spTgt spid="3">
+                                            <p:txEl>
+                                              <p:pRg st="6" end="6"/>
+                                            </p:txEl>
+                                          </p:spTgt>
+                                        </p:tgtEl>
+                                        <p:attrNameLst>
+                                          <p:attrName>style.visibility</p:attrName>
+                                        </p:attrNameLst>
+                                      </p:cBhvr>
+                                      <p:to>
+                                        <p:strVal val="visible"/>
+                                      </p:to>
+                                    </p:set>
+                                    <p:animEffect transition="in" filter="fade">
+                                      <p:cBhvr>
+                                        <p:cTn id="34" dur="500"/>
+                                        <p:tgtEl>
+                                          <p:spTgt spid="3">
+                                            <p:txEl>
+                                              <p:pRg st="6" end="6"/>
+                                            </p:txEl>
+                                          </p:spTgt>
+                                        </p:tgtEl>
+                                      </p:cBhvr>
+                                    </p:animEffect>
+                                  </p:childTnLst>
+                                </p:cTn>
+                              </p:par>
+                            </p:childTnLst>
+                          </p:cTn>
+                        </p:par>
+                      </p:childTnLst>
+                    </p:cTn>
+                  </p:par>
+                </p:childTnLst>
+              </p:cTn>
+              <p:prevCondLst>
+                <p:cond evt="onPrev" delay="0">
+                  <p:tgtEl>
+                    <p:sldTgt/>
+                  </p:tgtEl>
+                </p:cond>
+              </p:prevCondLst>
+              <p:nextCondLst>
+                <p:cond evt="onNext" delay="0">
+                  <p:tgtEl>
+                    <p:sldTgt/>
+                  </p:tgtEl>
+                </p:cond>
+              </p:nextCondLst>
+            </p:seq>
+          </p:childTnLst>
+        </p:cTn>
+      </p:par>
+    </p:tnLst>
+    <p:bldLst>
+      <p:bldP spid="3" grpId="0" uiExpand="1" build="p"/>
+      <p:bldP spid="4" grpId="0" animBg="1"/>
+    </p:bldLst>
+  </p:timing>
+</p:sld>
+</file>
+
+<file path=ppt/slides/slide5.xml><?xml version="1.0" encoding="utf-8"?>
+<p:sld xmlns:a="http://schemas.openxmlformats.org/drawingml/2006/main" xmlns:r="http://schemas.openxmlformats.org/officeDocument/2006/relationships" xmlns:p="http://schemas.openxmlformats.org/presentationml/2006/main">
+  <p:cSld>
+    <p:spTree>
+      <p:nvGrpSpPr>
+        <p:cNvPr id="1" name=""/>
+        <p:cNvGrpSpPr/>
+        <p:nvPr/>
+      </p:nvGrpSpPr>
+      <p:grpSpPr>
+        <a:xfrm>
+          <a:off x="0" y="0"/>
+          <a:ext cx="0" cy="0"/>
+          <a:chOff x="0" y="0"/>
+          <a:chExt cx="0" cy="0"/>
+        </a:xfrm>
+      </p:grpSpPr>
+      <p:sp>
+        <p:nvSpPr>
+          <p:cNvPr id="2" name="Title 1">
+            <a:extLst>
+              <a:ext uri="{FF2B5EF4-FFF2-40B4-BE49-F238E27FC236}">
+                <a16:creationId xmlns:a16="http://schemas.microsoft.com/office/drawing/2014/main" id="{60CD7B93-1B79-44DB-94E7-EEEF3094A8FA}"/>
+              </a:ext>
+            </a:extLst>
+          </p:cNvPr>
+          <p:cNvSpPr>
+            <a:spLocks noGrp="1"/>
+          </p:cNvSpPr>
+          <p:nvPr>
+            <p:ph type="title"/>
+          </p:nvPr>
+        </p:nvSpPr>
+        <p:spPr/>
+        <p:txBody>
+          <a:bodyPr/>
+          <a:lstStyle/>
+          <a:p>
+            <a:r>
+              <a:rPr lang="en-GB" dirty="0">
+                <a:solidFill>
+                  <a:schemeClr val="accent3">
+                    <a:lumMod val="75000"/>
+                  </a:schemeClr>
+                </a:solidFill>
+              </a:rPr>
+              <a:t>Discussion: </a:t>
+            </a:r>
+            <a:r>
+              <a:rPr lang="en-GB" dirty="0"/>
+              <a:t>What makes an impression?</a:t>
+            </a:r>
+          </a:p>
+        </p:txBody>
+      </p:sp>
+    </p:spTree>
+    <p:extLst>
+      <p:ext uri="{BB962C8B-B14F-4D97-AF65-F5344CB8AC3E}">
+        <p14:creationId xmlns:p14="http://schemas.microsoft.com/office/powerpoint/2010/main" val="3560106774"/>
+      </p:ext>
+    </p:extLst>
+  </p:cSld>
+  <p:clrMapOvr>
+    <a:masterClrMapping/>
+  </p:clrMapOvr>
+</p:sld>
+</file>
+
+<file path=ppt/slides/slide6.xml><?xml version="1.0" encoding="utf-8"?>
+<p:sld xmlns:a="http://schemas.openxmlformats.org/drawingml/2006/main" xmlns:r="http://schemas.openxmlformats.org/officeDocument/2006/relationships" xmlns:p="http://schemas.openxmlformats.org/presentationml/2006/main">
+  <p:cSld>
+    <p:spTree>
+      <p:nvGrpSpPr>
+        <p:cNvPr id="1" name=""/>
+        <p:cNvGrpSpPr/>
+        <p:nvPr/>
+      </p:nvGrpSpPr>
+      <p:grpSpPr>
+        <a:xfrm>
+          <a:off x="0" y="0"/>
+          <a:ext cx="0" cy="0"/>
+          <a:chOff x="0" y="0"/>
+          <a:chExt cx="0" cy="0"/>
+        </a:xfrm>
+      </p:grpSpPr>
+      <p:sp>
+        <p:nvSpPr>
+          <p:cNvPr id="2" name="Title 1">
+            <a:extLst>
+              <a:ext uri="{FF2B5EF4-FFF2-40B4-BE49-F238E27FC236}">
+                <a16:creationId xmlns:a16="http://schemas.microsoft.com/office/drawing/2014/main" id="{FAEE37D4-E84C-4804-911D-801F5FFA3613}"/>
+              </a:ext>
+            </a:extLst>
+          </p:cNvPr>
+          <p:cNvSpPr>
+            <a:spLocks noGrp="1"/>
+          </p:cNvSpPr>
+          <p:nvPr>
+            <p:ph type="title"/>
+          </p:nvPr>
+        </p:nvSpPr>
+        <p:spPr/>
+        <p:txBody>
+          <a:bodyPr/>
+          <a:lstStyle/>
+          <a:p>
+            <a:r>
+              <a:rPr lang="en-GB" dirty="0"/>
+              <a:t>Personal Branding</a:t>
+            </a:r>
+          </a:p>
+        </p:txBody>
+      </p:sp>
+      <p:sp>
+        <p:nvSpPr>
+          <p:cNvPr id="3" name="Content Placeholder 2">
+            <a:extLst>
+              <a:ext uri="{FF2B5EF4-FFF2-40B4-BE49-F238E27FC236}">
+                <a16:creationId xmlns:a16="http://schemas.microsoft.com/office/drawing/2014/main" id="{98E559C8-D89C-4BC5-83AA-FF87354527CA}"/>
+              </a:ext>
+            </a:extLst>
+          </p:cNvPr>
+          <p:cNvSpPr>
+            <a:spLocks noGrp="1"/>
+          </p:cNvSpPr>
+          <p:nvPr>
+            <p:ph idx="1"/>
+          </p:nvPr>
+        </p:nvSpPr>
+        <p:spPr/>
+        <p:txBody>
+          <a:bodyPr>
+            <a:normAutofit fontScale="92500" lnSpcReduction="20000"/>
+          </a:bodyPr>
+          <a:lstStyle/>
+          <a:p>
+            <a:pPr marL="0" indent="0" algn="ctr">
+              <a:buNone/>
+            </a:pPr>
+            <a:r>
+              <a:rPr lang="en-GB" sz="2600" dirty="0"/>
+              <a:t>“</a:t>
+            </a:r>
+            <a:r>
+              <a:rPr lang="en-GB" sz="2600" b="1" dirty="0">
+                <a:solidFill>
+                  <a:schemeClr val="accent2">
+                    <a:lumMod val="75000"/>
+                  </a:schemeClr>
+                </a:solidFill>
+              </a:rPr>
+              <a:t>Personal branding</a:t>
+            </a:r>
+            <a:r>
+              <a:rPr lang="en-GB" sz="2600" dirty="0">
+                <a:solidFill>
+                  <a:schemeClr val="accent2">
+                    <a:lumMod val="75000"/>
+                  </a:schemeClr>
+                </a:solidFill>
+              </a:rPr>
+              <a:t> </a:t>
+            </a:r>
+            <a:r>
+              <a:rPr lang="en-GB" sz="2600" dirty="0"/>
+              <a:t>is the conscious and intentional effort to </a:t>
+            </a:r>
+            <a:r>
+              <a:rPr lang="en-GB" sz="2600" dirty="0">
+                <a:solidFill>
+                  <a:schemeClr val="accent3">
+                    <a:lumMod val="75000"/>
+                  </a:schemeClr>
+                </a:solidFill>
+              </a:rPr>
+              <a:t>create</a:t>
+            </a:r>
+            <a:r>
+              <a:rPr lang="en-GB" sz="2600" dirty="0"/>
+              <a:t> and </a:t>
+            </a:r>
+            <a:r>
+              <a:rPr lang="en-GB" sz="2600" dirty="0">
+                <a:solidFill>
+                  <a:schemeClr val="accent3">
+                    <a:lumMod val="75000"/>
+                  </a:schemeClr>
+                </a:solidFill>
+              </a:rPr>
+              <a:t>influence</a:t>
+            </a:r>
+            <a:r>
+              <a:rPr lang="en-GB" sz="2600" dirty="0"/>
+              <a:t> </a:t>
+            </a:r>
+            <a:r>
+              <a:rPr lang="en-GB" sz="2600" b="1" dirty="0">
+                <a:solidFill>
+                  <a:schemeClr val="accent3">
+                    <a:lumMod val="75000"/>
+                  </a:schemeClr>
+                </a:solidFill>
+              </a:rPr>
+              <a:t>public perception </a:t>
+            </a:r>
+            <a:r>
+              <a:rPr lang="en-GB" sz="2600" dirty="0"/>
+              <a:t>of an individual by positioning them as an </a:t>
+            </a:r>
+            <a:r>
+              <a:rPr lang="en-GB" sz="2600" dirty="0">
+                <a:solidFill>
+                  <a:schemeClr val="accent3">
+                    <a:lumMod val="75000"/>
+                  </a:schemeClr>
+                </a:solidFill>
+              </a:rPr>
+              <a:t>authority</a:t>
+            </a:r>
+            <a:r>
+              <a:rPr lang="en-GB" sz="2600" dirty="0"/>
+              <a:t> in their industry, elevating their </a:t>
+            </a:r>
+            <a:r>
+              <a:rPr lang="en-GB" sz="2600" dirty="0">
+                <a:solidFill>
+                  <a:schemeClr val="accent3">
+                    <a:lumMod val="75000"/>
+                  </a:schemeClr>
+                </a:solidFill>
+              </a:rPr>
+              <a:t>credibility</a:t>
+            </a:r>
+            <a:r>
+              <a:rPr lang="en-GB" sz="2600" dirty="0"/>
+              <a:t>, and </a:t>
+            </a:r>
+            <a:r>
+              <a:rPr lang="en-GB" sz="2600" dirty="0">
+                <a:solidFill>
+                  <a:schemeClr val="accent2">
+                    <a:lumMod val="75000"/>
+                  </a:schemeClr>
+                </a:solidFill>
+              </a:rPr>
+              <a:t>differentiating</a:t>
+            </a:r>
+            <a:r>
+              <a:rPr lang="en-GB" sz="2600" dirty="0"/>
+              <a:t> themselves from the competition, to ultimately advance their career, increase their circle of influence, and have a larger </a:t>
+            </a:r>
+            <a:r>
+              <a:rPr lang="en-GB" sz="2600" dirty="0">
+                <a:solidFill>
+                  <a:schemeClr val="accent2">
+                    <a:lumMod val="75000"/>
+                  </a:schemeClr>
+                </a:solidFill>
+              </a:rPr>
+              <a:t>impact</a:t>
+            </a:r>
+            <a:r>
+              <a:rPr lang="en-GB" sz="2600" dirty="0"/>
+              <a:t>.</a:t>
+            </a:r>
+          </a:p>
+          <a:p>
+            <a:pPr marL="0" indent="0" algn="ctr">
+              <a:buNone/>
+            </a:pPr>
+            <a:r>
+              <a:rPr lang="en-GB" sz="2600" dirty="0"/>
+              <a:t>“The process of personal branding involves finding your </a:t>
+            </a:r>
+            <a:r>
+              <a:rPr lang="en-GB" sz="2600" dirty="0">
+                <a:solidFill>
+                  <a:schemeClr val="accent2">
+                    <a:lumMod val="75000"/>
+                  </a:schemeClr>
+                </a:solidFill>
+              </a:rPr>
+              <a:t>uniqueness</a:t>
+            </a:r>
+            <a:r>
+              <a:rPr lang="en-GB" sz="2600" dirty="0"/>
+              <a:t>, building a </a:t>
+            </a:r>
+            <a:r>
+              <a:rPr lang="en-GB" sz="2600" dirty="0">
+                <a:solidFill>
+                  <a:schemeClr val="accent3">
+                    <a:lumMod val="75000"/>
+                  </a:schemeClr>
+                </a:solidFill>
+              </a:rPr>
+              <a:t>reputation</a:t>
+            </a:r>
+            <a:r>
+              <a:rPr lang="en-GB" sz="2600" dirty="0"/>
+              <a:t> on the things you want to be known for, and then allowing yourself to be known for them.”</a:t>
+            </a:r>
+          </a:p>
+          <a:p>
+            <a:pPr marL="0" indent="0" algn="r">
+              <a:buNone/>
+            </a:pPr>
+            <a:r>
+              <a:rPr lang="en-GB" sz="2200" dirty="0">
+                <a:hlinkClick r:id="rId2"/>
+              </a:rPr>
+              <a:t>https://en.wikipedia.org/wiki/Personal_branding</a:t>
+            </a:r>
+            <a:endParaRPr lang="en-GB" sz="2200" dirty="0"/>
+          </a:p>
+          <a:p>
+            <a:endParaRPr lang="en-GB" sz="2000" dirty="0"/>
+          </a:p>
+        </p:txBody>
+      </p:sp>
+    </p:spTree>
+    <p:extLst>
+      <p:ext uri="{BB962C8B-B14F-4D97-AF65-F5344CB8AC3E}">
+        <p14:creationId xmlns:p14="http://schemas.microsoft.com/office/powerpoint/2010/main" val="3218580502"/>
+      </p:ext>
+    </p:extLst>
+  </p:cSld>
+  <p:clrMapOvr>
+    <a:masterClrMapping/>
+  </p:clrMapOvr>
+  <p:timing>
+    <p:tnLst>
+      <p:par>
+        <p:cTn id="1" dur="indefinite" restart="never" nodeType="tmRoot">
+          <p:childTnLst>
+            <p:seq concurrent="1" nextAc="seek">
+              <p:cTn id="2" dur="indefinite" nodeType="mainSeq">
+                <p:childTnLst>
+                  <p:par>
+                    <p:cTn id="3" fill="hold">
+                      <p:stCondLst>
+                        <p:cond delay="indefinite"/>
+                      </p:stCondLst>
+                      <p:childTnLst>
+                        <p:par>
+                          <p:cTn id="4" fill="hold">
+                            <p:stCondLst>
+                              <p:cond delay="0"/>
+                            </p:stCondLst>
+                            <p:childTnLst>
+                              <p:par>
+                                <p:cTn id="5" presetID="10" presetClass="entr" presetSubtype="0" fill="hold" grpId="0" nodeType="clickEffect">
+                                  <p:stCondLst>
+                                    <p:cond delay="0"/>
+                                  </p:stCondLst>
+                                  <p:childTnLst>
+                                    <p:set>
+                                      <p:cBhvr>
+                                        <p:cTn id="6" dur="1" fill="hold">
+                                          <p:stCondLst>
+                                            <p:cond delay="0"/>
+                                          </p:stCondLst>
+                                        </p:cTn>
+                                        <p:tgtEl>
+                                          <p:spTgt spid="3">
+                                            <p:txEl>
+                                              <p:pRg st="0" end="0"/>
+                                            </p:txEl>
+                                          </p:spTgt>
+                                        </p:tgtEl>
+                                        <p:attrNameLst>
+                                          <p:attrName>style.visibility</p:attrName>
+                                        </p:attrNameLst>
+                                      </p:cBhvr>
+                                      <p:to>
+                                        <p:strVal val="visible"/>
+                                      </p:to>
+                                    </p:set>
+                                    <p:animEffect transition="in" filter="fade">
+                                      <p:cBhvr>
+                                        <p:cTn id="7" dur="500"/>
+                                        <p:tgtEl>
+                                          <p:spTgt spid="3">
+                                            <p:txEl>
+                                              <p:pRg st="0" end="0"/>
+                                            </p:txEl>
+                                          </p:spTgt>
+                                        </p:tgtEl>
+                                      </p:cBhvr>
+                                    </p:animEffect>
+                                  </p:childTnLst>
+                                </p:cTn>
+                              </p:par>
+                            </p:childTnLst>
+                          </p:cTn>
+                        </p:par>
+                      </p:childTnLst>
+                    </p:cTn>
+                  </p:par>
+                  <p:par>
+                    <p:cTn id="8" fill="hold">
+                      <p:stCondLst>
+                        <p:cond delay="indefinite"/>
+                      </p:stCondLst>
+                      <p:childTnLst>
+                        <p:par>
+                          <p:cTn id="9" fill="hold">
+                            <p:stCondLst>
+                              <p:cond delay="0"/>
+                            </p:stCondLst>
+                            <p:childTnLst>
+                              <p:par>
+                                <p:cTn id="10" presetID="10" presetClass="entr" presetSubtype="0" fill="hold" grpId="0" nodeType="clickEffect">
+                                  <p:stCondLst>
+                                    <p:cond delay="0"/>
+                                  </p:stCondLst>
+                                  <p:childTnLst>
+                                    <p:set>
+                                      <p:cBhvr>
+                                        <p:cTn id="11" dur="1" fill="hold">
+                                          <p:stCondLst>
+                                            <p:cond delay="0"/>
+                                          </p:stCondLst>
+                                        </p:cTn>
+                                        <p:tgtEl>
+                                          <p:spTgt spid="3">
+                                            <p:txEl>
+                                              <p:pRg st="1" end="1"/>
+                                            </p:txEl>
+                                          </p:spTgt>
+                                        </p:tgtEl>
+                                        <p:attrNameLst>
+                                          <p:attrName>style.visibility</p:attrName>
+                                        </p:attrNameLst>
+                                      </p:cBhvr>
+                                      <p:to>
+                                        <p:strVal val="visible"/>
+                                      </p:to>
+                                    </p:set>
+                                    <p:animEffect transition="in" filter="fade">
+                                      <p:cBhvr>
+                                        <p:cTn id="12" dur="500"/>
+                                        <p:tgtEl>
+                                          <p:spTgt spid="3">
+                                            <p:txEl>
+                                              <p:pRg st="1" end="1"/>
+                                            </p:txEl>
+                                          </p:spTgt>
+                                        </p:tgtEl>
+                                      </p:cBhvr>
+                                    </p:animEffect>
+                                  </p:childTnLst>
+                                </p:cTn>
+                              </p:par>
+                              <p:par>
+                                <p:cTn id="13" presetID="10" presetClass="entr" presetSubtype="0" fill="hold" grpId="0" nodeType="withEffect">
                                   <p:stCondLst>
                                     <p:cond delay="0"/>
                                   </p:stCondLst>
@@ -5944,349 +7907,18 @@
                                         <p:strVal val="visible"/>
                                       </p:to>
                                     </p:set>
-                                  </p:childTnLst>
-                                </p:cTn>
-                              </p:par>
-                            </p:childTnLst>
-                          </p:cTn>
-                        </p:par>
-                      </p:childTnLst>
-                    </p:cTn>
-                  </p:par>
-                  <p:par>
-                    <p:cTn id="15" fill="hold">
-                      <p:stCondLst>
-                        <p:cond delay="indefinite"/>
-                      </p:stCondLst>
-                      <p:childTnLst>
-                        <p:par>
-                          <p:cTn id="16" fill="hold">
-                            <p:stCondLst>
-                              <p:cond delay="0"/>
-                            </p:stCondLst>
-                            <p:childTnLst>
-                              <p:par>
-                                <p:cTn id="17" presetID="1" presetClass="entr" presetSubtype="0" fill="hold" grpId="0" nodeType="clickEffect">
-                                  <p:stCondLst>
-                                    <p:cond delay="0"/>
-                                  </p:stCondLst>
-                                  <p:childTnLst>
-                                    <p:set>
+                                    <p:animEffect transition="in" filter="fade">
                                       <p:cBhvr>
-                                        <p:cTn id="18" dur="1" fill="hold">
-                                          <p:stCondLst>
-                                            <p:cond delay="0"/>
-                                          </p:stCondLst>
-                                        </p:cTn>
+                                        <p:cTn id="15" dur="500"/>
                                         <p:tgtEl>
                                           <p:spTgt spid="3">
                                             <p:txEl>
-                                              <p:pRg st="3" end="3"/>
+                                              <p:pRg st="2" end="2"/>
                                             </p:txEl>
                                           </p:spTgt>
                                         </p:tgtEl>
-                                        <p:attrNameLst>
-                                          <p:attrName>style.visibility</p:attrName>
-                                        </p:attrNameLst>
                                       </p:cBhvr>
-                                      <p:to>
-                                        <p:strVal val="visible"/>
-                                      </p:to>
-                                    </p:set>
-                                  </p:childTnLst>
-                                </p:cTn>
-                              </p:par>
-                            </p:childTnLst>
-                          </p:cTn>
-                        </p:par>
-                      </p:childTnLst>
-                    </p:cTn>
-                  </p:par>
-                  <p:par>
-                    <p:cTn id="19" fill="hold">
-                      <p:stCondLst>
-                        <p:cond delay="indefinite"/>
-                      </p:stCondLst>
-                      <p:childTnLst>
-                        <p:par>
-                          <p:cTn id="20" fill="hold">
-                            <p:stCondLst>
-                              <p:cond delay="0"/>
-                            </p:stCondLst>
-                            <p:childTnLst>
-                              <p:par>
-                                <p:cTn id="21" presetID="1" presetClass="entr" presetSubtype="0" fill="hold" grpId="0" nodeType="clickEffect">
-                                  <p:stCondLst>
-                                    <p:cond delay="0"/>
-                                  </p:stCondLst>
-                                  <p:childTnLst>
-                                    <p:set>
-                                      <p:cBhvr>
-                                        <p:cTn id="22" dur="1" fill="hold">
-                                          <p:stCondLst>
-                                            <p:cond delay="0"/>
-                                          </p:stCondLst>
-                                        </p:cTn>
-                                        <p:tgtEl>
-                                          <p:spTgt spid="3">
-                                            <p:txEl>
-                                              <p:pRg st="4" end="4"/>
-                                            </p:txEl>
-                                          </p:spTgt>
-                                        </p:tgtEl>
-                                        <p:attrNameLst>
-                                          <p:attrName>style.visibility</p:attrName>
-                                        </p:attrNameLst>
-                                      </p:cBhvr>
-                                      <p:to>
-                                        <p:strVal val="visible"/>
-                                      </p:to>
-                                    </p:set>
-                                  </p:childTnLst>
-                                </p:cTn>
-                              </p:par>
-                            </p:childTnLst>
-                          </p:cTn>
-                        </p:par>
-                      </p:childTnLst>
-                    </p:cTn>
-                  </p:par>
-                  <p:par>
-                    <p:cTn id="23" fill="hold">
-                      <p:stCondLst>
-                        <p:cond delay="indefinite"/>
-                      </p:stCondLst>
-                      <p:childTnLst>
-                        <p:par>
-                          <p:cTn id="24" fill="hold">
-                            <p:stCondLst>
-                              <p:cond delay="0"/>
-                            </p:stCondLst>
-                            <p:childTnLst>
-                              <p:par>
-                                <p:cTn id="25" presetID="1" presetClass="entr" presetSubtype="0" fill="hold" grpId="0" nodeType="clickEffect">
-                                  <p:stCondLst>
-                                    <p:cond delay="0"/>
-                                  </p:stCondLst>
-                                  <p:childTnLst>
-                                    <p:set>
-                                      <p:cBhvr>
-                                        <p:cTn id="26" dur="1" fill="hold">
-                                          <p:stCondLst>
-                                            <p:cond delay="0"/>
-                                          </p:stCondLst>
-                                        </p:cTn>
-                                        <p:tgtEl>
-                                          <p:spTgt spid="3">
-                                            <p:txEl>
-                                              <p:pRg st="5" end="5"/>
-                                            </p:txEl>
-                                          </p:spTgt>
-                                        </p:tgtEl>
-                                        <p:attrNameLst>
-                                          <p:attrName>style.visibility</p:attrName>
-                                        </p:attrNameLst>
-                                      </p:cBhvr>
-                                      <p:to>
-                                        <p:strVal val="visible"/>
-                                      </p:to>
-                                    </p:set>
-                                  </p:childTnLst>
-                                </p:cTn>
-                              </p:par>
-                            </p:childTnLst>
-                          </p:cTn>
-                        </p:par>
-                      </p:childTnLst>
-                    </p:cTn>
-                  </p:par>
-                  <p:par>
-                    <p:cTn id="27" fill="hold">
-                      <p:stCondLst>
-                        <p:cond delay="indefinite"/>
-                      </p:stCondLst>
-                      <p:childTnLst>
-                        <p:par>
-                          <p:cTn id="28" fill="hold">
-                            <p:stCondLst>
-                              <p:cond delay="0"/>
-                            </p:stCondLst>
-                            <p:childTnLst>
-                              <p:par>
-                                <p:cTn id="29" presetID="1" presetClass="entr" presetSubtype="0" fill="hold" grpId="0" nodeType="clickEffect">
-                                  <p:stCondLst>
-                                    <p:cond delay="0"/>
-                                  </p:stCondLst>
-                                  <p:childTnLst>
-                                    <p:set>
-                                      <p:cBhvr>
-                                        <p:cTn id="30" dur="1" fill="hold">
-                                          <p:stCondLst>
-                                            <p:cond delay="0"/>
-                                          </p:stCondLst>
-                                        </p:cTn>
-                                        <p:tgtEl>
-                                          <p:spTgt spid="3">
-                                            <p:txEl>
-                                              <p:pRg st="6" end="6"/>
-                                            </p:txEl>
-                                          </p:spTgt>
-                                        </p:tgtEl>
-                                        <p:attrNameLst>
-                                          <p:attrName>style.visibility</p:attrName>
-                                        </p:attrNameLst>
-                                      </p:cBhvr>
-                                      <p:to>
-                                        <p:strVal val="visible"/>
-                                      </p:to>
-                                    </p:set>
-                                  </p:childTnLst>
-                                </p:cTn>
-                              </p:par>
-                            </p:childTnLst>
-                          </p:cTn>
-                        </p:par>
-                      </p:childTnLst>
-                    </p:cTn>
-                  </p:par>
-                  <p:par>
-                    <p:cTn id="31" fill="hold">
-                      <p:stCondLst>
-                        <p:cond delay="indefinite"/>
-                      </p:stCondLst>
-                      <p:childTnLst>
-                        <p:par>
-                          <p:cTn id="32" fill="hold">
-                            <p:stCondLst>
-                              <p:cond delay="0"/>
-                            </p:stCondLst>
-                            <p:childTnLst>
-                              <p:par>
-                                <p:cTn id="33" presetID="1" presetClass="entr" presetSubtype="0" fill="hold" grpId="0" nodeType="clickEffect">
-                                  <p:stCondLst>
-                                    <p:cond delay="0"/>
-                                  </p:stCondLst>
-                                  <p:childTnLst>
-                                    <p:set>
-                                      <p:cBhvr>
-                                        <p:cTn id="34" dur="1" fill="hold">
-                                          <p:stCondLst>
-                                            <p:cond delay="0"/>
-                                          </p:stCondLst>
-                                        </p:cTn>
-                                        <p:tgtEl>
-                                          <p:spTgt spid="3">
-                                            <p:txEl>
-                                              <p:pRg st="7" end="7"/>
-                                            </p:txEl>
-                                          </p:spTgt>
-                                        </p:tgtEl>
-                                        <p:attrNameLst>
-                                          <p:attrName>style.visibility</p:attrName>
-                                        </p:attrNameLst>
-                                      </p:cBhvr>
-                                      <p:to>
-                                        <p:strVal val="visible"/>
-                                      </p:to>
-                                    </p:set>
-                                  </p:childTnLst>
-                                </p:cTn>
-                              </p:par>
-                            </p:childTnLst>
-                          </p:cTn>
-                        </p:par>
-                      </p:childTnLst>
-                    </p:cTn>
-                  </p:par>
-                  <p:par>
-                    <p:cTn id="35" fill="hold">
-                      <p:stCondLst>
-                        <p:cond delay="indefinite"/>
-                      </p:stCondLst>
-                      <p:childTnLst>
-                        <p:par>
-                          <p:cTn id="36" fill="hold">
-                            <p:stCondLst>
-                              <p:cond delay="0"/>
-                            </p:stCondLst>
-                            <p:childTnLst>
-                              <p:par>
-                                <p:cTn id="37" presetID="1" presetClass="entr" presetSubtype="0" fill="hold" grpId="0" nodeType="clickEffect">
-                                  <p:stCondLst>
-                                    <p:cond delay="0"/>
-                                  </p:stCondLst>
-                                  <p:childTnLst>
-                                    <p:set>
-                                      <p:cBhvr>
-                                        <p:cTn id="38" dur="1" fill="hold">
-                                          <p:stCondLst>
-                                            <p:cond delay="0"/>
-                                          </p:stCondLst>
-                                        </p:cTn>
-                                        <p:tgtEl>
-                                          <p:spTgt spid="3">
-                                            <p:txEl>
-                                              <p:pRg st="8" end="8"/>
-                                            </p:txEl>
-                                          </p:spTgt>
-                                        </p:tgtEl>
-                                        <p:attrNameLst>
-                                          <p:attrName>style.visibility</p:attrName>
-                                        </p:attrNameLst>
-                                      </p:cBhvr>
-                                      <p:to>
-                                        <p:strVal val="visible"/>
-                                      </p:to>
-                                    </p:set>
-                                  </p:childTnLst>
-                                </p:cTn>
-                              </p:par>
-                            </p:childTnLst>
-                          </p:cTn>
-                        </p:par>
-                      </p:childTnLst>
-                    </p:cTn>
-                  </p:par>
-                  <p:par>
-                    <p:cTn id="39" fill="hold">
-                      <p:stCondLst>
-                        <p:cond delay="indefinite"/>
-                      </p:stCondLst>
-                      <p:childTnLst>
-                        <p:par>
-                          <p:cTn id="40" fill="hold">
-                            <p:stCondLst>
-                              <p:cond delay="0"/>
-                            </p:stCondLst>
-                            <p:childTnLst>
-                              <p:par>
-                                <p:cTn id="41" presetID="1" presetClass="entr" presetSubtype="0" fill="hold" grpId="0" nodeType="clickEffect">
-                                  <p:stCondLst>
-                                    <p:cond delay="0"/>
-                                  </p:stCondLst>
-                                  <p:childTnLst>
-                                    <p:set>
-                                      <p:cBhvr>
-                                        <p:cTn id="42" dur="1" fill="hold">
-                                          <p:stCondLst>
-                                            <p:cond delay="0"/>
-                                          </p:stCondLst>
-                                        </p:cTn>
-                                        <p:tgtEl>
-                                          <p:spTgt spid="3">
-                                            <p:txEl>
-                                              <p:pRg st="9" end="9"/>
-                                            </p:txEl>
-                                          </p:spTgt>
-                                        </p:tgtEl>
-                                        <p:attrNameLst>
-                                          <p:attrName>style.visibility</p:attrName>
-                                        </p:attrNameLst>
-                                      </p:cBhvr>
-                                      <p:to>
-                                        <p:strVal val="visible"/>
-                                      </p:to>
-                                    </p:set>
+                                    </p:animEffect>
                                   </p:childTnLst>
                                 </p:cTn>
                               </p:par>
@@ -6324,7 +7956,7 @@
 </p:sld>
 </file>
 
-<file path=ppt/slides/slide4.xml><?xml version="1.0" encoding="utf-8"?>
+<file path=ppt/slides/slide7.xml><?xml version="1.0" encoding="utf-8"?>
 <p:sld xmlns:a="http://schemas.openxmlformats.org/drawingml/2006/main" xmlns:r="http://schemas.openxmlformats.org/officeDocument/2006/relationships" xmlns:p="http://schemas.openxmlformats.org/presentationml/2006/main">
   <p:cSld>
     <p:spTree>
@@ -6346,7 +7978,7 @@
           <p:cNvPr id="2" name="Title 1">
             <a:extLst>
               <a:ext uri="{FF2B5EF4-FFF2-40B4-BE49-F238E27FC236}">
-                <a16:creationId xmlns:a16="http://schemas.microsoft.com/office/drawing/2014/main" id="{CE93B9A9-5430-43CA-A076-1B33A322CAF1}"/>
+                <a16:creationId xmlns:a16="http://schemas.microsoft.com/office/drawing/2014/main" id="{6FFEDF6E-3C43-4A76-87D6-A15B9B64D6B7}"/>
               </a:ext>
             </a:extLst>
           </p:cNvPr>
@@ -6364,7 +7996,7 @@
           <a:p>
             <a:r>
               <a:rPr lang="en-GB" dirty="0"/>
-              <a:t>Suggested activities</a:t>
+              <a:t>Personal Value Proposition</a:t>
             </a:r>
           </a:p>
         </p:txBody>
@@ -6374,7 +8006,7 @@
           <p:cNvPr id="3" name="Content Placeholder 2">
             <a:extLst>
               <a:ext uri="{FF2B5EF4-FFF2-40B4-BE49-F238E27FC236}">
-                <a16:creationId xmlns:a16="http://schemas.microsoft.com/office/drawing/2014/main" id="{A8B5FB3A-DBC2-49E7-B8E9-76B44D37034D}"/>
+                <a16:creationId xmlns:a16="http://schemas.microsoft.com/office/drawing/2014/main" id="{21091BBA-BF46-4891-A995-28DE097C9037}"/>
               </a:ext>
             </a:extLst>
           </p:cNvPr>
@@ -6385,160 +8017,287 @@
             <p:ph idx="1"/>
           </p:nvPr>
         </p:nvSpPr>
+        <p:spPr/>
+        <p:txBody>
+          <a:bodyPr>
+            <a:normAutofit fontScale="92500" lnSpcReduction="20000"/>
+          </a:bodyPr>
+          <a:lstStyle/>
+          <a:p>
+            <a:pPr marL="0" indent="0" algn="ctr">
+              <a:buNone/>
+            </a:pPr>
+            <a:r>
+              <a:rPr lang="en-GB" sz="2400" dirty="0"/>
+              <a:t>“</a:t>
+            </a:r>
+            <a:r>
+              <a:rPr lang="en-GB" sz="2600" dirty="0"/>
+              <a:t>Executives set </a:t>
+            </a:r>
+            <a:r>
+              <a:rPr lang="en-GB" sz="2600" dirty="0">
+                <a:hlinkClick r:id="rId3"/>
+              </a:rPr>
+              <a:t>value propositions</a:t>
+            </a:r>
+            <a:r>
+              <a:rPr lang="en-GB" sz="2600" dirty="0"/>
+              <a:t> for their products — the target market segments, the </a:t>
+            </a:r>
+            <a:r>
+              <a:rPr lang="en-GB" sz="2600" b="1" dirty="0">
+                <a:solidFill>
+                  <a:schemeClr val="accent3">
+                    <a:lumMod val="75000"/>
+                  </a:schemeClr>
+                </a:solidFill>
+              </a:rPr>
+              <a:t>benefits</a:t>
+            </a:r>
+            <a:r>
+              <a:rPr lang="en-GB" sz="2600" dirty="0"/>
+              <a:t> they provide, and their prices. It’s </a:t>
+            </a:r>
+            <a:r>
+              <a:rPr lang="en-GB" sz="2600" dirty="0">
+                <a:solidFill>
+                  <a:schemeClr val="accent2">
+                    <a:lumMod val="75000"/>
+                  </a:schemeClr>
+                </a:solidFill>
+              </a:rPr>
+              <a:t>why</a:t>
+            </a:r>
+            <a:r>
+              <a:rPr lang="en-GB" sz="2600" dirty="0"/>
+              <a:t> a target customer should </a:t>
+            </a:r>
+            <a:r>
+              <a:rPr lang="en-GB" sz="2600" dirty="0">
+                <a:solidFill>
+                  <a:schemeClr val="accent3">
+                    <a:lumMod val="75000"/>
+                  </a:schemeClr>
+                </a:solidFill>
+              </a:rPr>
+              <a:t>buy the product</a:t>
+            </a:r>
+            <a:r>
+              <a:rPr lang="en-GB" sz="2600" dirty="0"/>
+              <a:t>.</a:t>
+            </a:r>
+          </a:p>
+          <a:p>
+            <a:pPr marL="0" indent="0" algn="ctr">
+              <a:buNone/>
+            </a:pPr>
+            <a:r>
+              <a:rPr lang="en-GB" sz="2600" dirty="0"/>
+              <a:t>“But value propositions go beyond just products. Your </a:t>
+            </a:r>
+            <a:r>
+              <a:rPr lang="en-GB" sz="2600" b="1" dirty="0">
+                <a:solidFill>
+                  <a:schemeClr val="accent2">
+                    <a:lumMod val="75000"/>
+                  </a:schemeClr>
+                </a:solidFill>
+              </a:rPr>
+              <a:t>personal value proposition (PVP)</a:t>
+            </a:r>
+            <a:r>
+              <a:rPr lang="en-GB" sz="2600" dirty="0"/>
+              <a:t> is at the heart of your career strategy. It’s the foundation for everything in a job search and career progression — </a:t>
+            </a:r>
+            <a:r>
+              <a:rPr lang="en-GB" sz="2600" dirty="0">
+                <a:solidFill>
+                  <a:schemeClr val="accent3">
+                    <a:lumMod val="75000"/>
+                  </a:schemeClr>
+                </a:solidFill>
+              </a:rPr>
+              <a:t>targeting</a:t>
+            </a:r>
+            <a:r>
+              <a:rPr lang="en-GB" sz="2600" dirty="0"/>
+              <a:t> potential employers, </a:t>
+            </a:r>
+            <a:r>
+              <a:rPr lang="en-GB" sz="2600" dirty="0">
+                <a:solidFill>
+                  <a:schemeClr val="accent3">
+                    <a:lumMod val="75000"/>
+                  </a:schemeClr>
+                </a:solidFill>
+              </a:rPr>
+              <a:t>attracting</a:t>
+            </a:r>
+            <a:r>
+              <a:rPr lang="en-GB" sz="2600" dirty="0"/>
+              <a:t> the help of others, and </a:t>
+            </a:r>
+            <a:r>
+              <a:rPr lang="en-GB" sz="2600" dirty="0">
+                <a:solidFill>
+                  <a:schemeClr val="accent3">
+                    <a:lumMod val="75000"/>
+                  </a:schemeClr>
+                </a:solidFill>
+              </a:rPr>
+              <a:t>explaining</a:t>
+            </a:r>
+            <a:r>
+              <a:rPr lang="en-GB" sz="2600" dirty="0"/>
+              <a:t> why you’re the one to pick. It’s </a:t>
+            </a:r>
+            <a:r>
+              <a:rPr lang="en-GB" sz="2600" dirty="0">
+                <a:solidFill>
+                  <a:schemeClr val="accent2">
+                    <a:lumMod val="75000"/>
+                  </a:schemeClr>
+                </a:solidFill>
+              </a:rPr>
+              <a:t>why to hire you</a:t>
+            </a:r>
+            <a:r>
+              <a:rPr lang="en-GB" sz="2600" dirty="0"/>
+              <a:t>, not someone else.”</a:t>
+            </a:r>
+          </a:p>
+          <a:p>
+            <a:pPr marL="0" indent="0" algn="r">
+              <a:buNone/>
+            </a:pPr>
+            <a:r>
+              <a:rPr lang="en-GB" sz="2200" dirty="0">
+                <a:hlinkClick r:id="rId4"/>
+              </a:rPr>
+              <a:t>https://hbr.org/2011/11/a-value-proposition-for-your-c</a:t>
+            </a:r>
+            <a:endParaRPr lang="en-GB" sz="2200" dirty="0"/>
+          </a:p>
+          <a:p>
+            <a:pPr marL="0" indent="0">
+              <a:buNone/>
+            </a:pPr>
+            <a:endParaRPr lang="en-GB" dirty="0"/>
+          </a:p>
+        </p:txBody>
+      </p:sp>
+      <p:sp>
+        <p:nvSpPr>
+          <p:cNvPr id="5" name="Speech Bubble: Rectangle 4">
+            <a:extLst>
+              <a:ext uri="{FF2B5EF4-FFF2-40B4-BE49-F238E27FC236}">
+                <a16:creationId xmlns:a16="http://schemas.microsoft.com/office/drawing/2014/main" id="{361CE2F3-8F7F-4A88-8C10-C7C5747EDBBA}"/>
+              </a:ext>
+            </a:extLst>
+          </p:cNvPr>
+          <p:cNvSpPr/>
+          <p:nvPr/>
+        </p:nvSpPr>
         <p:spPr>
           <a:xfrm>
-            <a:off x="1066800" y="1864129"/>
-            <a:ext cx="10058400" cy="4112286"/>
+            <a:off x="8472403" y="451251"/>
+            <a:ext cx="3218028" cy="1562943"/>
           </a:xfrm>
+          <a:prstGeom prst="wedgeRectCallout">
+            <a:avLst>
+              <a:gd name="adj1" fmla="val -73147"/>
+              <a:gd name="adj2" fmla="val 50511"/>
+            </a:avLst>
+          </a:prstGeom>
+          <a:solidFill>
+            <a:schemeClr val="accent1">
+              <a:lumMod val="60000"/>
+              <a:lumOff val="40000"/>
+            </a:schemeClr>
+          </a:solidFill>
         </p:spPr>
-        <p:txBody>
-          <a:bodyPr>
-            <a:noAutofit/>
-          </a:bodyPr>
+        <p:style>
+          <a:lnRef idx="2">
+            <a:schemeClr val="accent1">
+              <a:shade val="50000"/>
+            </a:schemeClr>
+          </a:lnRef>
+          <a:fillRef idx="1">
+            <a:schemeClr val="accent1"/>
+          </a:fillRef>
+          <a:effectRef idx="0">
+            <a:schemeClr val="accent1"/>
+          </a:effectRef>
+          <a:fontRef idx="minor">
+            <a:schemeClr val="lt1"/>
+          </a:fontRef>
+        </p:style>
+        <p:txBody>
+          <a:bodyPr rtlCol="0" anchor="ctr"/>
           <a:lstStyle/>
           <a:p>
-            <a:pPr marL="514350" indent="-514350">
-              <a:buFont typeface="+mj-lt"/>
-              <a:buAutoNum type="arabicPeriod"/>
-            </a:pPr>
-            <a:r>
-              <a:rPr lang="en-GB" sz="2000" b="1" dirty="0"/>
-              <a:t>Top recommendation </a:t>
-            </a:r>
-            <a:r>
-              <a:rPr lang="en-GB" sz="2000" dirty="0"/>
-              <a:t>–</a:t>
-            </a:r>
-            <a:r>
-              <a:rPr lang="en-GB" sz="2000" b="1" dirty="0"/>
-              <a:t> </a:t>
-            </a:r>
-            <a:r>
-              <a:rPr lang="en-GB" sz="2000" dirty="0"/>
-              <a:t>spend at least some time investigating web platforms (e.g. </a:t>
-            </a:r>
-            <a:r>
-              <a:rPr lang="en-GB" sz="2000" dirty="0" err="1"/>
-              <a:t>Wordpress</a:t>
-            </a:r>
-            <a:r>
-              <a:rPr lang="en-GB" sz="2000" dirty="0"/>
-              <a:t>, GitHub pages, </a:t>
-            </a:r>
-            <a:r>
-              <a:rPr lang="en-GB" sz="2000" dirty="0" err="1"/>
-              <a:t>Wix</a:t>
-            </a:r>
-            <a:r>
-              <a:rPr lang="en-GB" sz="2000" dirty="0"/>
-              <a:t>, Weebly…) to determine:</a:t>
-            </a:r>
-          </a:p>
-          <a:p>
-            <a:pPr marL="788670" lvl="1" indent="-514350">
-              <a:buFont typeface="+mj-lt"/>
-              <a:buAutoNum type="alphaLcParenR"/>
-            </a:pPr>
-            <a:r>
-              <a:rPr lang="en-GB" sz="2000" dirty="0"/>
-              <a:t>How easy is it to use/get the look you want? Try setting up a basic page with some text and images.</a:t>
-            </a:r>
-          </a:p>
-          <a:p>
-            <a:pPr marL="788670" lvl="1" indent="-514350">
-              <a:buFont typeface="+mj-lt"/>
-              <a:buAutoNum type="alphaLcParenR"/>
-            </a:pPr>
-            <a:r>
-              <a:rPr lang="en-GB" sz="2000" dirty="0"/>
-              <a:t>How easy is it to download an html copy that works offline? (</a:t>
-            </a:r>
-            <a:r>
-              <a:rPr lang="en-GB" sz="2000" i="1" dirty="0"/>
-              <a:t>Test this out!)</a:t>
-            </a:r>
-          </a:p>
-          <a:p>
-            <a:pPr lvl="2">
-              <a:buFont typeface="Arial" panose="020B0604020202020204" pitchFamily="34" charset="0"/>
-              <a:buChar char="•"/>
-            </a:pPr>
-            <a:r>
-              <a:rPr lang="en-GB" sz="2000" dirty="0"/>
-              <a:t>Investigate 3rd party tools if need be, e.g. </a:t>
-            </a:r>
-            <a:r>
-              <a:rPr lang="en-GB" sz="2000" dirty="0" err="1"/>
-              <a:t>SiteSucker</a:t>
-            </a:r>
-            <a:r>
-              <a:rPr lang="en-GB" sz="2000" dirty="0"/>
-              <a:t> (MacOS), </a:t>
-            </a:r>
-            <a:r>
-              <a:rPr lang="en-GB" sz="2000" dirty="0" err="1"/>
-              <a:t>WebCopy</a:t>
-            </a:r>
-            <a:r>
-              <a:rPr lang="en-GB" sz="2000" dirty="0"/>
-              <a:t> (Windows)</a:t>
-            </a:r>
-          </a:p>
-          <a:p>
-            <a:pPr marL="514350" indent="-514350">
-              <a:buFont typeface="+mj-lt"/>
-              <a:buAutoNum type="arabicPeriod"/>
-            </a:pPr>
-            <a:r>
-              <a:rPr lang="en-GB" sz="2000" b="1" dirty="0"/>
-              <a:t>Also recommended </a:t>
-            </a:r>
-            <a:r>
-              <a:rPr lang="en-GB" sz="2000" dirty="0"/>
-              <a:t>–</a:t>
-            </a:r>
-          </a:p>
-          <a:p>
-            <a:pPr marL="788670" lvl="1" indent="-514350">
-              <a:buFont typeface="+mj-lt"/>
-              <a:buAutoNum type="alphaLcParenR"/>
-            </a:pPr>
-            <a:r>
-              <a:rPr lang="en-GB" sz="2000" dirty="0"/>
-              <a:t>Start writing about the research you’ve done and your argument.</a:t>
-            </a:r>
-          </a:p>
-          <a:p>
-            <a:pPr marL="788670" lvl="1" indent="-514350">
-              <a:buFont typeface="+mj-lt"/>
-              <a:buAutoNum type="alphaLcParenR"/>
-            </a:pPr>
-            <a:r>
-              <a:rPr lang="en-GB" sz="2000" dirty="0"/>
-              <a:t>Start drafting your poster – e.g. make notes on content for each section; create/start creating your UML diagram.</a:t>
-            </a:r>
-          </a:p>
-          <a:p>
-            <a:pPr marL="514350" indent="-514350">
-              <a:buFont typeface="+mj-lt"/>
-              <a:buAutoNum type="arabicPeriod"/>
-            </a:pPr>
-            <a:r>
-              <a:rPr lang="en-GB" sz="2000" b="1" dirty="0"/>
-              <a:t>If you need to</a:t>
-            </a:r>
-            <a:r>
-              <a:rPr lang="en-GB" sz="2000" dirty="0"/>
-              <a:t> – continue work on your artefact.</a:t>
-            </a:r>
-            <a:endParaRPr lang="en-GB" sz="2000" b="1" dirty="0"/>
+            <a:pPr algn="ctr"/>
+            <a:r>
+              <a:rPr lang="en-GB" sz="2400" dirty="0">
+                <a:solidFill>
+                  <a:schemeClr val="tx1">
+                    <a:lumMod val="75000"/>
+                    <a:lumOff val="25000"/>
+                  </a:schemeClr>
+                </a:solidFill>
+              </a:rPr>
+              <a:t>Convey not only </a:t>
+            </a:r>
+            <a:r>
+              <a:rPr lang="en-GB" sz="2400" dirty="0">
+                <a:solidFill>
+                  <a:schemeClr val="accent3">
+                    <a:lumMod val="75000"/>
+                  </a:schemeClr>
+                </a:solidFill>
+              </a:rPr>
+              <a:t>what</a:t>
+            </a:r>
+            <a:r>
+              <a:rPr lang="en-GB" sz="2400" dirty="0">
+                <a:solidFill>
+                  <a:schemeClr val="tx1">
+                    <a:lumMod val="75000"/>
+                    <a:lumOff val="25000"/>
+                  </a:schemeClr>
+                </a:solidFill>
+              </a:rPr>
+              <a:t> you do, but the </a:t>
+            </a:r>
+            <a:r>
+              <a:rPr lang="en-GB" sz="2400" b="1" dirty="0">
+                <a:solidFill>
+                  <a:schemeClr val="accent2">
+                    <a:lumMod val="75000"/>
+                  </a:schemeClr>
+                </a:solidFill>
+              </a:rPr>
+              <a:t>value</a:t>
+            </a:r>
+            <a:r>
+              <a:rPr lang="en-GB" sz="2400" dirty="0">
+                <a:solidFill>
+                  <a:schemeClr val="tx1">
+                    <a:lumMod val="75000"/>
+                    <a:lumOff val="25000"/>
+                  </a:schemeClr>
+                </a:solidFill>
+              </a:rPr>
+              <a:t> you bring by doing it.</a:t>
+            </a:r>
           </a:p>
         </p:txBody>
       </p:sp>
     </p:spTree>
     <p:extLst>
       <p:ext uri="{BB962C8B-B14F-4D97-AF65-F5344CB8AC3E}">
-        <p14:creationId xmlns:p14="http://schemas.microsoft.com/office/powerpoint/2010/main" val="3918112203"/>
+        <p14:creationId xmlns:p14="http://schemas.microsoft.com/office/powerpoint/2010/main" val="1851438231"/>
       </p:ext>
     </p:extLst>
   </p:cSld>
@@ -6566,7 +8325,7 @@
                             </p:stCondLst>
                             <p:childTnLst>
                               <p:par>
-                                <p:cTn id="5" presetID="1" presetClass="entr" presetSubtype="0" fill="hold" grpId="0" nodeType="clickEffect">
+                                <p:cTn id="5" presetID="10" presetClass="entr" presetSubtype="0" fill="hold" grpId="0" nodeType="clickEffect">
                                   <p:stCondLst>
                                     <p:cond delay="0"/>
                                   </p:stCondLst>
@@ -6593,18 +8352,48 @@
                                         <p:strVal val="visible"/>
                                       </p:to>
                                     </p:set>
+                                    <p:animEffect transition="in" filter="fade">
+                                      <p:cBhvr>
+                                        <p:cTn id="7" dur="500"/>
+                                        <p:tgtEl>
+                                          <p:spTgt spid="3">
+                                            <p:txEl>
+                                              <p:pRg st="0" end="0"/>
+                                            </p:txEl>
+                                          </p:spTgt>
+                                        </p:tgtEl>
+                                      </p:cBhvr>
+                                    </p:animEffect>
                                   </p:childTnLst>
                                 </p:cTn>
                               </p:par>
+                            </p:childTnLst>
+                          </p:cTn>
+                        </p:par>
+                      </p:childTnLst>
+                    </p:cTn>
+                  </p:par>
+                  <p:par>
+                    <p:cTn id="8" fill="hold">
+                      <p:stCondLst>
+                        <p:cond delay="indefinite"/>
+                      </p:stCondLst>
+                      <p:childTnLst>
+                        <p:par>
+                          <p:cTn id="9" fill="hold">
+                            <p:stCondLst>
+                              <p:cond delay="0"/>
+                            </p:stCondLst>
+                            <p:childTnLst>
                               <p:par>
-                                <p:cTn id="7" presetID="1" presetClass="entr" presetSubtype="0" fill="hold" grpId="0" nodeType="withEffect">
+                                <p:cTn id="10" presetID="10" presetClass="entr" presetSubtype="0" fill="hold" grpId="0" nodeType="clickEffect">
                                   <p:stCondLst>
                                     <p:cond delay="0"/>
                                   </p:stCondLst>
                                   <p:childTnLst>
                                     <p:set>
                                       <p:cBhvr>
-                                        <p:cTn id="8" dur="1" fill="hold">
+                                        <p:cTn id="11" dur="1" fill="hold">
                                           <p:stCondLst>
                                             <p:cond delay="0"/>
                                           </p:stCondLst>
@@ -6624,18 +8413,30 @@
                                         <p:strVal val="visible"/>
                                       </p:to>
                                     </p:set>
+                                    <p:animEffect transition="in" filter="fade">
+                                      <p:cBhvr>
+                                        <p:cTn id="12" dur="500"/>
+                                        <p:tgtEl>
+                                          <p:spTgt spid="3">
+                                            <p:txEl>
+                                              <p:pRg st="1" end="1"/>
+                                            </p:txEl>
+                                          </p:spTgt>
+                                        </p:tgtEl>
+                                      </p:cBhvr>
+                                    </p:animEffect>
                                   </p:childTnLst>
                                 </p:cTn>
                               </p:par>
                               <p:par>
-                                <p:cTn id="9" presetID="1" presetClass="entr" presetSubtype="0" fill="hold" grpId="0" nodeType="withEffect">
+                                <p:cTn id="13" presetID="10" presetClass="entr" presetSubtype="0" fill="hold" grpId="0" nodeType="withEffect">
                                   <p:stCondLst>
                                     <p:cond delay="0"/>
                                   </p:stCondLst>
                                   <p:childTnLst>
                                     <p:set>
                                       <p:cBhvr>
-                                        <p:cTn id="10" dur="1" fill="hold">
+                                        <p:cTn id="14" dur="1" fill="hold">
                                           <p:stCondLst>
                                             <p:cond delay="0"/>
                                           </p:stCondLst>
@@ -6655,18 +8456,621 @@
                                         <p:strVal val="visible"/>
                                       </p:to>
                                     </p:set>
+                                    <p:animEffect transition="in" filter="fade">
+                                      <p:cBhvr>
+                                        <p:cTn id="15" dur="500"/>
+                                        <p:tgtEl>
+                                          <p:spTgt spid="3">
+                                            <p:txEl>
+                                              <p:pRg st="2" end="2"/>
+                                            </p:txEl>
+                                          </p:spTgt>
+                                        </p:tgtEl>
+                                      </p:cBhvr>
+                                    </p:animEffect>
                                   </p:childTnLst>
                                 </p:cTn>
                               </p:par>
+                            </p:childTnLst>
+                          </p:cTn>
+                        </p:par>
+                      </p:childTnLst>
+                    </p:cTn>
+                  </p:par>
+                  <p:par>
+                    <p:cTn id="16" fill="hold">
+                      <p:stCondLst>
+                        <p:cond delay="indefinite"/>
+                      </p:stCondLst>
+                      <p:childTnLst>
+                        <p:par>
+                          <p:cTn id="17" fill="hold">
+                            <p:stCondLst>
+                              <p:cond delay="0"/>
+                            </p:stCondLst>
+                            <p:childTnLst>
                               <p:par>
-                                <p:cTn id="11" presetID="1" presetClass="entr" presetSubtype="0" fill="hold" grpId="0" nodeType="withEffect">
+                                <p:cTn id="18" presetID="10" presetClass="entr" presetSubtype="0" fill="hold" grpId="0" nodeType="clickEffect">
                                   <p:stCondLst>
                                     <p:cond delay="0"/>
                                   </p:stCondLst>
                                   <p:childTnLst>
                                     <p:set>
                                       <p:cBhvr>
-                                        <p:cTn id="12" dur="1" fill="hold">
+                                        <p:cTn id="19" dur="1" fill="hold">
+                                          <p:stCondLst>
+                                            <p:cond delay="0"/>
+                                          </p:stCondLst>
+                                        </p:cTn>
+                                        <p:tgtEl>
+                                          <p:spTgt spid="5"/>
+                                        </p:tgtEl>
+                                        <p:attrNameLst>
+                                          <p:attrName>style.visibility</p:attrName>
+                                        </p:attrNameLst>
+                                      </p:cBhvr>
+                                      <p:to>
+                                        <p:strVal val="visible"/>
+                                      </p:to>
+                                    </p:set>
+                                    <p:animEffect transition="in" filter="fade">
+                                      <p:cBhvr>
+                                        <p:cTn id="20" dur="500"/>
+                                        <p:tgtEl>
+                                          <p:spTgt spid="5"/>
+                                        </p:tgtEl>
+                                      </p:cBhvr>
+                                    </p:animEffect>
+                                  </p:childTnLst>
+                                </p:cTn>
+                              </p:par>
+                            </p:childTnLst>
+                          </p:cTn>
+                        </p:par>
+                      </p:childTnLst>
+                    </p:cTn>
+                  </p:par>
+                </p:childTnLst>
+              </p:cTn>
+              <p:prevCondLst>
+                <p:cond evt="onPrev" delay="0">
+                  <p:tgtEl>
+                    <p:sldTgt/>
+                  </p:tgtEl>
+                </p:cond>
+              </p:prevCondLst>
+              <p:nextCondLst>
+                <p:cond evt="onNext" delay="0">
+                  <p:tgtEl>
+                    <p:sldTgt/>
+                  </p:tgtEl>
+                </p:cond>
+              </p:nextCondLst>
+            </p:seq>
+          </p:childTnLst>
+        </p:cTn>
+      </p:par>
+    </p:tnLst>
+    <p:bldLst>
+      <p:bldP spid="3" grpId="0" uiExpand="1" build="p"/>
+      <p:bldP spid="5" grpId="0" animBg="1"/>
+    </p:bldLst>
+  </p:timing>
+</p:sld>
+</file>
+
+<file path=ppt/slides/slide8.xml><?xml version="1.0" encoding="utf-8"?>
+<p:sld xmlns:a="http://schemas.openxmlformats.org/drawingml/2006/main" xmlns:r="http://schemas.openxmlformats.org/officeDocument/2006/relationships" xmlns:p="http://schemas.openxmlformats.org/presentationml/2006/main">
+  <p:cSld>
+    <p:spTree>
+      <p:nvGrpSpPr>
+        <p:cNvPr id="1" name=""/>
+        <p:cNvGrpSpPr/>
+        <p:nvPr/>
+      </p:nvGrpSpPr>
+      <p:grpSpPr>
+        <a:xfrm>
+          <a:off x="0" y="0"/>
+          <a:ext cx="0" cy="0"/>
+          <a:chOff x="0" y="0"/>
+          <a:chExt cx="0" cy="0"/>
+        </a:xfrm>
+      </p:grpSpPr>
+      <p:sp>
+        <p:nvSpPr>
+          <p:cNvPr id="2" name="Title 1">
+            <a:extLst>
+              <a:ext uri="{FF2B5EF4-FFF2-40B4-BE49-F238E27FC236}">
+                <a16:creationId xmlns:a16="http://schemas.microsoft.com/office/drawing/2014/main" id="{68D00ECA-FB82-4FD7-951B-6FAC08193431}"/>
+              </a:ext>
+            </a:extLst>
+          </p:cNvPr>
+          <p:cNvSpPr>
+            <a:spLocks noGrp="1"/>
+          </p:cNvSpPr>
+          <p:nvPr>
+            <p:ph type="title"/>
+          </p:nvPr>
+        </p:nvSpPr>
+        <p:spPr/>
+        <p:txBody>
+          <a:bodyPr/>
+          <a:lstStyle/>
+          <a:p>
+            <a:r>
+              <a:rPr lang="en-GB" dirty="0">
+                <a:solidFill>
+                  <a:schemeClr val="accent3">
+                    <a:lumMod val="75000"/>
+                  </a:schemeClr>
+                </a:solidFill>
+              </a:rPr>
+              <a:t>Discussion: </a:t>
+            </a:r>
+            <a:r>
+              <a:rPr lang="en-GB" dirty="0"/>
+              <a:t>How to Find your Brand/PVP</a:t>
+            </a:r>
+          </a:p>
+        </p:txBody>
+      </p:sp>
+    </p:spTree>
+    <p:extLst>
+      <p:ext uri="{BB962C8B-B14F-4D97-AF65-F5344CB8AC3E}">
+        <p14:creationId xmlns:p14="http://schemas.microsoft.com/office/powerpoint/2010/main" val="212563158"/>
+      </p:ext>
+    </p:extLst>
+  </p:cSld>
+  <p:clrMapOvr>
+    <a:masterClrMapping/>
+  </p:clrMapOvr>
+</p:sld>
+</file>
+
+<file path=ppt/slides/slide9.xml><?xml version="1.0" encoding="utf-8"?>
+<p:sld xmlns:a="http://schemas.openxmlformats.org/drawingml/2006/main" xmlns:r="http://schemas.openxmlformats.org/officeDocument/2006/relationships" xmlns:p="http://schemas.openxmlformats.org/presentationml/2006/main">
+  <p:cSld>
+    <p:spTree>
+      <p:nvGrpSpPr>
+        <p:cNvPr id="1" name=""/>
+        <p:cNvGrpSpPr/>
+        <p:nvPr/>
+      </p:nvGrpSpPr>
+      <p:grpSpPr>
+        <a:xfrm>
+          <a:off x="0" y="0"/>
+          <a:ext cx="0" cy="0"/>
+          <a:chOff x="0" y="0"/>
+          <a:chExt cx="0" cy="0"/>
+        </a:xfrm>
+      </p:grpSpPr>
+      <p:sp>
+        <p:nvSpPr>
+          <p:cNvPr id="2" name="Title 1">
+            <a:extLst>
+              <a:ext uri="{FF2B5EF4-FFF2-40B4-BE49-F238E27FC236}">
+                <a16:creationId xmlns:a16="http://schemas.microsoft.com/office/drawing/2014/main" id="{52C8F874-D835-46C3-81A7-6EA7098E8CF0}"/>
+              </a:ext>
+            </a:extLst>
+          </p:cNvPr>
+          <p:cNvSpPr>
+            <a:spLocks noGrp="1"/>
+          </p:cNvSpPr>
+          <p:nvPr>
+            <p:ph type="title"/>
+          </p:nvPr>
+        </p:nvSpPr>
+        <p:spPr/>
+        <p:txBody>
+          <a:bodyPr/>
+          <a:lstStyle/>
+          <a:p>
+            <a:r>
+              <a:rPr lang="en-GB" dirty="0">
+                <a:solidFill>
+                  <a:schemeClr val="accent2">
+                    <a:lumMod val="75000"/>
+                  </a:schemeClr>
+                </a:solidFill>
+              </a:rPr>
+              <a:t>Asynchronous Task: </a:t>
+            </a:r>
+            <a:r>
+              <a:rPr lang="en-GB" dirty="0"/>
+              <a:t>Personal Brand</a:t>
+            </a:r>
+          </a:p>
+        </p:txBody>
+      </p:sp>
+      <p:sp>
+        <p:nvSpPr>
+          <p:cNvPr id="3" name="Content Placeholder 2">
+            <a:extLst>
+              <a:ext uri="{FF2B5EF4-FFF2-40B4-BE49-F238E27FC236}">
+                <a16:creationId xmlns:a16="http://schemas.microsoft.com/office/drawing/2014/main" id="{492F2918-0459-424C-8BC7-AEF334BC09B0}"/>
+              </a:ext>
+            </a:extLst>
+          </p:cNvPr>
+          <p:cNvSpPr>
+            <a:spLocks noGrp="1"/>
+          </p:cNvSpPr>
+          <p:nvPr>
+            <p:ph idx="1"/>
+          </p:nvPr>
+        </p:nvSpPr>
+        <p:spPr/>
+        <p:txBody>
+          <a:bodyPr>
+            <a:normAutofit/>
+          </a:bodyPr>
+          <a:lstStyle/>
+          <a:p>
+            <a:r>
+              <a:rPr lang="en-GB" sz="2800" dirty="0"/>
+              <a:t>Read how to  </a:t>
+            </a:r>
+            <a:r>
+              <a:rPr lang="en-GB" sz="2800" dirty="0">
+                <a:hlinkClick r:id="rId2"/>
+              </a:rPr>
+              <a:t>Use a Personal Value Proposition to Land Your Next Job</a:t>
+            </a:r>
+            <a:endParaRPr lang="en-GB" sz="2800" dirty="0"/>
+          </a:p>
+          <a:p>
+            <a:r>
+              <a:rPr lang="en-GB" sz="2800" dirty="0"/>
+              <a:t>Decide how you’d like to </a:t>
+            </a:r>
+            <a:r>
+              <a:rPr lang="en-GB" sz="2800" dirty="0">
+                <a:solidFill>
+                  <a:schemeClr val="accent3">
+                    <a:lumMod val="75000"/>
+                  </a:schemeClr>
+                </a:solidFill>
+              </a:rPr>
+              <a:t>present yourself </a:t>
+            </a:r>
+            <a:r>
+              <a:rPr lang="en-GB" sz="2800" dirty="0"/>
+              <a:t>online:</a:t>
+            </a:r>
+          </a:p>
+          <a:p>
+            <a:pPr lvl="1"/>
+            <a:r>
+              <a:rPr lang="en-GB" sz="2600" dirty="0"/>
+              <a:t>Identify your strengths/</a:t>
+            </a:r>
+            <a:r>
+              <a:rPr lang="en-GB" sz="2600" dirty="0">
+                <a:solidFill>
+                  <a:schemeClr val="accent2">
+                    <a:lumMod val="75000"/>
+                  </a:schemeClr>
+                </a:solidFill>
+              </a:rPr>
+              <a:t>USPs</a:t>
+            </a:r>
+            <a:endParaRPr lang="en-GB" sz="2600" dirty="0"/>
+          </a:p>
+          <a:p>
+            <a:pPr lvl="1"/>
+            <a:r>
+              <a:rPr lang="en-GB" sz="2600" dirty="0"/>
+              <a:t>Write an </a:t>
+            </a:r>
+            <a:r>
+              <a:rPr lang="en-GB" sz="2600" dirty="0">
+                <a:solidFill>
+                  <a:schemeClr val="accent2">
+                    <a:lumMod val="75000"/>
+                  </a:schemeClr>
+                </a:solidFill>
+              </a:rPr>
+              <a:t>elevator pitch </a:t>
+            </a:r>
+            <a:r>
+              <a:rPr lang="en-GB" sz="2600" dirty="0"/>
+              <a:t>(or PVP) for yourself.</a:t>
+            </a:r>
+          </a:p>
+          <a:p>
+            <a:pPr lvl="1"/>
+            <a:r>
+              <a:rPr lang="en-GB" sz="2600" dirty="0"/>
+              <a:t>Use it to “introduce yourself” </a:t>
+            </a:r>
+            <a:r>
+              <a:rPr lang="en-GB" sz="2400" dirty="0"/>
+              <a:t>on this week’s </a:t>
+            </a:r>
+            <a:r>
+              <a:rPr lang="en-GB" sz="2400" dirty="0">
+                <a:hlinkClick r:id="rId3"/>
+              </a:rPr>
+              <a:t>Teams channel</a:t>
+            </a:r>
+            <a:r>
+              <a:rPr lang="en-GB" sz="2400" dirty="0"/>
+              <a:t>.</a:t>
+            </a:r>
+            <a:endParaRPr lang="en-GB" sz="2600" dirty="0"/>
+          </a:p>
+          <a:p>
+            <a:r>
+              <a:rPr lang="en-GB" sz="2800" dirty="0"/>
+              <a:t>Collect </a:t>
+            </a:r>
+            <a:r>
+              <a:rPr lang="en-GB" sz="2800" dirty="0">
+                <a:solidFill>
+                  <a:schemeClr val="accent3">
+                    <a:lumMod val="75000"/>
+                  </a:schemeClr>
+                </a:solidFill>
+              </a:rPr>
+              <a:t>examples of your work </a:t>
+            </a:r>
+            <a:r>
+              <a:rPr lang="en-GB" sz="2800" dirty="0"/>
+              <a:t>that support your brand.</a:t>
+            </a:r>
+          </a:p>
+        </p:txBody>
+      </p:sp>
+      <p:sp>
+        <p:nvSpPr>
+          <p:cNvPr id="4" name="Speech Bubble: Rectangle 3">
+            <a:extLst>
+              <a:ext uri="{FF2B5EF4-FFF2-40B4-BE49-F238E27FC236}">
+                <a16:creationId xmlns:a16="http://schemas.microsoft.com/office/drawing/2014/main" id="{BDF4818C-1608-4232-89B8-DA34314F1F48}"/>
+              </a:ext>
+            </a:extLst>
+          </p:cNvPr>
+          <p:cNvSpPr/>
+          <p:nvPr/>
+        </p:nvSpPr>
+        <p:spPr>
+          <a:xfrm>
+            <a:off x="2345254" y="5664767"/>
+            <a:ext cx="7501491" cy="753805"/>
+          </a:xfrm>
+          <a:prstGeom prst="wedgeRectCallout">
+            <a:avLst>
+              <a:gd name="adj1" fmla="val -21094"/>
+              <a:gd name="adj2" fmla="val -60958"/>
+            </a:avLst>
+          </a:prstGeom>
+          <a:solidFill>
+            <a:schemeClr val="accent1">
+              <a:lumMod val="60000"/>
+              <a:lumOff val="40000"/>
+            </a:schemeClr>
+          </a:solidFill>
+        </p:spPr>
+        <p:style>
+          <a:lnRef idx="2">
+            <a:schemeClr val="accent1">
+              <a:shade val="50000"/>
+            </a:schemeClr>
+          </a:lnRef>
+          <a:fillRef idx="1">
+            <a:schemeClr val="accent1"/>
+          </a:fillRef>
+          <a:effectRef idx="0">
+            <a:schemeClr val="accent1"/>
+          </a:effectRef>
+          <a:fontRef idx="minor">
+            <a:schemeClr val="lt1"/>
+          </a:fontRef>
+        </p:style>
+        <p:txBody>
+          <a:bodyPr rtlCol="0" anchor="ctr"/>
+          <a:lstStyle/>
+          <a:p>
+            <a:pPr algn="ctr"/>
+            <a:r>
+              <a:rPr lang="en-GB" sz="2400" dirty="0">
+                <a:solidFill>
+                  <a:schemeClr val="tx1">
+                    <a:lumMod val="75000"/>
+                    <a:lumOff val="25000"/>
+                  </a:schemeClr>
+                </a:solidFill>
+              </a:rPr>
+              <a:t>Next week: we’ll look at how to design a website to present your portfolio</a:t>
+            </a:r>
+          </a:p>
+        </p:txBody>
+      </p:sp>
+    </p:spTree>
+    <p:extLst>
+      <p:ext uri="{BB962C8B-B14F-4D97-AF65-F5344CB8AC3E}">
+        <p14:creationId xmlns:p14="http://schemas.microsoft.com/office/powerpoint/2010/main" val="1823415556"/>
+      </p:ext>
+    </p:extLst>
+  </p:cSld>
+  <p:clrMapOvr>
+    <a:masterClrMapping/>
+  </p:clrMapOvr>
+  <p:timing>
+    <p:tnLst>
+      <p:par>
+        <p:cTn id="1" dur="indefinite" restart="never" nodeType="tmRoot">
+          <p:childTnLst>
+            <p:seq concurrent="1" nextAc="seek">
+              <p:cTn id="2" dur="indefinite" nodeType="mainSeq">
+                <p:childTnLst>
+                  <p:par>
+                    <p:cTn id="3" fill="hold">
+                      <p:stCondLst>
+                        <p:cond delay="indefinite"/>
+                      </p:stCondLst>
+                      <p:childTnLst>
+                        <p:par>
+                          <p:cTn id="4" fill="hold">
+                            <p:stCondLst>
+                              <p:cond delay="0"/>
+                            </p:stCondLst>
+                            <p:childTnLst>
+                              <p:par>
+                                <p:cTn id="5" presetID="10" presetClass="entr" presetSubtype="0" fill="hold" grpId="0" nodeType="clickEffect">
+                                  <p:stCondLst>
+                                    <p:cond delay="0"/>
+                                  </p:stCondLst>
+                                  <p:childTnLst>
+                                    <p:set>
+                                      <p:cBhvr>
+                                        <p:cTn id="6" dur="1" fill="hold">
+                                          <p:stCondLst>
+                                            <p:cond delay="0"/>
+                                          </p:stCondLst>
+                                        </p:cTn>
+                                        <p:tgtEl>
+                                          <p:spTgt spid="3">
+                                            <p:txEl>
+                                              <p:pRg st="0" end="0"/>
+                                            </p:txEl>
+                                          </p:spTgt>
+                                        </p:tgtEl>
+                                        <p:attrNameLst>
+                                          <p:attrName>style.visibility</p:attrName>
+                                        </p:attrNameLst>
+                                      </p:cBhvr>
+                                      <p:to>
+                                        <p:strVal val="visible"/>
+                                      </p:to>
+                                    </p:set>
+                                    <p:animEffect transition="in" filter="fade">
+                                      <p:cBhvr>
+                                        <p:cTn id="7" dur="500"/>
+                                        <p:tgtEl>
+                                          <p:spTgt spid="3">
+                                            <p:txEl>
+                                              <p:pRg st="0" end="0"/>
+                                            </p:txEl>
+                                          </p:spTgt>
+                                        </p:tgtEl>
+                                      </p:cBhvr>
+                                    </p:animEffect>
+                                  </p:childTnLst>
+                                </p:cTn>
+                              </p:par>
+                            </p:childTnLst>
+                          </p:cTn>
+                        </p:par>
+                      </p:childTnLst>
+                    </p:cTn>
+                  </p:par>
+                  <p:par>
+                    <p:cTn id="8" fill="hold">
+                      <p:stCondLst>
+                        <p:cond delay="indefinite"/>
+                      </p:stCondLst>
+                      <p:childTnLst>
+                        <p:par>
+                          <p:cTn id="9" fill="hold">
+                            <p:stCondLst>
+                              <p:cond delay="0"/>
+                            </p:stCondLst>
+                            <p:childTnLst>
+                              <p:par>
+                                <p:cTn id="10" presetID="10" presetClass="entr" presetSubtype="0" fill="hold" grpId="0" nodeType="clickEffect">
+                                  <p:stCondLst>
+                                    <p:cond delay="0"/>
+                                  </p:stCondLst>
+                                  <p:childTnLst>
+                                    <p:set>
+                                      <p:cBhvr>
+                                        <p:cTn id="11" dur="1" fill="hold">
+                                          <p:stCondLst>
+                                            <p:cond delay="0"/>
+                                          </p:stCondLst>
+                                        </p:cTn>
+                                        <p:tgtEl>
+                                          <p:spTgt spid="3">
+                                            <p:txEl>
+                                              <p:pRg st="1" end="1"/>
+                                            </p:txEl>
+                                          </p:spTgt>
+                                        </p:tgtEl>
+                                        <p:attrNameLst>
+                                          <p:attrName>style.visibility</p:attrName>
+                                        </p:attrNameLst>
+                                      </p:cBhvr>
+                                      <p:to>
+                                        <p:strVal val="visible"/>
+                                      </p:to>
+                                    </p:set>
+                                    <p:animEffect transition="in" filter="fade">
+                                      <p:cBhvr>
+                                        <p:cTn id="12" dur="500"/>
+                                        <p:tgtEl>
+                                          <p:spTgt spid="3">
+                                            <p:txEl>
+                                              <p:pRg st="1" end="1"/>
+                                            </p:txEl>
+                                          </p:spTgt>
+                                        </p:tgtEl>
+                                      </p:cBhvr>
+                                    </p:animEffect>
+                                  </p:childTnLst>
+                                </p:cTn>
+                              </p:par>
+                              <p:par>
+                                <p:cTn id="13" presetID="10" presetClass="entr" presetSubtype="0" fill="hold" grpId="0" nodeType="withEffect">
+                                  <p:stCondLst>
+                                    <p:cond delay="0"/>
+                                  </p:stCondLst>
+                                  <p:childTnLst>
+                                    <p:set>
+                                      <p:cBhvr>
+                                        <p:cTn id="14" dur="1" fill="hold">
+                                          <p:stCondLst>
+                                            <p:cond delay="0"/>
+                                          </p:stCondLst>
+                                        </p:cTn>
+                                        <p:tgtEl>
+                                          <p:spTgt spid="3">
+                                            <p:txEl>
+                                              <p:pRg st="2" end="2"/>
+                                            </p:txEl>
+                                          </p:spTgt>
+                                        </p:tgtEl>
+                                        <p:attrNameLst>
+                                          <p:attrName>style.visibility</p:attrName>
+                                        </p:attrNameLst>
+                                      </p:cBhvr>
+                                      <p:to>
+                                        <p:strVal val="visible"/>
+                                      </p:to>
+                                    </p:set>
+                                    <p:animEffect transition="in" filter="fade">
+                                      <p:cBhvr>
+                                        <p:cTn id="15" dur="500"/>
+                                        <p:tgtEl>
+                                          <p:spTgt spid="3">
+                                            <p:txEl>
+                                              <p:pRg st="2" end="2"/>
+                                            </p:txEl>
+                                          </p:spTgt>
+                                        </p:tgtEl>
+                                      </p:cBhvr>
+                                    </p:animEffect>
+                                  </p:childTnLst>
+                                </p:cTn>
+                              </p:par>
+                              <p:par>
+                                <p:cTn id="16" presetID="10" presetClass="entr" presetSubtype="0" fill="hold" grpId="0" nodeType="withEffect">
+                                  <p:stCondLst>
+                                    <p:cond delay="0"/>
+                                  </p:stCondLst>
+                                  <p:childTnLst>
+                                    <p:set>
+                                      <p:cBhvr>
+                                        <p:cTn id="17" dur="1" fill="hold">
                                           <p:stCondLst>
                                             <p:cond delay="0"/>
                                           </p:stCondLst>
@@ -6686,36 +9090,30 @@
                                         <p:strVal val="visible"/>
                                       </p:to>
                                     </p:set>
+                                    <p:animEffect transition="in" filter="fade">
+                                      <p:cBhvr>
+                                        <p:cTn id="18" dur="500"/>
+                                        <p:tgtEl>
+                                          <p:spTgt spid="3">
+                                            <p:txEl>
+                                              <p:pRg st="3" end="3"/>
+                                            </p:txEl>
+                                          </p:spTgt>
+                                        </p:tgtEl>
+                                      </p:cBhvr>
+                                    </p:animEffect>
                                   </p:childTnLst>
                                 </p:cTn>
                               </p:par>
-                            </p:childTnLst>
-                          </p:cTn>
-                        </p:par>
-                      </p:childTnLst>
-                    </p:cTn>
-                  </p:par>
-                  <p:par>
-                    <p:cTn id="13" fill="hold">
-                      <p:stCondLst>
-                        <p:cond delay="indefinite"/>
-                      </p:stCondLst>
-                      <p:childTnLst>
-                        <p:par>
-                          <p:cTn id="14" fill="hold">
-                            <p:stCondLst>
-                              <p:cond delay="0"/>
-                            </p:stCondLst>
-                            <p:childTnLst>
                               <p:par>
-                                <p:cTn id="15" presetID="1" presetClass="entr" presetSubtype="0" fill="hold" grpId="0" nodeType="clickEffect">
+                                <p:cTn id="19" presetID="10" presetClass="entr" presetSubtype="0" fill="hold" grpId="0" nodeType="withEffect">
                                   <p:stCondLst>
                                     <p:cond delay="0"/>
                                   </p:stCondLst>
                                   <p:childTnLst>
                                     <p:set>
                                       <p:cBhvr>
-                                        <p:cTn id="16" dur="1" fill="hold">
+                                        <p:cTn id="20" dur="1" fill="hold">
                                           <p:stCondLst>
                                             <p:cond delay="0"/>
                                           </p:stCondLst>
@@ -6735,18 +9133,48 @@
                                         <p:strVal val="visible"/>
                                       </p:to>
                                     </p:set>
+                                    <p:animEffect transition="in" filter="fade">
+                                      <p:cBhvr>
+                                        <p:cTn id="21" dur="500"/>
+                                        <p:tgtEl>
+                                          <p:spTgt spid="3">
+                                            <p:txEl>
+                                              <p:pRg st="4" end="4"/>
+                                            </p:txEl>
+                                          </p:spTgt>
+                                        </p:tgtEl>
+                                      </p:cBhvr>
+                                    </p:animEffect>
                                   </p:childTnLst>
                                 </p:cTn>
                               </p:par>
+                            </p:childTnLst>
+                          </p:cTn>
+                        </p:par>
+                      </p:childTnLst>
+                    </p:cTn>
+                  </p:par>
+                  <p:par>
+                    <p:cTn id="22" fill="hold">
+                      <p:stCondLst>
+                        <p:cond delay="indefinite"/>
+                      </p:stCondLst>
+                      <p:childTnLst>
+                        <p:par>
+                          <p:cTn id="23" fill="hold">
+                            <p:stCondLst>
+                              <p:cond delay="0"/>
+                            </p:stCondLst>
+                            <p:childTnLst>
                               <p:par>
-                                <p:cTn id="17" presetID="1" presetClass="entr" presetSubtype="0" fill="hold" grpId="0" nodeType="withEffect">
+                                <p:cTn id="24" presetID="10" presetClass="entr" presetSubtype="0" fill="hold" grpId="0" nodeType="clickEffect">
                                   <p:stCondLst>
                                     <p:cond delay="0"/>
                                   </p:stCondLst>
                                   <p:childTnLst>
                                     <p:set>
                                       <p:cBhvr>
-                                        <p:cTn id="18" dur="1" fill="hold">
+                                        <p:cTn id="25" dur="1" fill="hold">
                                           <p:stCondLst>
                                             <p:cond delay="0"/>
                                           </p:stCondLst>
@@ -6766,37 +9194,18 @@
                                         <p:strVal val="visible"/>
                                       </p:to>
                                     </p:set>
-                                  </p:childTnLst>
-                                </p:cTn>
-                              </p:par>
-                              <p:par>
-                                <p:cTn id="19" presetID="1" presetClass="entr" presetSubtype="0" fill="hold" grpId="0" nodeType="withEffect">
-                                  <p:stCondLst>
-                                    <p:cond delay="0"/>
-                                  </p:stCondLst>
-                                  <p:childTnLst>
-                                    <p:set>
+                                    <p:animEffect transition="in" filter="fade">
                                       <p:cBhvr>
-                                        <p:cTn id="20" dur="1" fill="hold">
-                                          <p:stCondLst>
-                                            <p:cond delay="0"/>
-                                          </p:stCondLst>
-                                        </p:cTn>
+                                        <p:cTn id="26" dur="500"/>
                                         <p:tgtEl>
                                           <p:spTgt spid="3">
                                             <p:txEl>
-                                              <p:pRg st="6" end="6"/>
+                                              <p:pRg st="5" end="5"/>
                                             </p:txEl>
                                           </p:spTgt>
                                         </p:tgtEl>
-                                        <p:attrNameLst>
-                                          <p:attrName>style.visibility</p:attrName>
-                                        </p:attrNameLst>
                                       </p:cBhvr>
-                                      <p:to>
-                                        <p:strVal val="visible"/>
-                                      </p:to>
-                                    </p:set>
+                                    </p:animEffect>
                                   </p:childTnLst>
                                 </p:cTn>
                               </p:par>
@@ -6807,36 +9216,32 @@
                     </p:cTn>
                   </p:par>
                   <p:par>
-                    <p:cTn id="21" fill="hold">
+                    <p:cTn id="27" fill="hold">
                       <p:stCondLst>
                         <p:cond delay="indefinite"/>
                       </p:stCondLst>
                       <p:childTnLst>
                         <p:par>
-                          <p:cTn id="22" fill="hold">
+                          <p:cTn id="28" fill="hold">
                             <p:stCondLst>
                               <p:cond delay="0"/>
                             </p:stCondLst>
                             <p:childTnLst>
                               <p:par>
-                                <p:cTn id="23" presetID="1" presetClass="entr" presetSubtype="0" fill="hold" grpId="0" nodeType="clickEffect">
+                                <p:cTn id="29" presetID="10" presetClass="entr" presetSubtype="0" fill="hold" grpId="0" nodeType="clickEffect">
                                   <p:stCondLst>
                                     <p:cond delay="0"/>
                                   </p:stCondLst>
                                   <p:childTnLst>
                                     <p:set>
                                       <p:cBhvr>
-                                        <p:cTn id="24" dur="1" fill="hold">
+                                        <p:cTn id="30" dur="1" fill="hold">
                                           <p:stCondLst>
                                             <p:cond delay="0"/>
                                           </p:stCondLst>
                                         </p:cTn>
                                         <p:tgtEl>
-                                          <p:spTgt spid="3">
-                                            <p:txEl>
-                                              <p:pRg st="7" end="7"/>
-                                            </p:txEl>
-                                          </p:spTgt>
+                                          <p:spTgt spid="4"/>
                                         </p:tgtEl>
                                         <p:attrNameLst>
                                           <p:attrName>style.visibility</p:attrName>
@@ -6846,6 +9251,14 @@
                                         <p:strVal val="visible"/>
                                       </p:to>
                                     </p:set>
+                                    <p:animEffect transition="in" filter="fade">
+                                      <p:cBhvr>
+                                        <p:cTn id="31" dur="500"/>
+                                        <p:tgtEl>
+                                          <p:spTgt spid="4"/>
+                                        </p:tgtEl>
+                                      </p:cBhvr>
+                                    </p:animEffect>
                                   </p:childTnLst>
                                 </p:cTn>
                               </p:par>
@@ -6878,1102 +9291,7 @@
     </p:tnLst>
     <p:bldLst>
       <p:bldP spid="3" grpId="0" build="p"/>
-    </p:bldLst>
-  </p:timing>
-</p:sld>
-</file>
-
-<file path=ppt/slides/slide5.xml><?xml version="1.0" encoding="utf-8"?>
-<p:sld xmlns:a="http://schemas.openxmlformats.org/drawingml/2006/main" xmlns:r="http://schemas.openxmlformats.org/officeDocument/2006/relationships" xmlns:p="http://schemas.openxmlformats.org/presentationml/2006/main">
-  <p:cSld>
-    <p:spTree>
-      <p:nvGrpSpPr>
-        <p:cNvPr id="1" name=""/>
-        <p:cNvGrpSpPr/>
-        <p:nvPr/>
-      </p:nvGrpSpPr>
-      <p:grpSpPr>
-        <a:xfrm>
-          <a:off x="0" y="0"/>
-          <a:ext cx="0" cy="0"/>
-          <a:chOff x="0" y="0"/>
-          <a:chExt cx="0" cy="0"/>
-        </a:xfrm>
-      </p:grpSpPr>
-      <p:sp>
-        <p:nvSpPr>
-          <p:cNvPr id="2" name="Title 1">
-            <a:extLst>
-              <a:ext uri="{FF2B5EF4-FFF2-40B4-BE49-F238E27FC236}">
-                <a16:creationId xmlns:a16="http://schemas.microsoft.com/office/drawing/2014/main" id="{CE93B9A9-5430-43CA-A076-1B33A322CAF1}"/>
-              </a:ext>
-            </a:extLst>
-          </p:cNvPr>
-          <p:cNvSpPr>
-            <a:spLocks noGrp="1"/>
-          </p:cNvSpPr>
-          <p:nvPr>
-            <p:ph type="title"/>
-          </p:nvPr>
-        </p:nvSpPr>
-        <p:spPr/>
-        <p:txBody>
-          <a:bodyPr/>
-          <a:lstStyle/>
-          <a:p>
-            <a:r>
-              <a:rPr lang="en-GB" dirty="0"/>
-              <a:t>Suggested activities</a:t>
-            </a:r>
-          </a:p>
-        </p:txBody>
-      </p:sp>
-      <p:sp>
-        <p:nvSpPr>
-          <p:cNvPr id="3" name="Content Placeholder 2">
-            <a:extLst>
-              <a:ext uri="{FF2B5EF4-FFF2-40B4-BE49-F238E27FC236}">
-                <a16:creationId xmlns:a16="http://schemas.microsoft.com/office/drawing/2014/main" id="{A8B5FB3A-DBC2-49E7-B8E9-76B44D37034D}"/>
-              </a:ext>
-            </a:extLst>
-          </p:cNvPr>
-          <p:cNvSpPr>
-            <a:spLocks noGrp="1"/>
-          </p:cNvSpPr>
-          <p:nvPr>
-            <p:ph idx="1"/>
-          </p:nvPr>
-        </p:nvSpPr>
-        <p:spPr>
-          <a:xfrm>
-            <a:off x="1066800" y="1864129"/>
-            <a:ext cx="10058400" cy="4112286"/>
-          </a:xfrm>
-        </p:spPr>
-        <p:txBody>
-          <a:bodyPr>
-            <a:noAutofit/>
-          </a:bodyPr>
-          <a:lstStyle/>
-          <a:p>
-            <a:pPr marL="514350" indent="-514350">
-              <a:buFont typeface="+mj-lt"/>
-              <a:buAutoNum type="arabicPeriod"/>
-            </a:pPr>
-            <a:r>
-              <a:rPr lang="en-GB" sz="2000" b="1" dirty="0"/>
-              <a:t>Top recommendation </a:t>
-            </a:r>
-            <a:r>
-              <a:rPr lang="en-GB" sz="2000" dirty="0"/>
-              <a:t>–</a:t>
-            </a:r>
-            <a:r>
-              <a:rPr lang="en-GB" sz="2000" b="1" dirty="0"/>
-              <a:t> </a:t>
-            </a:r>
-            <a:r>
-              <a:rPr lang="en-GB" sz="2000" dirty="0"/>
-              <a:t>start creating your portfolio outline using your chosen web platform.</a:t>
-            </a:r>
-          </a:p>
-          <a:p>
-            <a:pPr marL="514350" indent="-514350">
-              <a:buFont typeface="+mj-lt"/>
-              <a:buAutoNum type="arabicPeriod"/>
-            </a:pPr>
-            <a:r>
-              <a:rPr lang="en-GB" sz="2000" b="1" dirty="0"/>
-              <a:t>Also recommended </a:t>
-            </a:r>
-            <a:r>
-              <a:rPr lang="en-GB" sz="2000" dirty="0"/>
-              <a:t>–</a:t>
-            </a:r>
-          </a:p>
-          <a:p>
-            <a:pPr marL="788670" lvl="1" indent="-514350">
-              <a:buFont typeface="+mj-lt"/>
-              <a:buAutoNum type="alphaLcParenR"/>
-            </a:pPr>
-            <a:r>
-              <a:rPr lang="en-GB" sz="2000" dirty="0">
-                <a:solidFill>
-                  <a:schemeClr val="accent2">
-                    <a:lumMod val="50000"/>
-                  </a:schemeClr>
-                </a:solidFill>
-              </a:rPr>
-              <a:t>Look up the date/time of your poster presentation.</a:t>
-            </a:r>
-          </a:p>
-          <a:p>
-            <a:pPr marL="788670" lvl="1" indent="-514350">
-              <a:buFont typeface="+mj-lt"/>
-              <a:buAutoNum type="alphaLcParenR"/>
-            </a:pPr>
-            <a:r>
-              <a:rPr lang="en-GB" sz="2000" dirty="0"/>
-              <a:t>Start/continue writing about the research you’ve done and your argument.</a:t>
-            </a:r>
-          </a:p>
-          <a:p>
-            <a:pPr marL="514350" indent="-514350">
-              <a:buFont typeface="+mj-lt"/>
-              <a:buAutoNum type="arabicPeriod"/>
-            </a:pPr>
-            <a:r>
-              <a:rPr lang="en-GB" sz="2000" b="1" dirty="0"/>
-              <a:t>If you need to</a:t>
-            </a:r>
-            <a:r>
-              <a:rPr lang="en-GB" sz="2000" dirty="0"/>
-              <a:t> – continue work on your artefact.</a:t>
-            </a:r>
-          </a:p>
-          <a:p>
-            <a:pPr marL="514350" indent="-514350">
-              <a:buFont typeface="+mj-lt"/>
-              <a:buAutoNum type="arabicPeriod"/>
-            </a:pPr>
-            <a:endParaRPr lang="en-GB" sz="2000" b="1" dirty="0"/>
-          </a:p>
-          <a:p>
-            <a:pPr marL="0" indent="0">
-              <a:buNone/>
-            </a:pPr>
-            <a:r>
-              <a:rPr lang="en-GB" sz="2000" dirty="0"/>
-              <a:t>Find these slides online at:</a:t>
-            </a:r>
-          </a:p>
-          <a:p>
-            <a:pPr marL="0" indent="0">
-              <a:buNone/>
-            </a:pPr>
-            <a:r>
-              <a:rPr lang="en-GB" sz="2000" dirty="0">
-                <a:hlinkClick r:id="rId2"/>
-              </a:rPr>
-              <a:t>https://github.com/Falmouth-Games-Academy/</a:t>
-            </a:r>
-            <a:r>
-              <a:rPr lang="en-GB" sz="2000" b="1" dirty="0">
-                <a:hlinkClick r:id="rId2"/>
-              </a:rPr>
-              <a:t>COMP2x0-workshop-slides</a:t>
-            </a:r>
-            <a:endParaRPr lang="en-GB" sz="2000" b="1" dirty="0"/>
-          </a:p>
-        </p:txBody>
-      </p:sp>
-    </p:spTree>
-    <p:extLst>
-      <p:ext uri="{BB962C8B-B14F-4D97-AF65-F5344CB8AC3E}">
-        <p14:creationId xmlns:p14="http://schemas.microsoft.com/office/powerpoint/2010/main" val="4214232663"/>
-      </p:ext>
-    </p:extLst>
-  </p:cSld>
-  <p:clrMapOvr>
-    <a:masterClrMapping/>
-  </p:clrMapOvr>
-  <p:timing>
-    <p:tnLst>
-      <p:par>
-        <p:cTn id="1" dur="indefinite" restart="never" nodeType="tmRoot">
-          <p:childTnLst>
-            <p:seq concurrent="1" nextAc="seek">
-              <p:cTn id="2" dur="indefinite" nodeType="mainSeq">
-                <p:childTnLst>
-                  <p:par>
-                    <p:cTn id="3" fill="hold">
-                      <p:stCondLst>
-                        <p:cond delay="indefinite"/>
-                      </p:stCondLst>
-                      <p:childTnLst>
-                        <p:par>
-                          <p:cTn id="4" fill="hold">
-                            <p:stCondLst>
-                              <p:cond delay="0"/>
-                            </p:stCondLst>
-                            <p:childTnLst>
-                              <p:par>
-                                <p:cTn id="5" presetID="1" presetClass="entr" presetSubtype="0" fill="hold" grpId="0" nodeType="clickEffect">
-                                  <p:stCondLst>
-                                    <p:cond delay="0"/>
-                                  </p:stCondLst>
-                                  <p:childTnLst>
-                                    <p:set>
-                                      <p:cBhvr>
-                                        <p:cTn id="6" dur="1" fill="hold">
-                                          <p:stCondLst>
-                                            <p:cond delay="0"/>
-                                          </p:stCondLst>
-                                        </p:cTn>
-                                        <p:tgtEl>
-                                          <p:spTgt spid="3">
-                                            <p:txEl>
-                                              <p:pRg st="0" end="0"/>
-                                            </p:txEl>
-                                          </p:spTgt>
-                                        </p:tgtEl>
-                                        <p:attrNameLst>
-                                          <p:attrName>style.visibility</p:attrName>
-                                        </p:attrNameLst>
-                                      </p:cBhvr>
-                                      <p:to>
-                                        <p:strVal val="visible"/>
-                                      </p:to>
-                                    </p:set>
-                                  </p:childTnLst>
-                                </p:cTn>
-                              </p:par>
-                            </p:childTnLst>
-                          </p:cTn>
-                        </p:par>
-                      </p:childTnLst>
-                    </p:cTn>
-                  </p:par>
-                  <p:par>
-                    <p:cTn id="7" fill="hold">
-                      <p:stCondLst>
-                        <p:cond delay="indefinite"/>
-                      </p:stCondLst>
-                      <p:childTnLst>
-                        <p:par>
-                          <p:cTn id="8" fill="hold">
-                            <p:stCondLst>
-                              <p:cond delay="0"/>
-                            </p:stCondLst>
-                            <p:childTnLst>
-                              <p:par>
-                                <p:cTn id="9" presetID="1" presetClass="entr" presetSubtype="0" fill="hold" grpId="0" nodeType="clickEffect">
-                                  <p:stCondLst>
-                                    <p:cond delay="0"/>
-                                  </p:stCondLst>
-                                  <p:childTnLst>
-                                    <p:set>
-                                      <p:cBhvr>
-                                        <p:cTn id="10" dur="1" fill="hold">
-                                          <p:stCondLst>
-                                            <p:cond delay="0"/>
-                                          </p:stCondLst>
-                                        </p:cTn>
-                                        <p:tgtEl>
-                                          <p:spTgt spid="3">
-                                            <p:txEl>
-                                              <p:pRg st="1" end="1"/>
-                                            </p:txEl>
-                                          </p:spTgt>
-                                        </p:tgtEl>
-                                        <p:attrNameLst>
-                                          <p:attrName>style.visibility</p:attrName>
-                                        </p:attrNameLst>
-                                      </p:cBhvr>
-                                      <p:to>
-                                        <p:strVal val="visible"/>
-                                      </p:to>
-                                    </p:set>
-                                  </p:childTnLst>
-                                </p:cTn>
-                              </p:par>
-                              <p:par>
-                                <p:cTn id="11" presetID="1" presetClass="entr" presetSubtype="0" fill="hold" grpId="0" nodeType="withEffect">
-                                  <p:stCondLst>
-                                    <p:cond delay="0"/>
-                                  </p:stCondLst>
-                                  <p:childTnLst>
-                                    <p:set>
-                                      <p:cBhvr>
-                                        <p:cTn id="12" dur="1" fill="hold">
-                                          <p:stCondLst>
-                                            <p:cond delay="0"/>
-                                          </p:stCondLst>
-                                        </p:cTn>
-                                        <p:tgtEl>
-                                          <p:spTgt spid="3">
-                                            <p:txEl>
-                                              <p:pRg st="2" end="2"/>
-                                            </p:txEl>
-                                          </p:spTgt>
-                                        </p:tgtEl>
-                                        <p:attrNameLst>
-                                          <p:attrName>style.visibility</p:attrName>
-                                        </p:attrNameLst>
-                                      </p:cBhvr>
-                                      <p:to>
-                                        <p:strVal val="visible"/>
-                                      </p:to>
-                                    </p:set>
-                                  </p:childTnLst>
-                                </p:cTn>
-                              </p:par>
-                              <p:par>
-                                <p:cTn id="13" presetID="1" presetClass="entr" presetSubtype="0" fill="hold" grpId="0" nodeType="withEffect">
-                                  <p:stCondLst>
-                                    <p:cond delay="0"/>
-                                  </p:stCondLst>
-                                  <p:childTnLst>
-                                    <p:set>
-                                      <p:cBhvr>
-                                        <p:cTn id="14" dur="1" fill="hold">
-                                          <p:stCondLst>
-                                            <p:cond delay="0"/>
-                                          </p:stCondLst>
-                                        </p:cTn>
-                                        <p:tgtEl>
-                                          <p:spTgt spid="3">
-                                            <p:txEl>
-                                              <p:pRg st="3" end="3"/>
-                                            </p:txEl>
-                                          </p:spTgt>
-                                        </p:tgtEl>
-                                        <p:attrNameLst>
-                                          <p:attrName>style.visibility</p:attrName>
-                                        </p:attrNameLst>
-                                      </p:cBhvr>
-                                      <p:to>
-                                        <p:strVal val="visible"/>
-                                      </p:to>
-                                    </p:set>
-                                  </p:childTnLst>
-                                </p:cTn>
-                              </p:par>
-                            </p:childTnLst>
-                          </p:cTn>
-                        </p:par>
-                      </p:childTnLst>
-                    </p:cTn>
-                  </p:par>
-                  <p:par>
-                    <p:cTn id="15" fill="hold">
-                      <p:stCondLst>
-                        <p:cond delay="indefinite"/>
-                      </p:stCondLst>
-                      <p:childTnLst>
-                        <p:par>
-                          <p:cTn id="16" fill="hold">
-                            <p:stCondLst>
-                              <p:cond delay="0"/>
-                            </p:stCondLst>
-                            <p:childTnLst>
-                              <p:par>
-                                <p:cTn id="17" presetID="1" presetClass="entr" presetSubtype="0" fill="hold" grpId="0" nodeType="clickEffect">
-                                  <p:stCondLst>
-                                    <p:cond delay="0"/>
-                                  </p:stCondLst>
-                                  <p:childTnLst>
-                                    <p:set>
-                                      <p:cBhvr>
-                                        <p:cTn id="18" dur="1" fill="hold">
-                                          <p:stCondLst>
-                                            <p:cond delay="0"/>
-                                          </p:stCondLst>
-                                        </p:cTn>
-                                        <p:tgtEl>
-                                          <p:spTgt spid="3">
-                                            <p:txEl>
-                                              <p:pRg st="4" end="4"/>
-                                            </p:txEl>
-                                          </p:spTgt>
-                                        </p:tgtEl>
-                                        <p:attrNameLst>
-                                          <p:attrName>style.visibility</p:attrName>
-                                        </p:attrNameLst>
-                                      </p:cBhvr>
-                                      <p:to>
-                                        <p:strVal val="visible"/>
-                                      </p:to>
-                                    </p:set>
-                                  </p:childTnLst>
-                                </p:cTn>
-                              </p:par>
-                            </p:childTnLst>
-                          </p:cTn>
-                        </p:par>
-                      </p:childTnLst>
-                    </p:cTn>
-                  </p:par>
-                  <p:par>
-                    <p:cTn id="19" fill="hold">
-                      <p:stCondLst>
-                        <p:cond delay="indefinite"/>
-                      </p:stCondLst>
-                      <p:childTnLst>
-                        <p:par>
-                          <p:cTn id="20" fill="hold">
-                            <p:stCondLst>
-                              <p:cond delay="0"/>
-                            </p:stCondLst>
-                            <p:childTnLst>
-                              <p:par>
-                                <p:cTn id="21" presetID="1" presetClass="entr" presetSubtype="0" fill="hold" grpId="0" nodeType="clickEffect">
-                                  <p:stCondLst>
-                                    <p:cond delay="0"/>
-                                  </p:stCondLst>
-                                  <p:childTnLst>
-                                    <p:set>
-                                      <p:cBhvr>
-                                        <p:cTn id="22" dur="1" fill="hold">
-                                          <p:stCondLst>
-                                            <p:cond delay="0"/>
-                                          </p:stCondLst>
-                                        </p:cTn>
-                                        <p:tgtEl>
-                                          <p:spTgt spid="3">
-                                            <p:txEl>
-                                              <p:pRg st="6" end="6"/>
-                                            </p:txEl>
-                                          </p:spTgt>
-                                        </p:tgtEl>
-                                        <p:attrNameLst>
-                                          <p:attrName>style.visibility</p:attrName>
-                                        </p:attrNameLst>
-                                      </p:cBhvr>
-                                      <p:to>
-                                        <p:strVal val="visible"/>
-                                      </p:to>
-                                    </p:set>
-                                  </p:childTnLst>
-                                </p:cTn>
-                              </p:par>
-                            </p:childTnLst>
-                          </p:cTn>
-                        </p:par>
-                      </p:childTnLst>
-                    </p:cTn>
-                  </p:par>
-                  <p:par>
-                    <p:cTn id="23" fill="hold">
-                      <p:stCondLst>
-                        <p:cond delay="indefinite"/>
-                      </p:stCondLst>
-                      <p:childTnLst>
-                        <p:par>
-                          <p:cTn id="24" fill="hold">
-                            <p:stCondLst>
-                              <p:cond delay="0"/>
-                            </p:stCondLst>
-                            <p:childTnLst>
-                              <p:par>
-                                <p:cTn id="25" presetID="1" presetClass="entr" presetSubtype="0" fill="hold" grpId="0" nodeType="clickEffect">
-                                  <p:stCondLst>
-                                    <p:cond delay="0"/>
-                                  </p:stCondLst>
-                                  <p:childTnLst>
-                                    <p:set>
-                                      <p:cBhvr>
-                                        <p:cTn id="26" dur="1" fill="hold">
-                                          <p:stCondLst>
-                                            <p:cond delay="0"/>
-                                          </p:stCondLst>
-                                        </p:cTn>
-                                        <p:tgtEl>
-                                          <p:spTgt spid="3">
-                                            <p:txEl>
-                                              <p:pRg st="7" end="7"/>
-                                            </p:txEl>
-                                          </p:spTgt>
-                                        </p:tgtEl>
-                                        <p:attrNameLst>
-                                          <p:attrName>style.visibility</p:attrName>
-                                        </p:attrNameLst>
-                                      </p:cBhvr>
-                                      <p:to>
-                                        <p:strVal val="visible"/>
-                                      </p:to>
-                                    </p:set>
-                                  </p:childTnLst>
-                                </p:cTn>
-                              </p:par>
-                            </p:childTnLst>
-                          </p:cTn>
-                        </p:par>
-                      </p:childTnLst>
-                    </p:cTn>
-                  </p:par>
-                </p:childTnLst>
-              </p:cTn>
-              <p:prevCondLst>
-                <p:cond evt="onPrev" delay="0">
-                  <p:tgtEl>
-                    <p:sldTgt/>
-                  </p:tgtEl>
-                </p:cond>
-              </p:prevCondLst>
-              <p:nextCondLst>
-                <p:cond evt="onNext" delay="0">
-                  <p:tgtEl>
-                    <p:sldTgt/>
-                  </p:tgtEl>
-                </p:cond>
-              </p:nextCondLst>
-            </p:seq>
-          </p:childTnLst>
-        </p:cTn>
-      </p:par>
-    </p:tnLst>
-    <p:bldLst>
-      <p:bldP spid="3" grpId="0" build="p"/>
-    </p:bldLst>
-  </p:timing>
-</p:sld>
-</file>
-
-<file path=ppt/slides/slide6.xml><?xml version="1.0" encoding="utf-8"?>
-<p:sld xmlns:a="http://schemas.openxmlformats.org/drawingml/2006/main" xmlns:r="http://schemas.openxmlformats.org/officeDocument/2006/relationships" xmlns:p="http://schemas.openxmlformats.org/presentationml/2006/main">
-  <p:cSld>
-    <p:spTree>
-      <p:nvGrpSpPr>
-        <p:cNvPr id="1" name=""/>
-        <p:cNvGrpSpPr/>
-        <p:nvPr/>
-      </p:nvGrpSpPr>
-      <p:grpSpPr>
-        <a:xfrm>
-          <a:off x="0" y="0"/>
-          <a:ext cx="0" cy="0"/>
-          <a:chOff x="0" y="0"/>
-          <a:chExt cx="0" cy="0"/>
-        </a:xfrm>
-      </p:grpSpPr>
-      <p:sp>
-        <p:nvSpPr>
-          <p:cNvPr id="2" name="Title 1">
-            <a:extLst>
-              <a:ext uri="{FF2B5EF4-FFF2-40B4-BE49-F238E27FC236}">
-                <a16:creationId xmlns:a16="http://schemas.microsoft.com/office/drawing/2014/main" id="{CE93B9A9-5430-43CA-A076-1B33A322CAF1}"/>
-              </a:ext>
-            </a:extLst>
-          </p:cNvPr>
-          <p:cNvSpPr>
-            <a:spLocks noGrp="1"/>
-          </p:cNvSpPr>
-          <p:nvPr>
-            <p:ph type="title"/>
-          </p:nvPr>
-        </p:nvSpPr>
-        <p:spPr/>
-        <p:txBody>
-          <a:bodyPr/>
-          <a:lstStyle/>
-          <a:p>
-            <a:r>
-              <a:rPr lang="en-GB" dirty="0"/>
-              <a:t>Suggested activities</a:t>
-            </a:r>
-          </a:p>
-        </p:txBody>
-      </p:sp>
-      <p:sp>
-        <p:nvSpPr>
-          <p:cNvPr id="3" name="Content Placeholder 2">
-            <a:extLst>
-              <a:ext uri="{FF2B5EF4-FFF2-40B4-BE49-F238E27FC236}">
-                <a16:creationId xmlns:a16="http://schemas.microsoft.com/office/drawing/2014/main" id="{A8B5FB3A-DBC2-49E7-B8E9-76B44D37034D}"/>
-              </a:ext>
-            </a:extLst>
-          </p:cNvPr>
-          <p:cNvSpPr>
-            <a:spLocks noGrp="1"/>
-          </p:cNvSpPr>
-          <p:nvPr>
-            <p:ph idx="1"/>
-          </p:nvPr>
-        </p:nvSpPr>
-        <p:spPr>
-          <a:xfrm>
-            <a:off x="1066800" y="1864129"/>
-            <a:ext cx="10058400" cy="4112286"/>
-          </a:xfrm>
-        </p:spPr>
-        <p:txBody>
-          <a:bodyPr>
-            <a:noAutofit/>
-          </a:bodyPr>
-          <a:lstStyle/>
-          <a:p>
-            <a:pPr marL="514350" indent="-514350">
-              <a:buFont typeface="+mj-lt"/>
-              <a:buAutoNum type="arabicPeriod"/>
-            </a:pPr>
-            <a:r>
-              <a:rPr lang="en-GB" sz="2000" b="1" dirty="0"/>
-              <a:t>Top recommendation </a:t>
-            </a:r>
-            <a:r>
-              <a:rPr lang="en-GB" sz="2000" dirty="0"/>
-              <a:t>–</a:t>
-            </a:r>
-            <a:r>
-              <a:rPr lang="en-GB" sz="2000" b="1" dirty="0"/>
-              <a:t> </a:t>
-            </a:r>
-            <a:r>
-              <a:rPr lang="en-GB" sz="2000" dirty="0"/>
-              <a:t>spend at least some time investigating web platforms (e.g. </a:t>
-            </a:r>
-            <a:r>
-              <a:rPr lang="en-GB" sz="2000" dirty="0" err="1"/>
-              <a:t>Wordpress</a:t>
-            </a:r>
-            <a:r>
-              <a:rPr lang="en-GB" sz="2000" dirty="0"/>
-              <a:t>, GitHub pages, </a:t>
-            </a:r>
-            <a:r>
-              <a:rPr lang="en-GB" sz="2000" dirty="0" err="1"/>
-              <a:t>Wix</a:t>
-            </a:r>
-            <a:r>
-              <a:rPr lang="en-GB" sz="2000" dirty="0"/>
-              <a:t>, Weebly…) to determine:</a:t>
-            </a:r>
-          </a:p>
-          <a:p>
-            <a:pPr marL="788670" lvl="1" indent="-514350">
-              <a:buFont typeface="+mj-lt"/>
-              <a:buAutoNum type="alphaLcParenR"/>
-            </a:pPr>
-            <a:r>
-              <a:rPr lang="en-GB" sz="2000" dirty="0"/>
-              <a:t>How easy is it to use/get the look you want? Try setting up a basic page with some text and images.</a:t>
-            </a:r>
-          </a:p>
-          <a:p>
-            <a:pPr marL="788670" lvl="1" indent="-514350">
-              <a:buFont typeface="+mj-lt"/>
-              <a:buAutoNum type="alphaLcParenR"/>
-            </a:pPr>
-            <a:r>
-              <a:rPr lang="en-GB" sz="2000" dirty="0"/>
-              <a:t>How easy is it to download an html copy that works offline? (</a:t>
-            </a:r>
-            <a:r>
-              <a:rPr lang="en-GB" sz="2000" i="1" dirty="0"/>
-              <a:t>Test this out!)</a:t>
-            </a:r>
-          </a:p>
-          <a:p>
-            <a:pPr lvl="2">
-              <a:buFont typeface="Arial" panose="020B0604020202020204" pitchFamily="34" charset="0"/>
-              <a:buChar char="•"/>
-            </a:pPr>
-            <a:r>
-              <a:rPr lang="en-GB" sz="2000" dirty="0"/>
-              <a:t>Investigate 3rd party tools if need be, e.g. </a:t>
-            </a:r>
-            <a:r>
-              <a:rPr lang="en-GB" sz="2000" dirty="0" err="1"/>
-              <a:t>SiteSucker</a:t>
-            </a:r>
-            <a:r>
-              <a:rPr lang="en-GB" sz="2000" dirty="0"/>
-              <a:t> (MacOS), </a:t>
-            </a:r>
-            <a:r>
-              <a:rPr lang="en-GB" sz="2000" dirty="0" err="1"/>
-              <a:t>WebCopy</a:t>
-            </a:r>
-            <a:r>
-              <a:rPr lang="en-GB" sz="2000" dirty="0"/>
-              <a:t> (Windows)</a:t>
-            </a:r>
-          </a:p>
-          <a:p>
-            <a:pPr marL="514350" indent="-514350">
-              <a:buFont typeface="+mj-lt"/>
-              <a:buAutoNum type="arabicPeriod"/>
-            </a:pPr>
-            <a:r>
-              <a:rPr lang="en-GB" sz="2000" b="1" dirty="0"/>
-              <a:t>Also recommended </a:t>
-            </a:r>
-            <a:r>
-              <a:rPr lang="en-GB" sz="2000" dirty="0"/>
-              <a:t>–</a:t>
-            </a:r>
-          </a:p>
-          <a:p>
-            <a:pPr marL="788670" lvl="1" indent="-514350">
-              <a:buFont typeface="+mj-lt"/>
-              <a:buAutoNum type="alphaLcParenR"/>
-            </a:pPr>
-            <a:r>
-              <a:rPr lang="en-GB" sz="2000" dirty="0"/>
-              <a:t>Start writing about the research you’ve done and your argument.</a:t>
-            </a:r>
-          </a:p>
-          <a:p>
-            <a:pPr marL="788670" lvl="1" indent="-514350">
-              <a:buFont typeface="+mj-lt"/>
-              <a:buAutoNum type="alphaLcParenR"/>
-            </a:pPr>
-            <a:r>
-              <a:rPr lang="en-GB" sz="2000" dirty="0"/>
-              <a:t>Start drafting your poster – e.g. make notes on content for each section; create/start creating your UML diagram.</a:t>
-            </a:r>
-          </a:p>
-          <a:p>
-            <a:pPr marL="514350" indent="-514350">
-              <a:buFont typeface="+mj-lt"/>
-              <a:buAutoNum type="arabicPeriod"/>
-            </a:pPr>
-            <a:r>
-              <a:rPr lang="en-GB" sz="2000" b="1" dirty="0"/>
-              <a:t>If you need to</a:t>
-            </a:r>
-            <a:r>
-              <a:rPr lang="en-GB" sz="2000" dirty="0"/>
-              <a:t> – continue work on your artefact.</a:t>
-            </a:r>
-            <a:endParaRPr lang="en-GB" sz="2000" b="1" dirty="0"/>
-          </a:p>
-        </p:txBody>
-      </p:sp>
-    </p:spTree>
-    <p:extLst>
-      <p:ext uri="{BB962C8B-B14F-4D97-AF65-F5344CB8AC3E}">
-        <p14:creationId xmlns:p14="http://schemas.microsoft.com/office/powerpoint/2010/main" val="2987205183"/>
-      </p:ext>
-    </p:extLst>
-  </p:cSld>
-  <p:clrMapOvr>
-    <a:masterClrMapping/>
-  </p:clrMapOvr>
-  <p:timing>
-    <p:tnLst>
-      <p:par>
-        <p:cTn id="1" dur="indefinite" restart="never" nodeType="tmRoot">
-          <p:childTnLst>
-            <p:seq concurrent="1" nextAc="seek">
-              <p:cTn id="2" dur="indefinite" nodeType="mainSeq">
-                <p:childTnLst>
-                  <p:par>
-                    <p:cTn id="3" fill="hold">
-                      <p:stCondLst>
-                        <p:cond delay="indefinite"/>
-                      </p:stCondLst>
-                      <p:childTnLst>
-                        <p:par>
-                          <p:cTn id="4" fill="hold">
-                            <p:stCondLst>
-                              <p:cond delay="0"/>
-                            </p:stCondLst>
-                            <p:childTnLst>
-                              <p:par>
-                                <p:cTn id="5" presetID="1" presetClass="entr" presetSubtype="0" fill="hold" grpId="0" nodeType="clickEffect">
-                                  <p:stCondLst>
-                                    <p:cond delay="0"/>
-                                  </p:stCondLst>
-                                  <p:childTnLst>
-                                    <p:set>
-                                      <p:cBhvr>
-                                        <p:cTn id="6" dur="1" fill="hold">
-                                          <p:stCondLst>
-                                            <p:cond delay="0"/>
-                                          </p:stCondLst>
-                                        </p:cTn>
-                                        <p:tgtEl>
-                                          <p:spTgt spid="3">
-                                            <p:txEl>
-                                              <p:pRg st="0" end="0"/>
-                                            </p:txEl>
-                                          </p:spTgt>
-                                        </p:tgtEl>
-                                        <p:attrNameLst>
-                                          <p:attrName>style.visibility</p:attrName>
-                                        </p:attrNameLst>
-                                      </p:cBhvr>
-                                      <p:to>
-                                        <p:strVal val="visible"/>
-                                      </p:to>
-                                    </p:set>
-                                  </p:childTnLst>
-                                </p:cTn>
-                              </p:par>
-                              <p:par>
-                                <p:cTn id="7" presetID="1" presetClass="entr" presetSubtype="0" fill="hold" grpId="0" nodeType="withEffect">
-                                  <p:stCondLst>
-                                    <p:cond delay="0"/>
-                                  </p:stCondLst>
-                                  <p:childTnLst>
-                                    <p:set>
-                                      <p:cBhvr>
-                                        <p:cTn id="8" dur="1" fill="hold">
-                                          <p:stCondLst>
-                                            <p:cond delay="0"/>
-                                          </p:stCondLst>
-                                        </p:cTn>
-                                        <p:tgtEl>
-                                          <p:spTgt spid="3">
-                                            <p:txEl>
-                                              <p:pRg st="1" end="1"/>
-                                            </p:txEl>
-                                          </p:spTgt>
-                                        </p:tgtEl>
-                                        <p:attrNameLst>
-                                          <p:attrName>style.visibility</p:attrName>
-                                        </p:attrNameLst>
-                                      </p:cBhvr>
-                                      <p:to>
-                                        <p:strVal val="visible"/>
-                                      </p:to>
-                                    </p:set>
-                                  </p:childTnLst>
-                                </p:cTn>
-                              </p:par>
-                              <p:par>
-                                <p:cTn id="9" presetID="1" presetClass="entr" presetSubtype="0" fill="hold" grpId="0" nodeType="withEffect">
-                                  <p:stCondLst>
-                                    <p:cond delay="0"/>
-                                  </p:stCondLst>
-                                  <p:childTnLst>
-                                    <p:set>
-                                      <p:cBhvr>
-                                        <p:cTn id="10" dur="1" fill="hold">
-                                          <p:stCondLst>
-                                            <p:cond delay="0"/>
-                                          </p:stCondLst>
-                                        </p:cTn>
-                                        <p:tgtEl>
-                                          <p:spTgt spid="3">
-                                            <p:txEl>
-                                              <p:pRg st="2" end="2"/>
-                                            </p:txEl>
-                                          </p:spTgt>
-                                        </p:tgtEl>
-                                        <p:attrNameLst>
-                                          <p:attrName>style.visibility</p:attrName>
-                                        </p:attrNameLst>
-                                      </p:cBhvr>
-                                      <p:to>
-                                        <p:strVal val="visible"/>
-                                      </p:to>
-                                    </p:set>
-                                  </p:childTnLst>
-                                </p:cTn>
-                              </p:par>
-                              <p:par>
-                                <p:cTn id="11" presetID="1" presetClass="entr" presetSubtype="0" fill="hold" grpId="0" nodeType="withEffect">
-                                  <p:stCondLst>
-                                    <p:cond delay="0"/>
-                                  </p:stCondLst>
-                                  <p:childTnLst>
-                                    <p:set>
-                                      <p:cBhvr>
-                                        <p:cTn id="12" dur="1" fill="hold">
-                                          <p:stCondLst>
-                                            <p:cond delay="0"/>
-                                          </p:stCondLst>
-                                        </p:cTn>
-                                        <p:tgtEl>
-                                          <p:spTgt spid="3">
-                                            <p:txEl>
-                                              <p:pRg st="3" end="3"/>
-                                            </p:txEl>
-                                          </p:spTgt>
-                                        </p:tgtEl>
-                                        <p:attrNameLst>
-                                          <p:attrName>style.visibility</p:attrName>
-                                        </p:attrNameLst>
-                                      </p:cBhvr>
-                                      <p:to>
-                                        <p:strVal val="visible"/>
-                                      </p:to>
-                                    </p:set>
-                                  </p:childTnLst>
-                                </p:cTn>
-                              </p:par>
-                            </p:childTnLst>
-                          </p:cTn>
-                        </p:par>
-                      </p:childTnLst>
-                    </p:cTn>
-                  </p:par>
-                  <p:par>
-                    <p:cTn id="13" fill="hold">
-                      <p:stCondLst>
-                        <p:cond delay="indefinite"/>
-                      </p:stCondLst>
-                      <p:childTnLst>
-                        <p:par>
-                          <p:cTn id="14" fill="hold">
-                            <p:stCondLst>
-                              <p:cond delay="0"/>
-                            </p:stCondLst>
-                            <p:childTnLst>
-                              <p:par>
-                                <p:cTn id="15" presetID="1" presetClass="entr" presetSubtype="0" fill="hold" grpId="0" nodeType="clickEffect">
-                                  <p:stCondLst>
-                                    <p:cond delay="0"/>
-                                  </p:stCondLst>
-                                  <p:childTnLst>
-                                    <p:set>
-                                      <p:cBhvr>
-                                        <p:cTn id="16" dur="1" fill="hold">
-                                          <p:stCondLst>
-                                            <p:cond delay="0"/>
-                                          </p:stCondLst>
-                                        </p:cTn>
-                                        <p:tgtEl>
-                                          <p:spTgt spid="3">
-                                            <p:txEl>
-                                              <p:pRg st="4" end="4"/>
-                                            </p:txEl>
-                                          </p:spTgt>
-                                        </p:tgtEl>
-                                        <p:attrNameLst>
-                                          <p:attrName>style.visibility</p:attrName>
-                                        </p:attrNameLst>
-                                      </p:cBhvr>
-                                      <p:to>
-                                        <p:strVal val="visible"/>
-                                      </p:to>
-                                    </p:set>
-                                  </p:childTnLst>
-                                </p:cTn>
-                              </p:par>
-                              <p:par>
-                                <p:cTn id="17" presetID="1" presetClass="entr" presetSubtype="0" fill="hold" grpId="0" nodeType="withEffect">
-                                  <p:stCondLst>
-                                    <p:cond delay="0"/>
-                                  </p:stCondLst>
-                                  <p:childTnLst>
-                                    <p:set>
-                                      <p:cBhvr>
-                                        <p:cTn id="18" dur="1" fill="hold">
-                                          <p:stCondLst>
-                                            <p:cond delay="0"/>
-                                          </p:stCondLst>
-                                        </p:cTn>
-                                        <p:tgtEl>
-                                          <p:spTgt spid="3">
-                                            <p:txEl>
-                                              <p:pRg st="5" end="5"/>
-                                            </p:txEl>
-                                          </p:spTgt>
-                                        </p:tgtEl>
-                                        <p:attrNameLst>
-                                          <p:attrName>style.visibility</p:attrName>
-                                        </p:attrNameLst>
-                                      </p:cBhvr>
-                                      <p:to>
-                                        <p:strVal val="visible"/>
-                                      </p:to>
-                                    </p:set>
-                                  </p:childTnLst>
-                                </p:cTn>
-                              </p:par>
-                              <p:par>
-                                <p:cTn id="19" presetID="1" presetClass="entr" presetSubtype="0" fill="hold" grpId="0" nodeType="withEffect">
-                                  <p:stCondLst>
-                                    <p:cond delay="0"/>
-                                  </p:stCondLst>
-                                  <p:childTnLst>
-                                    <p:set>
-                                      <p:cBhvr>
-                                        <p:cTn id="20" dur="1" fill="hold">
-                                          <p:stCondLst>
-                                            <p:cond delay="0"/>
-                                          </p:stCondLst>
-                                        </p:cTn>
-                                        <p:tgtEl>
-                                          <p:spTgt spid="3">
-                                            <p:txEl>
-                                              <p:pRg st="6" end="6"/>
-                                            </p:txEl>
-                                          </p:spTgt>
-                                        </p:tgtEl>
-                                        <p:attrNameLst>
-                                          <p:attrName>style.visibility</p:attrName>
-                                        </p:attrNameLst>
-                                      </p:cBhvr>
-                                      <p:to>
-                                        <p:strVal val="visible"/>
-                                      </p:to>
-                                    </p:set>
-                                  </p:childTnLst>
-                                </p:cTn>
-                              </p:par>
-                            </p:childTnLst>
-                          </p:cTn>
-                        </p:par>
-                      </p:childTnLst>
-                    </p:cTn>
-                  </p:par>
-                  <p:par>
-                    <p:cTn id="21" fill="hold">
-                      <p:stCondLst>
-                        <p:cond delay="indefinite"/>
-                      </p:stCondLst>
-                      <p:childTnLst>
-                        <p:par>
-                          <p:cTn id="22" fill="hold">
-                            <p:stCondLst>
-                              <p:cond delay="0"/>
-                            </p:stCondLst>
-                            <p:childTnLst>
-                              <p:par>
-                                <p:cTn id="23" presetID="1" presetClass="entr" presetSubtype="0" fill="hold" grpId="0" nodeType="clickEffect">
-                                  <p:stCondLst>
-                                    <p:cond delay="0"/>
-                                  </p:stCondLst>
-                                  <p:childTnLst>
-                                    <p:set>
-                                      <p:cBhvr>
-                                        <p:cTn id="24" dur="1" fill="hold">
-                                          <p:stCondLst>
-                                            <p:cond delay="0"/>
-                                          </p:stCondLst>
-                                        </p:cTn>
-                                        <p:tgtEl>
-                                          <p:spTgt spid="3">
-                                            <p:txEl>
-                                              <p:pRg st="7" end="7"/>
-                                            </p:txEl>
-                                          </p:spTgt>
-                                        </p:tgtEl>
-                                        <p:attrNameLst>
-                                          <p:attrName>style.visibility</p:attrName>
-                                        </p:attrNameLst>
-                                      </p:cBhvr>
-                                      <p:to>
-                                        <p:strVal val="visible"/>
-                                      </p:to>
-                                    </p:set>
-                                  </p:childTnLst>
-                                </p:cTn>
-                              </p:par>
-                            </p:childTnLst>
-                          </p:cTn>
-                        </p:par>
-                      </p:childTnLst>
-                    </p:cTn>
-                  </p:par>
-                </p:childTnLst>
-              </p:cTn>
-              <p:prevCondLst>
-                <p:cond evt="onPrev" delay="0">
-                  <p:tgtEl>
-                    <p:sldTgt/>
-                  </p:tgtEl>
-                </p:cond>
-              </p:prevCondLst>
-              <p:nextCondLst>
-                <p:cond evt="onNext" delay="0">
-                  <p:tgtEl>
-                    <p:sldTgt/>
-                  </p:tgtEl>
-                </p:cond>
-              </p:nextCondLst>
-            </p:seq>
-          </p:childTnLst>
-        </p:cTn>
-      </p:par>
-    </p:tnLst>
-    <p:bldLst>
-      <p:bldP spid="3" grpId="0" build="p"/>
+      <p:bldP spid="4" grpId="0" animBg="1"/>
     </p:bldLst>
   </p:timing>
 </p:sld>
@@ -8253,4 +9571,299 @@
     </a:ext>
   </a:extLst>
 </a:theme>
+</file>
+
+<file path=ppt/theme/theme2.xml><?xml version="1.0" encoding="utf-8"?>
+<a:theme xmlns:a="http://schemas.openxmlformats.org/drawingml/2006/main" name="Office Theme">
+  <a:themeElements>
+    <a:clrScheme name="Office">
+      <a:dk1>
+        <a:sysClr val="windowText" lastClr="000000"/>
+      </a:dk1>
+      <a:lt1>
+        <a:sysClr val="window" lastClr="FFFFFF"/>
+      </a:lt1>
+      <a:dk2>
+        <a:srgbClr val="44546A"/>
+      </a:dk2>
+      <a:lt2>
+        <a:srgbClr val="E7E6E6"/>
+      </a:lt2>
+      <a:accent1>
+        <a:srgbClr val="4472C4"/>
+      </a:accent1>
+      <a:accent2>
+        <a:srgbClr val="ED7D31"/>
+      </a:accent2>
+      <a:accent3>
+        <a:srgbClr val="A5A5A5"/>
+      </a:accent3>
+      <a:accent4>
+        <a:srgbClr val="FFC000"/>
+      </a:accent4>
+      <a:accent5>
+        <a:srgbClr val="5B9BD5"/>
+      </a:accent5>
+      <a:accent6>
+        <a:srgbClr val="70AD47"/>
+      </a:accent6>
+      <a:hlink>
+        <a:srgbClr val="0563C1"/>
+      </a:hlink>
+      <a:folHlink>
+        <a:srgbClr val="954F72"/>
+      </a:folHlink>
+    </a:clrScheme>
+    <a:fontScheme name="Office">
+      <a:majorFont>
+        <a:latin typeface="Calibri Light" panose="020F0302020204030204"/>
+        <a:ea typeface=""/>
+        <a:cs typeface=""/>
+        <a:font script="Jpan" typeface="游ゴシック Light"/>
+        <a:font script="Hang" typeface="맑은 고딕"/>
+        <a:font script="Hans" typeface="等线 Light"/>
+        <a:font script="Hant" typeface="新細明體"/>
+        <a:font script="Arab" typeface="Times New Roman"/>
+        <a:font script="Hebr" typeface="Times New Roman"/>
+        <a:font script="Thai" typeface="Angsana New"/>
+        <a:font script="Ethi" typeface="Nyala"/>
+        <a:font script="Beng" typeface="Vrinda"/>
+        <a:font script="Gujr" typeface="Shruti"/>
+        <a:font script="Khmr" typeface="MoolBoran"/>
+        <a:font script="Knda" typeface="Tunga"/>
+        <a:font script="Guru" typeface="Raavi"/>
+        <a:font script="Cans" typeface="Euphemia"/>
+        <a:font script="Cher" typeface="Plantagenet Cherokee"/>
+        <a:font script="Yiii" typeface="Microsoft Yi Baiti"/>
+        <a:font script="Tibt" typeface="Microsoft Himalaya"/>
+        <a:font script="Thaa" typeface="MV Boli"/>
+        <a:font script="Deva" typeface="Mangal"/>
+        <a:font script="Telu" typeface="Gautami"/>
+        <a:font script="Taml" typeface="Latha"/>
+        <a:font script="Syrc" typeface="Estrangelo Edessa"/>
+        <a:font script="Orya" typeface="Kalinga"/>
+        <a:font script="Mlym" typeface="Kartika"/>
+        <a:font script="Laoo" typeface="DokChampa"/>
+        <a:font script="Sinh" typeface="Iskoola Pota"/>
+        <a:font script="Mong" typeface="Mongolian Baiti"/>
+        <a:font script="Viet" typeface="Times New Roman"/>
+        <a:font script="Uigh" typeface="Microsoft Uighur"/>
+        <a:font script="Geor" typeface="Sylfaen"/>
+        <a:font script="Armn" typeface="Arial"/>
+        <a:font script="Bugi" typeface="Leelawadee UI"/>
+        <a:font script="Bopo" typeface="Microsoft JhengHei"/>
+        <a:font script="Java" typeface="Javanese Text"/>
+        <a:font script="Lisu" typeface="Segoe UI"/>
+        <a:font script="Mymr" typeface="Myanmar Text"/>
+        <a:font script="Nkoo" typeface="Ebrima"/>
+        <a:font script="Olck" typeface="Nirmala UI"/>
+        <a:font script="Osma" typeface="Ebrima"/>
+        <a:font script="Phag" typeface="Phagspa"/>
+        <a:font script="Syrn" typeface="Estrangelo Edessa"/>
+        <a:font script="Syrj" typeface="Estrangelo Edessa"/>
+        <a:font script="Syre" typeface="Estrangelo Edessa"/>
+        <a:font script="Sora" typeface="Nirmala UI"/>
+        <a:font script="Tale" typeface="Microsoft Tai Le"/>
+        <a:font script="Talu" typeface="Microsoft New Tai Lue"/>
+        <a:font script="Tfng" typeface="Ebrima"/>
+      </a:majorFont>
+      <a:minorFont>
+        <a:latin typeface="Calibri" panose="020F0502020204030204"/>
+        <a:ea typeface=""/>
+        <a:cs typeface=""/>
+        <a:font script="Jpan" typeface="游ゴシック"/>
+        <a:font script="Hang" typeface="맑은 고딕"/>
+        <a:font script="Hans" typeface="等线"/>
+        <a:font script="Hant" typeface="新細明體"/>
+        <a:font script="Arab" typeface="Arial"/>
+        <a:font script="Hebr" typeface="Arial"/>
+        <a:font script="Thai" typeface="Cordia New"/>
+        <a:font script="Ethi" typeface="Nyala"/>
+        <a:font script="Beng" typeface="Vrinda"/>
+        <a:font script="Gujr" typeface="Shruti"/>
+        <a:font script="Khmr" typeface="DaunPenh"/>
+        <a:font script="Knda" typeface="Tunga"/>
+        <a:font script="Guru" typeface="Raavi"/>
+        <a:font script="Cans" typeface="Euphemia"/>
+        <a:font script="Cher" typeface="Plantagenet Cherokee"/>
+        <a:font script="Yiii" typeface="Microsoft Yi Baiti"/>
+        <a:font script="Tibt" typeface="Microsoft Himalaya"/>
+        <a:font script="Thaa" typeface="MV Boli"/>
+        <a:font script="Deva" typeface="Mangal"/>
+        <a:font script="Telu" typeface="Gautami"/>
+        <a:font script="Taml" typeface="Latha"/>
+        <a:font script="Syrc" typeface="Estrangelo Edessa"/>
+        <a:font script="Orya" typeface="Kalinga"/>
+        <a:font script="Mlym" typeface="Kartika"/>
+        <a:font script="Laoo" typeface="DokChampa"/>
+        <a:font script="Sinh" typeface="Iskoola Pota"/>
+        <a:font script="Mong" typeface="Mongolian Baiti"/>
+        <a:font script="Viet" typeface="Arial"/>
+        <a:font script="Uigh" typeface="Microsoft Uighur"/>
+        <a:font script="Geor" typeface="Sylfaen"/>
+        <a:font script="Armn" typeface="Arial"/>
+        <a:font script="Bugi" typeface="Leelawadee UI"/>
+        <a:font script="Bopo" typeface="Microsoft JhengHei"/>
+        <a:font script="Java" typeface="Javanese Text"/>
+        <a:font script="Lisu" typeface="Segoe UI"/>
+        <a:font script="Mymr" typeface="Myanmar Text"/>
+        <a:font script="Nkoo" typeface="Ebrima"/>
+        <a:font script="Olck" typeface="Nirmala UI"/>
+        <a:font script="Osma" typeface="Ebrima"/>
+        <a:font script="Phag" typeface="Phagspa"/>
+        <a:font script="Syrn" typeface="Estrangelo Edessa"/>
+        <a:font script="Syrj" typeface="Estrangelo Edessa"/>
+        <a:font script="Syre" typeface="Estrangelo Edessa"/>
+        <a:font script="Sora" typeface="Nirmala UI"/>
+        <a:font script="Tale" typeface="Microsoft Tai Le"/>
+        <a:font script="Talu" typeface="Microsoft New Tai Lue"/>
+        <a:font script="Tfng" typeface="Ebrima"/>
+      </a:minorFont>
+    </a:fontScheme>
+    <a:fmtScheme name="Office">
+      <a:fillStyleLst>
+        <a:solidFill>
+          <a:schemeClr val="phClr"/>
+        </a:solidFill>
+        <a:gradFill rotWithShape="1">
+          <a:gsLst>
+            <a:gs pos="0">
+              <a:schemeClr val="phClr">
+                <a:lumMod val="110000"/>
+                <a:satMod val="105000"/>
+                <a:tint val="67000"/>
+              </a:schemeClr>
+            </a:gs>
+            <a:gs pos="50000">
+              <a:schemeClr val="phClr">
+                <a:lumMod val="105000"/>
+                <a:satMod val="103000"/>
+                <a:tint val="73000"/>
+              </a:schemeClr>
+            </a:gs>
+            <a:gs pos="100000">
+              <a:schemeClr val="phClr">
+                <a:lumMod val="105000"/>
+                <a:satMod val="109000"/>
+                <a:tint val="81000"/>
+              </a:schemeClr>
+            </a:gs>
+          </a:gsLst>
+          <a:lin ang="5400000" scaled="0"/>
+        </a:gradFill>
+        <a:gradFill rotWithShape="1">
+          <a:gsLst>
+            <a:gs pos="0">
+              <a:schemeClr val="phClr">
+                <a:satMod val="103000"/>
+                <a:lumMod val="102000"/>
+                <a:tint val="94000"/>
+              </a:schemeClr>
+            </a:gs>
+            <a:gs pos="50000">
+              <a:schemeClr val="phClr">
+                <a:satMod val="110000"/>
+                <a:lumMod val="100000"/>
+                <a:shade val="100000"/>
+              </a:schemeClr>
+            </a:gs>
+            <a:gs pos="100000">
+              <a:schemeClr val="phClr">
+                <a:lumMod val="99000"/>
+                <a:satMod val="120000"/>
+                <a:shade val="78000"/>
+              </a:schemeClr>
+            </a:gs>
+          </a:gsLst>
+          <a:lin ang="5400000" scaled="0"/>
+        </a:gradFill>
+      </a:fillStyleLst>
+      <a:lnStyleLst>
+        <a:ln w="6350" cap="flat" cmpd="sng" algn="ctr">
+          <a:solidFill>
+            <a:schemeClr val="phClr"/>
+          </a:solidFill>
+          <a:prstDash val="solid"/>
+          <a:miter lim="800000"/>
+        </a:ln>
+        <a:ln w="12700" cap="flat" cmpd="sng" algn="ctr">
+          <a:solidFill>
+            <a:schemeClr val="phClr"/>
+          </a:solidFill>
+          <a:prstDash val="solid"/>
+          <a:miter lim="800000"/>
+        </a:ln>
+        <a:ln w="19050" cap="flat" cmpd="sng" algn="ctr">
+          <a:solidFill>
+            <a:schemeClr val="phClr"/>
+          </a:solidFill>
+          <a:prstDash val="solid"/>
+          <a:miter lim="800000"/>
+        </a:ln>
+      </a:lnStyleLst>
+      <a:effectStyleLst>
+        <a:effectStyle>
+          <a:effectLst/>
+        </a:effectStyle>
+        <a:effectStyle>
+          <a:effectLst/>
+        </a:effectStyle>
+        <a:effectStyle>
+          <a:effectLst>
+            <a:outerShdw blurRad="57150" dist="19050" dir="5400000" algn="ctr" rotWithShape="0">
+              <a:srgbClr val="000000">
+                <a:alpha val="63000"/>
+              </a:srgbClr>
+            </a:outerShdw>
+          </a:effectLst>
+        </a:effectStyle>
+      </a:effectStyleLst>
+      <a:bgFillStyleLst>
+        <a:solidFill>
+          <a:schemeClr val="phClr"/>
+        </a:solidFill>
+        <a:solidFill>
+          <a:schemeClr val="phClr">
+            <a:tint val="95000"/>
+            <a:satMod val="170000"/>
+          </a:schemeClr>
+        </a:solidFill>
+        <a:gradFill rotWithShape="1">
+          <a:gsLst>
+            <a:gs pos="0">
+              <a:schemeClr val="phClr">
+                <a:tint val="93000"/>
+                <a:satMod val="150000"/>
+                <a:shade val="98000"/>
+                <a:lumMod val="102000"/>
+              </a:schemeClr>
+            </a:gs>
+            <a:gs pos="50000">
+              <a:schemeClr val="phClr">
+                <a:tint val="98000"/>
+                <a:satMod val="130000"/>
+                <a:shade val="90000"/>
+                <a:lumMod val="103000"/>
+              </a:schemeClr>
+            </a:gs>
+            <a:gs pos="100000">
+              <a:schemeClr val="phClr">
+                <a:shade val="63000"/>
+                <a:satMod val="120000"/>
+              </a:schemeClr>
+            </a:gs>
+          </a:gsLst>
+          <a:lin ang="5400000" scaled="0"/>
+        </a:gradFill>
+      </a:bgFillStyleLst>
+    </a:fmtScheme>
+  </a:themeElements>
+  <a:objectDefaults/>
+  <a:extraClrSchemeLst/>
+  <a:extLst>
+    <a:ext uri="{05A4C25C-085E-4340-85A3-A5531E510DB2}">
+      <thm15:themeFamily xmlns:thm15="http://schemas.microsoft.com/office/thememl/2012/main" name="Office Theme" id="{62F939B6-93AF-4DB8-9C6B-D6C7DFDC589F}" vid="{4A3C46E8-61CC-4603-A589-7422A47A8E4A}"/>
+    </a:ext>
+  </a:extLst>
+</a:theme>
 </file>